--- a/Proyecto/proyectoFinal.pptx
+++ b/Proyecto/proyectoFinal.pptx
@@ -127,6 +127,11 @@
     <p:ext uri="{EFAFB233-063F-42B5-8137-9DF3F51BA10A}">
       <p15:sldGuideLst xmlns:p15="http://schemas.microsoft.com/office/powerpoint/2012/main">
         <p15:guide id="1" pos="3840" userDrawn="1">
+          <p15:clr>
+            <a:srgbClr val="A4A3A4"/>
+          </p15:clr>
+        </p15:guide>
+        <p15:guide id="2" orient="horz" pos="2160">
           <p15:clr>
             <a:srgbClr val="A4A3A4"/>
           </p15:clr>
@@ -3548,16 +3553,16 @@
               <a:t>para </a:t>
             </a:r>
             <a:r>
+              <a:rPr lang="es-ES" sz="4800"/>
+              <a:t>la </a:t>
+            </a:r>
+            <a:r>
+              <a:rPr lang="es-ES" sz="4800" smtClean="0"/>
+              <a:t>búsqueda </a:t>
+            </a:r>
+            <a:r>
               <a:rPr lang="es-ES" sz="4800" dirty="0"/>
-              <a:t>la </a:t>
-            </a:r>
-            <a:r>
-              <a:rPr lang="es-ES" sz="4800" dirty="0" err="1"/>
-              <a:t>busqueda</a:t>
-            </a:r>
-            <a:r>
-              <a:rPr lang="es-ES" sz="4800" dirty="0"/>
-              <a:t> de patrones en cadenas de ADN</a:t>
+              <a:t>de patrones en cadenas de ADN</a:t>
             </a:r>
             <a:endParaRPr lang="en-US" sz="4800" dirty="0"/>
           </a:p>
@@ -4711,11 +4716,11 @@
   <p:clrMapOvr>
     <a:masterClrMapping/>
   </p:clrMapOvr>
-  <mc:AlternateContent xmlns:mc="http://schemas.openxmlformats.org/markup-compatibility/2006">
-    <mc:Choice xmlns:p14="http://schemas.microsoft.com/office/powerpoint/2010/main" Requires="p14">
+  <mc:AlternateContent xmlns:mc="http://schemas.openxmlformats.org/markup-compatibility/2006" xmlns:p14="http://schemas.microsoft.com/office/powerpoint/2010/main">
+    <mc:Choice Requires="p14">
       <p:transition spd="slow" p14:dur="2000" advTm="15000"/>
     </mc:Choice>
-    <mc:Fallback>
+    <mc:Fallback xmlns="">
       <p:transition spd="slow" advTm="15000"/>
     </mc:Fallback>
   </mc:AlternateContent>

--- a/Proyecto/proyectoFinal.pptx
+++ b/Proyecto/proyectoFinal.pptx
@@ -12,19 +12,20 @@
     <p:sldId id="260" r:id="rId6"/>
     <p:sldId id="261" r:id="rId7"/>
     <p:sldId id="276" r:id="rId8"/>
-    <p:sldId id="263" r:id="rId9"/>
-    <p:sldId id="264" r:id="rId10"/>
-    <p:sldId id="265" r:id="rId11"/>
-    <p:sldId id="266" r:id="rId12"/>
-    <p:sldId id="267" r:id="rId13"/>
-    <p:sldId id="268" r:id="rId14"/>
-    <p:sldId id="269" r:id="rId15"/>
+    <p:sldId id="269" r:id="rId9"/>
+    <p:sldId id="265" r:id="rId10"/>
+    <p:sldId id="263" r:id="rId11"/>
+    <p:sldId id="264" r:id="rId12"/>
+    <p:sldId id="266" r:id="rId13"/>
+    <p:sldId id="267" r:id="rId14"/>
+    <p:sldId id="268" r:id="rId15"/>
     <p:sldId id="270" r:id="rId16"/>
     <p:sldId id="271" r:id="rId17"/>
     <p:sldId id="272" r:id="rId18"/>
     <p:sldId id="273" r:id="rId19"/>
     <p:sldId id="274" r:id="rId20"/>
     <p:sldId id="275" r:id="rId21"/>
+    <p:sldId id="277" r:id="rId22"/>
   </p:sldIdLst>
   <p:sldSz cx="12192000" cy="6858000"/>
   <p:notesSz cx="6858000" cy="9144000"/>
@@ -140,6 +141,284 @@
     </p:ext>
   </p:extLst>
 </p:presentation>
+</file>
+
+<file path=ppt/commentAuthors.xml><?xml version="1.0" encoding="utf-8"?>
+<p:cmAuthorLst xmlns:a="http://schemas.openxmlformats.org/drawingml/2006/main" xmlns:r="http://schemas.openxmlformats.org/officeDocument/2006/relationships" xmlns:p="http://schemas.openxmlformats.org/presentationml/2006/main">
+  <p:cmAuthor id="1" name="Aguilar Cascante, Luis" initials="ACL" lastIdx="20" clrIdx="0">
+    <p:extLst>
+      <p:ext uri="{19B8F6BF-5375-455C-9EA6-DF929625EA0E}">
+        <p15:presenceInfo xmlns:p15="http://schemas.microsoft.com/office/powerpoint/2012/main" userId="S-1-5-21-725345543-602162358-527237240-3417622" providerId="AD"/>
+      </p:ext>
+    </p:extLst>
+  </p:cmAuthor>
+</p:cmAuthorLst>
+</file>
+
+<file path=ppt/comments/comment1.xml><?xml version="1.0" encoding="utf-8"?>
+<p:cmLst xmlns:a="http://schemas.openxmlformats.org/drawingml/2006/main" xmlns:r="http://schemas.openxmlformats.org/officeDocument/2006/relationships" xmlns:p="http://schemas.openxmlformats.org/presentationml/2006/main">
+  <p:cm authorId="1" dt="2017-03-02T17:47:22.914" idx="1">
+    <p:pos x="10" y="10"/>
+    <p:text>ADRIAN</p:text>
+    <p:extLst>
+      <p:ext uri="{C676402C-5697-4E1C-873F-D02D1690AC5C}">
+        <p15:threadingInfo xmlns:p15="http://schemas.microsoft.com/office/powerpoint/2012/main" timeZoneBias="360"/>
+      </p:ext>
+    </p:extLst>
+  </p:cm>
+</p:cmLst>
+</file>
+
+<file path=ppt/comments/comment10.xml><?xml version="1.0" encoding="utf-8"?>
+<p:cmLst xmlns:a="http://schemas.openxmlformats.org/drawingml/2006/main" xmlns:r="http://schemas.openxmlformats.org/officeDocument/2006/relationships" xmlns:p="http://schemas.openxmlformats.org/presentationml/2006/main">
+  <p:cm authorId="1" dt="2017-03-02T18:07:46.035" idx="20">
+    <p:pos x="10" y="10"/>
+    <p:text>Robin</p:text>
+    <p:extLst>
+      <p:ext uri="{C676402C-5697-4E1C-873F-D02D1690AC5C}">
+        <p15:threadingInfo xmlns:p15="http://schemas.microsoft.com/office/powerpoint/2012/main" timeZoneBias="360"/>
+      </p:ext>
+    </p:extLst>
+  </p:cm>
+</p:cmLst>
+</file>
+
+<file path=ppt/comments/comment11.xml><?xml version="1.0" encoding="utf-8"?>
+<p:cmLst xmlns:a="http://schemas.openxmlformats.org/drawingml/2006/main" xmlns:r="http://schemas.openxmlformats.org/officeDocument/2006/relationships" xmlns:p="http://schemas.openxmlformats.org/presentationml/2006/main">
+  <p:cm authorId="1" dt="2017-03-02T18:05:48.617" idx="16">
+    <p:pos x="10" y="10"/>
+    <p:text>Robin</p:text>
+    <p:extLst>
+      <p:ext uri="{C676402C-5697-4E1C-873F-D02D1690AC5C}">
+        <p15:threadingInfo xmlns:p15="http://schemas.microsoft.com/office/powerpoint/2012/main" timeZoneBias="360"/>
+      </p:ext>
+    </p:extLst>
+  </p:cm>
+</p:cmLst>
+</file>
+
+<file path=ppt/comments/comment12.xml><?xml version="1.0" encoding="utf-8"?>
+<p:cmLst xmlns:a="http://schemas.openxmlformats.org/drawingml/2006/main" xmlns:r="http://schemas.openxmlformats.org/officeDocument/2006/relationships" xmlns:p="http://schemas.openxmlformats.org/presentationml/2006/main">
+  <p:cm authorId="1" dt="2017-03-02T18:05:58.204" idx="17">
+    <p:pos x="10" y="10"/>
+    <p:text>Robin</p:text>
+    <p:extLst>
+      <p:ext uri="{C676402C-5697-4E1C-873F-D02D1690AC5C}">
+        <p15:threadingInfo xmlns:p15="http://schemas.microsoft.com/office/powerpoint/2012/main" timeZoneBias="360"/>
+      </p:ext>
+    </p:extLst>
+  </p:cm>
+</p:cmLst>
+</file>
+
+<file path=ppt/comments/comment13.xml><?xml version="1.0" encoding="utf-8"?>
+<p:cmLst xmlns:a="http://schemas.openxmlformats.org/drawingml/2006/main" xmlns:r="http://schemas.openxmlformats.org/officeDocument/2006/relationships" xmlns:p="http://schemas.openxmlformats.org/presentationml/2006/main">
+  <p:cm authorId="1" dt="2017-03-02T18:06:02.874" idx="18">
+    <p:pos x="10" y="10"/>
+    <p:text>Robin</p:text>
+    <p:extLst>
+      <p:ext uri="{C676402C-5697-4E1C-873F-D02D1690AC5C}">
+        <p15:threadingInfo xmlns:p15="http://schemas.microsoft.com/office/powerpoint/2012/main" timeZoneBias="360"/>
+      </p:ext>
+    </p:extLst>
+  </p:cm>
+</p:cmLst>
+</file>
+
+<file path=ppt/comments/comment14.xml><?xml version="1.0" encoding="utf-8"?>
+<p:cmLst xmlns:a="http://schemas.openxmlformats.org/drawingml/2006/main" xmlns:r="http://schemas.openxmlformats.org/officeDocument/2006/relationships" xmlns:p="http://schemas.openxmlformats.org/presentationml/2006/main">
+  <p:cm authorId="1" dt="2017-03-02T18:06:08.163" idx="19">
+    <p:pos x="10" y="10"/>
+    <p:text>Robin</p:text>
+    <p:extLst>
+      <p:ext uri="{C676402C-5697-4E1C-873F-D02D1690AC5C}">
+        <p15:threadingInfo xmlns:p15="http://schemas.microsoft.com/office/powerpoint/2012/main" timeZoneBias="360"/>
+      </p:ext>
+    </p:extLst>
+  </p:cm>
+</p:cmLst>
+</file>
+
+<file path=ppt/comments/comment15.xml><?xml version="1.0" encoding="utf-8"?>
+<p:cmLst xmlns:a="http://schemas.openxmlformats.org/drawingml/2006/main" xmlns:r="http://schemas.openxmlformats.org/officeDocument/2006/relationships" xmlns:p="http://schemas.openxmlformats.org/presentationml/2006/main">
+  <p:cm authorId="1" dt="2017-03-02T18:05:16.150" idx="10">
+    <p:pos x="10" y="10"/>
+    <p:text>Adrian</p:text>
+    <p:extLst>
+      <p:ext uri="{C676402C-5697-4E1C-873F-D02D1690AC5C}">
+        <p15:threadingInfo xmlns:p15="http://schemas.microsoft.com/office/powerpoint/2012/main" timeZoneBias="360"/>
+      </p:ext>
+    </p:extLst>
+  </p:cm>
+</p:cmLst>
+</file>
+
+<file path=ppt/comments/comment16.xml><?xml version="1.0" encoding="utf-8"?>
+<p:cmLst xmlns:a="http://schemas.openxmlformats.org/drawingml/2006/main" xmlns:r="http://schemas.openxmlformats.org/officeDocument/2006/relationships" xmlns:p="http://schemas.openxmlformats.org/presentationml/2006/main">
+  <p:cm authorId="1" dt="2017-03-02T18:05:26.191" idx="12">
+    <p:pos x="10" y="10"/>
+    <p:text>Adrian</p:text>
+    <p:extLst>
+      <p:ext uri="{C676402C-5697-4E1C-873F-D02D1690AC5C}">
+        <p15:threadingInfo xmlns:p15="http://schemas.microsoft.com/office/powerpoint/2012/main" timeZoneBias="360"/>
+      </p:ext>
+    </p:extLst>
+  </p:cm>
+</p:cmLst>
+</file>
+
+<file path=ppt/comments/comment17.xml><?xml version="1.0" encoding="utf-8"?>
+<p:cmLst xmlns:a="http://schemas.openxmlformats.org/drawingml/2006/main" xmlns:r="http://schemas.openxmlformats.org/officeDocument/2006/relationships" xmlns:p="http://schemas.openxmlformats.org/presentationml/2006/main">
+  <p:cm authorId="1" dt="2017-03-02T18:05:30.662" idx="13">
+    <p:pos x="10" y="10"/>
+    <p:text>Adrian</p:text>
+    <p:extLst>
+      <p:ext uri="{C676402C-5697-4E1C-873F-D02D1690AC5C}">
+        <p15:threadingInfo xmlns:p15="http://schemas.microsoft.com/office/powerpoint/2012/main" timeZoneBias="360"/>
+      </p:ext>
+    </p:extLst>
+  </p:cm>
+</p:cmLst>
+</file>
+
+<file path=ppt/comments/comment18.xml><?xml version="1.0" encoding="utf-8"?>
+<p:cmLst xmlns:a="http://schemas.openxmlformats.org/drawingml/2006/main" xmlns:r="http://schemas.openxmlformats.org/officeDocument/2006/relationships" xmlns:p="http://schemas.openxmlformats.org/presentationml/2006/main">
+  <p:cm authorId="1" dt="2017-03-02T18:05:34.920" idx="14">
+    <p:pos x="10" y="10"/>
+    <p:text>Adrian</p:text>
+    <p:extLst>
+      <p:ext uri="{C676402C-5697-4E1C-873F-D02D1690AC5C}">
+        <p15:threadingInfo xmlns:p15="http://schemas.microsoft.com/office/powerpoint/2012/main" timeZoneBias="360"/>
+      </p:ext>
+    </p:extLst>
+  </p:cm>
+</p:cmLst>
+</file>
+
+<file path=ppt/comments/comment19.xml><?xml version="1.0" encoding="utf-8"?>
+<p:cmLst xmlns:a="http://schemas.openxmlformats.org/drawingml/2006/main" xmlns:r="http://schemas.openxmlformats.org/officeDocument/2006/relationships" xmlns:p="http://schemas.openxmlformats.org/presentationml/2006/main">
+  <p:cm authorId="1" dt="2017-03-02T17:48:47.497" idx="9">
+    <p:pos x="10" y="10"/>
+    <p:text>Adrian Gianca Robin</p:text>
+    <p:extLst>
+      <p:ext uri="{C676402C-5697-4E1C-873F-D02D1690AC5C}">
+        <p15:threadingInfo xmlns:p15="http://schemas.microsoft.com/office/powerpoint/2012/main" timeZoneBias="360"/>
+      </p:ext>
+    </p:extLst>
+  </p:cm>
+</p:cmLst>
+</file>
+
+<file path=ppt/comments/comment2.xml><?xml version="1.0" encoding="utf-8"?>
+<p:cmLst xmlns:a="http://schemas.openxmlformats.org/drawingml/2006/main" xmlns:r="http://schemas.openxmlformats.org/officeDocument/2006/relationships" xmlns:p="http://schemas.openxmlformats.org/presentationml/2006/main">
+  <p:cm authorId="1" dt="2017-03-02T17:47:33.431" idx="2">
+    <p:pos x="10" y="10"/>
+    <p:text>Adrian</p:text>
+    <p:extLst>
+      <p:ext uri="{C676402C-5697-4E1C-873F-D02D1690AC5C}">
+        <p15:threadingInfo xmlns:p15="http://schemas.microsoft.com/office/powerpoint/2012/main" timeZoneBias="360"/>
+      </p:ext>
+    </p:extLst>
+  </p:cm>
+</p:cmLst>
+</file>
+
+<file path=ppt/comments/comment3.xml><?xml version="1.0" encoding="utf-8"?>
+<p:cmLst xmlns:a="http://schemas.openxmlformats.org/drawingml/2006/main" xmlns:r="http://schemas.openxmlformats.org/officeDocument/2006/relationships" xmlns:p="http://schemas.openxmlformats.org/presentationml/2006/main">
+  <p:cm authorId="1" dt="2017-03-02T17:47:47.103" idx="3">
+    <p:pos x="10" y="10"/>
+    <p:text>Gianca</p:text>
+    <p:extLst>
+      <p:ext uri="{C676402C-5697-4E1C-873F-D02D1690AC5C}">
+        <p15:threadingInfo xmlns:p15="http://schemas.microsoft.com/office/powerpoint/2012/main" timeZoneBias="360"/>
+      </p:ext>
+    </p:extLst>
+  </p:cm>
+</p:cmLst>
+</file>
+
+<file path=ppt/comments/comment4.xml><?xml version="1.0" encoding="utf-8"?>
+<p:cmLst xmlns:a="http://schemas.openxmlformats.org/drawingml/2006/main" xmlns:r="http://schemas.openxmlformats.org/officeDocument/2006/relationships" xmlns:p="http://schemas.openxmlformats.org/presentationml/2006/main">
+  <p:cm authorId="1" dt="2017-03-02T17:47:53.251" idx="4">
+    <p:pos x="10" y="10"/>
+    <p:text>Gianca</p:text>
+    <p:extLst>
+      <p:ext uri="{C676402C-5697-4E1C-873F-D02D1690AC5C}">
+        <p15:threadingInfo xmlns:p15="http://schemas.microsoft.com/office/powerpoint/2012/main" timeZoneBias="360"/>
+      </p:ext>
+    </p:extLst>
+  </p:cm>
+</p:cmLst>
+</file>
+
+<file path=ppt/comments/comment5.xml><?xml version="1.0" encoding="utf-8"?>
+<p:cmLst xmlns:a="http://schemas.openxmlformats.org/drawingml/2006/main" xmlns:r="http://schemas.openxmlformats.org/officeDocument/2006/relationships" xmlns:p="http://schemas.openxmlformats.org/presentationml/2006/main">
+  <p:cm authorId="1" dt="2017-03-02T17:48:00.275" idx="5">
+    <p:pos x="10" y="10"/>
+    <p:text>Gianca</p:text>
+    <p:extLst>
+      <p:ext uri="{C676402C-5697-4E1C-873F-D02D1690AC5C}">
+        <p15:threadingInfo xmlns:p15="http://schemas.microsoft.com/office/powerpoint/2012/main" timeZoneBias="360"/>
+      </p:ext>
+    </p:extLst>
+  </p:cm>
+</p:cmLst>
+</file>
+
+<file path=ppt/comments/comment6.xml><?xml version="1.0" encoding="utf-8"?>
+<p:cmLst xmlns:a="http://schemas.openxmlformats.org/drawingml/2006/main" xmlns:r="http://schemas.openxmlformats.org/officeDocument/2006/relationships" xmlns:p="http://schemas.openxmlformats.org/presentationml/2006/main">
+  <p:cm authorId="1" dt="2017-03-02T17:48:07.750" idx="6">
+    <p:pos x="10" y="10"/>
+    <p:text>Gianca</p:text>
+    <p:extLst>
+      <p:ext uri="{C676402C-5697-4E1C-873F-D02D1690AC5C}">
+        <p15:threadingInfo xmlns:p15="http://schemas.microsoft.com/office/powerpoint/2012/main" timeZoneBias="360"/>
+      </p:ext>
+    </p:extLst>
+  </p:cm>
+</p:cmLst>
+</file>
+
+<file path=ppt/comments/comment7.xml><?xml version="1.0" encoding="utf-8"?>
+<p:cmLst xmlns:a="http://schemas.openxmlformats.org/drawingml/2006/main" xmlns:r="http://schemas.openxmlformats.org/officeDocument/2006/relationships" xmlns:p="http://schemas.openxmlformats.org/presentationml/2006/main">
+  <p:cm authorId="1" dt="2017-03-02T17:48:24.327" idx="8">
+    <p:pos x="10" y="10"/>
+    <p:text>Gianca</p:text>
+    <p:extLst>
+      <p:ext uri="{C676402C-5697-4E1C-873F-D02D1690AC5C}">
+        <p15:threadingInfo xmlns:p15="http://schemas.microsoft.com/office/powerpoint/2012/main" timeZoneBias="360"/>
+      </p:ext>
+    </p:extLst>
+  </p:cm>
+</p:cmLst>
+</file>
+
+<file path=ppt/comments/comment8.xml><?xml version="1.0" encoding="utf-8"?>
+<p:cmLst xmlns:a="http://schemas.openxmlformats.org/drawingml/2006/main" xmlns:r="http://schemas.openxmlformats.org/officeDocument/2006/relationships" xmlns:p="http://schemas.openxmlformats.org/presentationml/2006/main">
+  <p:cm authorId="1" dt="2017-03-02T18:05:21.459" idx="11">
+    <p:pos x="10" y="10"/>
+    <p:text>Gianca</p:text>
+    <p:extLst>
+      <p:ext uri="{C676402C-5697-4E1C-873F-D02D1690AC5C}">
+        <p15:threadingInfo xmlns:p15="http://schemas.microsoft.com/office/powerpoint/2012/main" timeZoneBias="360"/>
+      </p:ext>
+    </p:extLst>
+  </p:cm>
+</p:cmLst>
+</file>
+
+<file path=ppt/comments/comment9.xml><?xml version="1.0" encoding="utf-8"?>
+<p:cmLst xmlns:a="http://schemas.openxmlformats.org/drawingml/2006/main" xmlns:r="http://schemas.openxmlformats.org/officeDocument/2006/relationships" xmlns:p="http://schemas.openxmlformats.org/presentationml/2006/main">
+  <p:cm authorId="1" dt="2017-03-02T18:05:43.272" idx="15">
+    <p:pos x="10" y="10"/>
+    <p:text>Robin</p:text>
+    <p:extLst>
+      <p:ext uri="{C676402C-5697-4E1C-873F-D02D1690AC5C}">
+        <p15:threadingInfo xmlns:p15="http://schemas.microsoft.com/office/powerpoint/2012/main" timeZoneBias="360"/>
+      </p:ext>
+    </p:extLst>
+  </p:cm>
+</p:cmLst>
 </file>
 
 <file path=ppt/slideLayouts/slideLayout1.xml><?xml version="1.0" encoding="utf-8"?>
@@ -3836,23 +4115,7 @@
           <a:bodyPr/>
           <a:lstStyle/>
           <a:p>
-            <a:r>
-              <a:rPr lang="en-US" dirty="0" err="1" smtClean="0"/>
-              <a:t>Implementación</a:t>
-            </a:r>
-            <a:r>
-              <a:rPr lang="en-US" dirty="0" smtClean="0"/>
-              <a:t> </a:t>
-            </a:r>
-            <a:r>
-              <a:rPr lang="en-US" dirty="0" err="1" smtClean="0"/>
-              <a:t>en</a:t>
-            </a:r>
-            <a:r>
-              <a:rPr lang="en-US" dirty="0" smtClean="0"/>
-              <a:t> C++</a:t>
-            </a:r>
-            <a:endParaRPr lang="en-US" dirty="0"/>
+            <a:endParaRPr lang="en-US"/>
           </a:p>
         </p:txBody>
       </p:sp>
@@ -3878,7 +4141,7 @@
     </p:spTree>
     <p:extLst>
       <p:ext uri="{BB962C8B-B14F-4D97-AF65-F5344CB8AC3E}">
-        <p14:creationId xmlns:p14="http://schemas.microsoft.com/office/powerpoint/2010/main" val="3342285043"/>
+        <p14:creationId xmlns:p14="http://schemas.microsoft.com/office/powerpoint/2010/main" val="3079765301"/>
       </p:ext>
     </p:extLst>
   </p:cSld>
@@ -3927,7 +4190,7 @@
           <a:bodyPr/>
           <a:lstStyle/>
           <a:p>
-            <a:endParaRPr lang="en-US"/>
+            <a:endParaRPr lang="en-US" dirty="0"/>
           </a:p>
         </p:txBody>
       </p:sp>
@@ -3953,7 +4216,7 @@
     </p:spTree>
     <p:extLst>
       <p:ext uri="{BB962C8B-B14F-4D97-AF65-F5344CB8AC3E}">
-        <p14:creationId xmlns:p14="http://schemas.microsoft.com/office/powerpoint/2010/main" val="1084438022"/>
+        <p14:creationId xmlns:p14="http://schemas.microsoft.com/office/powerpoint/2010/main" val="2486001540"/>
       </p:ext>
     </p:extLst>
   </p:cSld>
@@ -4002,7 +4265,19 @@
           <a:bodyPr/>
           <a:lstStyle/>
           <a:p>
-            <a:endParaRPr lang="en-US"/>
+            <a:r>
+              <a:rPr lang="en-US" dirty="0" err="1" smtClean="0"/>
+              <a:t>Experimentos</a:t>
+            </a:r>
+            <a:r>
+              <a:rPr lang="en-US" dirty="0" smtClean="0"/>
+              <a:t> </a:t>
+            </a:r>
+            <a:r>
+              <a:rPr lang="en-US" dirty="0" err="1" smtClean="0"/>
+              <a:t>Realizados</a:t>
+            </a:r>
+            <a:endParaRPr lang="en-US" dirty="0"/>
           </a:p>
         </p:txBody>
       </p:sp>
@@ -4021,14 +4296,14 @@
           <a:bodyPr/>
           <a:lstStyle/>
           <a:p>
-            <a:endParaRPr lang="en-US"/>
+            <a:endParaRPr lang="en-US" dirty="0"/>
           </a:p>
         </p:txBody>
       </p:sp>
     </p:spTree>
     <p:extLst>
       <p:ext uri="{BB962C8B-B14F-4D97-AF65-F5344CB8AC3E}">
-        <p14:creationId xmlns:p14="http://schemas.microsoft.com/office/powerpoint/2010/main" val="2616014518"/>
+        <p14:creationId xmlns:p14="http://schemas.microsoft.com/office/powerpoint/2010/main" val="1084438022"/>
       </p:ext>
     </p:extLst>
   </p:cSld>
@@ -4103,7 +4378,7 @@
     </p:spTree>
     <p:extLst>
       <p:ext uri="{BB962C8B-B14F-4D97-AF65-F5344CB8AC3E}">
-        <p14:creationId xmlns:p14="http://schemas.microsoft.com/office/powerpoint/2010/main" val="571284949"/>
+        <p14:creationId xmlns:p14="http://schemas.microsoft.com/office/powerpoint/2010/main" val="2616014518"/>
       </p:ext>
     </p:extLst>
   </p:cSld>
@@ -4178,7 +4453,7 @@
     </p:spTree>
     <p:extLst>
       <p:ext uri="{BB962C8B-B14F-4D97-AF65-F5344CB8AC3E}">
-        <p14:creationId xmlns:p14="http://schemas.microsoft.com/office/powerpoint/2010/main" val="186353187"/>
+        <p14:creationId xmlns:p14="http://schemas.microsoft.com/office/powerpoint/2010/main" val="571284949"/>
       </p:ext>
     </p:extLst>
   </p:cSld>
@@ -4231,6 +4506,14 @@
               <a:rPr lang="en-US" dirty="0" err="1" smtClean="0"/>
               <a:t>Resultados</a:t>
             </a:r>
+            <a:r>
+              <a:rPr lang="en-US" dirty="0" smtClean="0"/>
+              <a:t> </a:t>
+            </a:r>
+            <a:r>
+              <a:rPr lang="en-US" dirty="0" err="1" smtClean="0"/>
+              <a:t>obtenidos</a:t>
+            </a:r>
             <a:endParaRPr lang="en-US" dirty="0"/>
           </a:p>
         </p:txBody>
@@ -4250,7 +4533,7 @@
           <a:bodyPr/>
           <a:lstStyle/>
           <a:p>
-            <a:endParaRPr lang="en-US"/>
+            <a:endParaRPr lang="en-US" dirty="0"/>
           </a:p>
         </p:txBody>
       </p:sp>
@@ -4381,7 +4664,27 @@
           <a:bodyPr/>
           <a:lstStyle/>
           <a:p>
-            <a:endParaRPr lang="en-US"/>
+            <a:r>
+              <a:rPr lang="en-US" dirty="0" err="1" smtClean="0"/>
+              <a:t>Tiempos</a:t>
+            </a:r>
+            <a:r>
+              <a:rPr lang="en-US" dirty="0" smtClean="0"/>
+              <a:t> de </a:t>
+            </a:r>
+            <a:r>
+              <a:rPr lang="en-US" dirty="0" err="1" smtClean="0"/>
+              <a:t>ejecución</a:t>
+            </a:r>
+            <a:r>
+              <a:rPr lang="en-US" dirty="0" smtClean="0"/>
+              <a:t> y </a:t>
+            </a:r>
+            <a:r>
+              <a:rPr lang="en-US" dirty="0" err="1" smtClean="0"/>
+              <a:t>complejidad</a:t>
+            </a:r>
+            <a:endParaRPr lang="en-US" dirty="0"/>
           </a:p>
         </p:txBody>
       </p:sp>
@@ -4528,7 +4831,7 @@
         </p:nvSpPr>
         <p:spPr>
           <a:xfrm>
-            <a:off x="2387601" y="1278393"/>
+            <a:off x="2435226" y="1345068"/>
             <a:ext cx="10438046" cy="2446941"/>
           </a:xfrm>
         </p:spPr>
@@ -4766,7 +5069,7 @@
           <a:bodyPr/>
           <a:lstStyle/>
           <a:p>
-            <a:endParaRPr lang="en-US"/>
+            <a:endParaRPr lang="en-US" dirty="0"/>
           </a:p>
         </p:txBody>
       </p:sp>
@@ -4806,6 +5109,64 @@
       </p:par>
     </p:tnLst>
   </p:timing>
+</p:sld>
+</file>
+
+<file path=ppt/slides/slide21.xml><?xml version="1.0" encoding="utf-8"?>
+<p:sld xmlns:a="http://schemas.openxmlformats.org/drawingml/2006/main" xmlns:r="http://schemas.openxmlformats.org/officeDocument/2006/relationships" xmlns:p="http://schemas.openxmlformats.org/presentationml/2006/main">
+  <p:cSld>
+    <p:spTree>
+      <p:nvGrpSpPr>
+        <p:cNvPr id="1" name=""/>
+        <p:cNvGrpSpPr/>
+        <p:nvPr/>
+      </p:nvGrpSpPr>
+      <p:grpSpPr>
+        <a:xfrm>
+          <a:off x="0" y="0"/>
+          <a:ext cx="0" cy="0"/>
+          <a:chOff x="0" y="0"/>
+          <a:chExt cx="0" cy="0"/>
+        </a:xfrm>
+      </p:grpSpPr>
+      <p:sp>
+        <p:nvSpPr>
+          <p:cNvPr id="2" name="Title 1"/>
+          <p:cNvSpPr>
+            <a:spLocks noGrp="1"/>
+          </p:cNvSpPr>
+          <p:nvPr>
+            <p:ph type="title"/>
+          </p:nvPr>
+        </p:nvSpPr>
+        <p:spPr>
+          <a:xfrm>
+            <a:off x="2430271" y="2319792"/>
+            <a:ext cx="9692640" cy="1428929"/>
+          </a:xfrm>
+        </p:spPr>
+        <p:txBody>
+          <a:bodyPr/>
+          <a:lstStyle/>
+          <a:p>
+            <a:r>
+              <a:rPr lang="en-US" dirty="0" smtClean="0"/>
+              <a:t>MUCHAS GRACIAS</a:t>
+            </a:r>
+            <a:endParaRPr lang="en-US" dirty="0"/>
+          </a:p>
+        </p:txBody>
+      </p:sp>
+    </p:spTree>
+    <p:extLst>
+      <p:ext uri="{BB962C8B-B14F-4D97-AF65-F5344CB8AC3E}">
+        <p14:creationId xmlns:p14="http://schemas.microsoft.com/office/powerpoint/2010/main" val="177014830"/>
+      </p:ext>
+    </p:extLst>
+  </p:cSld>
+  <p:clrMapOvr>
+    <a:masterClrMapping/>
+  </p:clrMapOvr>
 </p:sld>
 </file>
 
@@ -5329,14 +5690,14 @@
           <a:bodyPr/>
           <a:lstStyle/>
           <a:p>
-            <a:endParaRPr lang="en-US"/>
+            <a:endParaRPr lang="en-US" dirty="0"/>
           </a:p>
         </p:txBody>
       </p:sp>
     </p:spTree>
     <p:extLst>
       <p:ext uri="{BB962C8B-B14F-4D97-AF65-F5344CB8AC3E}">
-        <p14:creationId xmlns:p14="http://schemas.microsoft.com/office/powerpoint/2010/main" val="3079765301"/>
+        <p14:creationId xmlns:p14="http://schemas.microsoft.com/office/powerpoint/2010/main" val="186353187"/>
       </p:ext>
     </p:extLst>
   </p:cSld>
@@ -5385,6 +5746,22 @@
           <a:bodyPr/>
           <a:lstStyle/>
           <a:p>
+            <a:r>
+              <a:rPr lang="en-US" dirty="0" err="1" smtClean="0"/>
+              <a:t>Implementación</a:t>
+            </a:r>
+            <a:r>
+              <a:rPr lang="en-US" dirty="0" smtClean="0"/>
+              <a:t> </a:t>
+            </a:r>
+            <a:r>
+              <a:rPr lang="en-US" dirty="0" err="1" smtClean="0"/>
+              <a:t>en</a:t>
+            </a:r>
+            <a:r>
+              <a:rPr lang="en-US" dirty="0" smtClean="0"/>
+              <a:t> C++</a:t>
+            </a:r>
             <a:endParaRPr lang="en-US" dirty="0"/>
           </a:p>
         </p:txBody>
@@ -5404,14 +5781,14 @@
           <a:bodyPr/>
           <a:lstStyle/>
           <a:p>
-            <a:endParaRPr lang="en-US"/>
+            <a:endParaRPr lang="en-US" dirty="0"/>
           </a:p>
         </p:txBody>
       </p:sp>
     </p:spTree>
     <p:extLst>
       <p:ext uri="{BB962C8B-B14F-4D97-AF65-F5344CB8AC3E}">
-        <p14:creationId xmlns:p14="http://schemas.microsoft.com/office/powerpoint/2010/main" val="2486001540"/>
+        <p14:creationId xmlns:p14="http://schemas.microsoft.com/office/powerpoint/2010/main" val="3342285043"/>
       </p:ext>
     </p:extLst>
   </p:cSld>

--- a/Proyecto/proyectoFinal.pptx
+++ b/Proyecto/proyectoFinal.pptx
@@ -9,23 +9,22 @@
     <p:sldId id="257" r:id="rId3"/>
     <p:sldId id="258" r:id="rId4"/>
     <p:sldId id="259" r:id="rId5"/>
-    <p:sldId id="260" r:id="rId6"/>
-    <p:sldId id="261" r:id="rId7"/>
-    <p:sldId id="276" r:id="rId8"/>
-    <p:sldId id="269" r:id="rId9"/>
-    <p:sldId id="265" r:id="rId10"/>
-    <p:sldId id="263" r:id="rId11"/>
-    <p:sldId id="264" r:id="rId12"/>
-    <p:sldId id="266" r:id="rId13"/>
-    <p:sldId id="267" r:id="rId14"/>
-    <p:sldId id="268" r:id="rId15"/>
-    <p:sldId id="270" r:id="rId16"/>
-    <p:sldId id="271" r:id="rId17"/>
-    <p:sldId id="272" r:id="rId18"/>
-    <p:sldId id="273" r:id="rId19"/>
-    <p:sldId id="274" r:id="rId20"/>
-    <p:sldId id="275" r:id="rId21"/>
-    <p:sldId id="277" r:id="rId22"/>
+    <p:sldId id="261" r:id="rId6"/>
+    <p:sldId id="278" r:id="rId7"/>
+    <p:sldId id="279" r:id="rId8"/>
+    <p:sldId id="265" r:id="rId9"/>
+    <p:sldId id="263" r:id="rId10"/>
+    <p:sldId id="264" r:id="rId11"/>
+    <p:sldId id="266" r:id="rId12"/>
+    <p:sldId id="267" r:id="rId13"/>
+    <p:sldId id="268" r:id="rId14"/>
+    <p:sldId id="270" r:id="rId15"/>
+    <p:sldId id="271" r:id="rId16"/>
+    <p:sldId id="272" r:id="rId17"/>
+    <p:sldId id="273" r:id="rId18"/>
+    <p:sldId id="274" r:id="rId19"/>
+    <p:sldId id="275" r:id="rId20"/>
+    <p:sldId id="277" r:id="rId21"/>
   </p:sldIdLst>
   <p:sldSz cx="12192000" cy="6858000"/>
   <p:notesSz cx="6858000" cy="9144000"/>
@@ -171,7 +170,7 @@
 
 <file path=ppt/comments/comment10.xml><?xml version="1.0" encoding="utf-8"?>
 <p:cmLst xmlns:a="http://schemas.openxmlformats.org/drawingml/2006/main" xmlns:r="http://schemas.openxmlformats.org/officeDocument/2006/relationships" xmlns:p="http://schemas.openxmlformats.org/presentationml/2006/main">
-  <p:cm authorId="1" dt="2017-03-02T18:07:46.035" idx="20">
+  <p:cm authorId="1" dt="2017-03-02T18:05:48.617" idx="16">
     <p:pos x="10" y="10"/>
     <p:text>Robin</p:text>
     <p:extLst>
@@ -185,7 +184,7 @@
 
 <file path=ppt/comments/comment11.xml><?xml version="1.0" encoding="utf-8"?>
 <p:cmLst xmlns:a="http://schemas.openxmlformats.org/drawingml/2006/main" xmlns:r="http://schemas.openxmlformats.org/officeDocument/2006/relationships" xmlns:p="http://schemas.openxmlformats.org/presentationml/2006/main">
-  <p:cm authorId="1" dt="2017-03-02T18:05:48.617" idx="16">
+  <p:cm authorId="1" dt="2017-03-02T18:05:58.204" idx="17">
     <p:pos x="10" y="10"/>
     <p:text>Robin</p:text>
     <p:extLst>
@@ -199,7 +198,7 @@
 
 <file path=ppt/comments/comment12.xml><?xml version="1.0" encoding="utf-8"?>
 <p:cmLst xmlns:a="http://schemas.openxmlformats.org/drawingml/2006/main" xmlns:r="http://schemas.openxmlformats.org/officeDocument/2006/relationships" xmlns:p="http://schemas.openxmlformats.org/presentationml/2006/main">
-  <p:cm authorId="1" dt="2017-03-02T18:05:58.204" idx="17">
+  <p:cm authorId="1" dt="2017-03-02T18:06:02.874" idx="18">
     <p:pos x="10" y="10"/>
     <p:text>Robin</p:text>
     <p:extLst>
@@ -213,7 +212,7 @@
 
 <file path=ppt/comments/comment13.xml><?xml version="1.0" encoding="utf-8"?>
 <p:cmLst xmlns:a="http://schemas.openxmlformats.org/drawingml/2006/main" xmlns:r="http://schemas.openxmlformats.org/officeDocument/2006/relationships" xmlns:p="http://schemas.openxmlformats.org/presentationml/2006/main">
-  <p:cm authorId="1" dt="2017-03-02T18:06:02.874" idx="18">
+  <p:cm authorId="1" dt="2017-03-02T18:06:08.163" idx="19">
     <p:pos x="10" y="10"/>
     <p:text>Robin</p:text>
     <p:extLst>
@@ -227,9 +226,9 @@
 
 <file path=ppt/comments/comment14.xml><?xml version="1.0" encoding="utf-8"?>
 <p:cmLst xmlns:a="http://schemas.openxmlformats.org/drawingml/2006/main" xmlns:r="http://schemas.openxmlformats.org/officeDocument/2006/relationships" xmlns:p="http://schemas.openxmlformats.org/presentationml/2006/main">
-  <p:cm authorId="1" dt="2017-03-02T18:06:08.163" idx="19">
+  <p:cm authorId="1" dt="2017-03-02T18:05:16.150" idx="10">
     <p:pos x="10" y="10"/>
-    <p:text>Robin</p:text>
+    <p:text>Adrian</p:text>
     <p:extLst>
       <p:ext uri="{C676402C-5697-4E1C-873F-D02D1690AC5C}">
         <p15:threadingInfo xmlns:p15="http://schemas.microsoft.com/office/powerpoint/2012/main" timeZoneBias="360"/>
@@ -241,7 +240,7 @@
 
 <file path=ppt/comments/comment15.xml><?xml version="1.0" encoding="utf-8"?>
 <p:cmLst xmlns:a="http://schemas.openxmlformats.org/drawingml/2006/main" xmlns:r="http://schemas.openxmlformats.org/officeDocument/2006/relationships" xmlns:p="http://schemas.openxmlformats.org/presentationml/2006/main">
-  <p:cm authorId="1" dt="2017-03-02T18:05:16.150" idx="10">
+  <p:cm authorId="1" dt="2017-03-02T18:05:26.191" idx="12">
     <p:pos x="10" y="10"/>
     <p:text>Adrian</p:text>
     <p:extLst>
@@ -255,7 +254,7 @@
 
 <file path=ppt/comments/comment16.xml><?xml version="1.0" encoding="utf-8"?>
 <p:cmLst xmlns:a="http://schemas.openxmlformats.org/drawingml/2006/main" xmlns:r="http://schemas.openxmlformats.org/officeDocument/2006/relationships" xmlns:p="http://schemas.openxmlformats.org/presentationml/2006/main">
-  <p:cm authorId="1" dt="2017-03-02T18:05:26.191" idx="12">
+  <p:cm authorId="1" dt="2017-03-02T18:05:30.662" idx="13">
     <p:pos x="10" y="10"/>
     <p:text>Adrian</p:text>
     <p:extLst>
@@ -269,7 +268,7 @@
 
 <file path=ppt/comments/comment17.xml><?xml version="1.0" encoding="utf-8"?>
 <p:cmLst xmlns:a="http://schemas.openxmlformats.org/drawingml/2006/main" xmlns:r="http://schemas.openxmlformats.org/officeDocument/2006/relationships" xmlns:p="http://schemas.openxmlformats.org/presentationml/2006/main">
-  <p:cm authorId="1" dt="2017-03-02T18:05:30.662" idx="13">
+  <p:cm authorId="1" dt="2017-03-02T18:05:34.920" idx="14">
     <p:pos x="10" y="10"/>
     <p:text>Adrian</p:text>
     <p:extLst>
@@ -282,20 +281,6 @@
 </file>
 
 <file path=ppt/comments/comment18.xml><?xml version="1.0" encoding="utf-8"?>
-<p:cmLst xmlns:a="http://schemas.openxmlformats.org/drawingml/2006/main" xmlns:r="http://schemas.openxmlformats.org/officeDocument/2006/relationships" xmlns:p="http://schemas.openxmlformats.org/presentationml/2006/main">
-  <p:cm authorId="1" dt="2017-03-02T18:05:34.920" idx="14">
-    <p:pos x="10" y="10"/>
-    <p:text>Adrian</p:text>
-    <p:extLst>
-      <p:ext uri="{C676402C-5697-4E1C-873F-D02D1690AC5C}">
-        <p15:threadingInfo xmlns:p15="http://schemas.microsoft.com/office/powerpoint/2012/main" timeZoneBias="360"/>
-      </p:ext>
-    </p:extLst>
-  </p:cm>
-</p:cmLst>
-</file>
-
-<file path=ppt/comments/comment19.xml><?xml version="1.0" encoding="utf-8"?>
 <p:cmLst xmlns:a="http://schemas.openxmlformats.org/drawingml/2006/main" xmlns:r="http://schemas.openxmlformats.org/officeDocument/2006/relationships" xmlns:p="http://schemas.openxmlformats.org/presentationml/2006/main">
   <p:cm authorId="1" dt="2017-03-02T17:48:47.497" idx="9">
     <p:pos x="10" y="10"/>
@@ -353,7 +338,7 @@
 
 <file path=ppt/comments/comment5.xml><?xml version="1.0" encoding="utf-8"?>
 <p:cmLst xmlns:a="http://schemas.openxmlformats.org/drawingml/2006/main" xmlns:r="http://schemas.openxmlformats.org/officeDocument/2006/relationships" xmlns:p="http://schemas.openxmlformats.org/presentationml/2006/main">
-  <p:cm authorId="1" dt="2017-03-02T17:48:00.275" idx="5">
+  <p:cm authorId="1" dt="2017-03-02T17:48:07.750" idx="6">
     <p:pos x="10" y="10"/>
     <p:text>Gianca</p:text>
     <p:extLst>
@@ -395,9 +380,9 @@
 
 <file path=ppt/comments/comment8.xml><?xml version="1.0" encoding="utf-8"?>
 <p:cmLst xmlns:a="http://schemas.openxmlformats.org/drawingml/2006/main" xmlns:r="http://schemas.openxmlformats.org/officeDocument/2006/relationships" xmlns:p="http://schemas.openxmlformats.org/presentationml/2006/main">
-  <p:cm authorId="1" dt="2017-03-02T18:05:21.459" idx="11">
+  <p:cm authorId="1" dt="2017-03-02T18:05:43.272" idx="15">
     <p:pos x="10" y="10"/>
-    <p:text>Gianca</p:text>
+    <p:text>Robin</p:text>
     <p:extLst>
       <p:ext uri="{C676402C-5697-4E1C-873F-D02D1690AC5C}">
         <p15:threadingInfo xmlns:p15="http://schemas.microsoft.com/office/powerpoint/2012/main" timeZoneBias="360"/>
@@ -409,7 +394,7 @@
 
 <file path=ppt/comments/comment9.xml><?xml version="1.0" encoding="utf-8"?>
 <p:cmLst xmlns:a="http://schemas.openxmlformats.org/drawingml/2006/main" xmlns:r="http://schemas.openxmlformats.org/officeDocument/2006/relationships" xmlns:p="http://schemas.openxmlformats.org/presentationml/2006/main">
-  <p:cm authorId="1" dt="2017-03-02T18:05:43.272" idx="15">
+  <p:cm authorId="1" dt="2017-03-02T18:07:46.035" idx="20">
     <p:pos x="10" y="10"/>
     <p:text>Robin</p:text>
     <p:extLst>
@@ -4073,6 +4058,14 @@
   <p:clrMapOvr>
     <a:masterClrMapping/>
   </p:clrMapOvr>
+  <mc:AlternateContent xmlns:mc="http://schemas.openxmlformats.org/markup-compatibility/2006">
+    <mc:Choice xmlns:p14="http://schemas.microsoft.com/office/powerpoint/2010/main" Requires="p14">
+      <p:transition spd="slow" p14:dur="2000" advTm="15000"/>
+    </mc:Choice>
+    <mc:Fallback>
+      <p:transition spd="slow" advTm="15000"/>
+    </mc:Fallback>
+  </mc:AlternateContent>
   <p:timing>
     <p:tnLst>
       <p:par>
@@ -4115,39 +4108,47 @@
           <a:bodyPr/>
           <a:lstStyle/>
           <a:p>
+            <a:endParaRPr lang="en-US" dirty="0"/>
+          </a:p>
+        </p:txBody>
+      </p:sp>
+      <p:sp>
+        <p:nvSpPr>
+          <p:cNvPr id="3" name="Content Placeholder 2"/>
+          <p:cNvSpPr>
+            <a:spLocks noGrp="1"/>
+          </p:cNvSpPr>
+          <p:nvPr>
+            <p:ph idx="1"/>
+          </p:nvPr>
+        </p:nvSpPr>
+        <p:spPr/>
+        <p:txBody>
+          <a:bodyPr/>
+          <a:lstStyle/>
+          <a:p>
             <a:endParaRPr lang="en-US"/>
-          </a:p>
-        </p:txBody>
-      </p:sp>
-      <p:sp>
-        <p:nvSpPr>
-          <p:cNvPr id="3" name="Content Placeholder 2"/>
-          <p:cNvSpPr>
-            <a:spLocks noGrp="1"/>
-          </p:cNvSpPr>
-          <p:nvPr>
-            <p:ph idx="1"/>
-          </p:nvPr>
-        </p:nvSpPr>
-        <p:spPr/>
-        <p:txBody>
-          <a:bodyPr/>
-          <a:lstStyle/>
-          <a:p>
-            <a:endParaRPr lang="en-US" dirty="0"/>
           </a:p>
         </p:txBody>
       </p:sp>
     </p:spTree>
     <p:extLst>
       <p:ext uri="{BB962C8B-B14F-4D97-AF65-F5344CB8AC3E}">
-        <p14:creationId xmlns:p14="http://schemas.microsoft.com/office/powerpoint/2010/main" val="3079765301"/>
+        <p14:creationId xmlns:p14="http://schemas.microsoft.com/office/powerpoint/2010/main" val="2486001540"/>
       </p:ext>
     </p:extLst>
   </p:cSld>
   <p:clrMapOvr>
     <a:masterClrMapping/>
   </p:clrMapOvr>
+  <mc:AlternateContent xmlns:mc="http://schemas.openxmlformats.org/markup-compatibility/2006">
+    <mc:Choice xmlns:p14="http://schemas.microsoft.com/office/powerpoint/2010/main" Requires="p14">
+      <p:transition spd="slow" p14:dur="2000" advTm="15000"/>
+    </mc:Choice>
+    <mc:Fallback>
+      <p:transition spd="slow" advTm="15000"/>
+    </mc:Fallback>
+  </mc:AlternateContent>
   <p:timing>
     <p:tnLst>
       <p:par>
@@ -4190,6 +4191,18 @@
           <a:bodyPr/>
           <a:lstStyle/>
           <a:p>
+            <a:r>
+              <a:rPr lang="en-US" dirty="0" err="1" smtClean="0"/>
+              <a:t>Experimentos</a:t>
+            </a:r>
+            <a:r>
+              <a:rPr lang="en-US" dirty="0" smtClean="0"/>
+              <a:t> </a:t>
+            </a:r>
+            <a:r>
+              <a:rPr lang="en-US" dirty="0" err="1" smtClean="0"/>
+              <a:t>Realizados</a:t>
+            </a:r>
             <a:endParaRPr lang="en-US" dirty="0"/>
           </a:p>
         </p:txBody>
@@ -4209,20 +4222,28 @@
           <a:bodyPr/>
           <a:lstStyle/>
           <a:p>
-            <a:endParaRPr lang="en-US"/>
+            <a:endParaRPr lang="en-US" dirty="0"/>
           </a:p>
         </p:txBody>
       </p:sp>
     </p:spTree>
     <p:extLst>
       <p:ext uri="{BB962C8B-B14F-4D97-AF65-F5344CB8AC3E}">
-        <p14:creationId xmlns:p14="http://schemas.microsoft.com/office/powerpoint/2010/main" val="2486001540"/>
+        <p14:creationId xmlns:p14="http://schemas.microsoft.com/office/powerpoint/2010/main" val="1084438022"/>
       </p:ext>
     </p:extLst>
   </p:cSld>
   <p:clrMapOvr>
     <a:masterClrMapping/>
   </p:clrMapOvr>
+  <mc:AlternateContent xmlns:mc="http://schemas.openxmlformats.org/markup-compatibility/2006">
+    <mc:Choice xmlns:p14="http://schemas.microsoft.com/office/powerpoint/2010/main" Requires="p14">
+      <p:transition spd="slow" p14:dur="2000" advTm="15000"/>
+    </mc:Choice>
+    <mc:Fallback>
+      <p:transition spd="slow" advTm="15000"/>
+    </mc:Fallback>
+  </mc:AlternateContent>
   <p:timing>
     <p:tnLst>
       <p:par>
@@ -4265,19 +4286,7 @@
           <a:bodyPr/>
           <a:lstStyle/>
           <a:p>
-            <a:r>
-              <a:rPr lang="en-US" dirty="0" err="1" smtClean="0"/>
-              <a:t>Experimentos</a:t>
-            </a:r>
-            <a:r>
-              <a:rPr lang="en-US" dirty="0" smtClean="0"/>
-              <a:t> </a:t>
-            </a:r>
-            <a:r>
-              <a:rPr lang="en-US" dirty="0" err="1" smtClean="0"/>
-              <a:t>Realizados</a:t>
-            </a:r>
-            <a:endParaRPr lang="en-US" dirty="0"/>
+            <a:endParaRPr lang="en-US"/>
           </a:p>
         </p:txBody>
       </p:sp>
@@ -4296,20 +4305,28 @@
           <a:bodyPr/>
           <a:lstStyle/>
           <a:p>
-            <a:endParaRPr lang="en-US" dirty="0"/>
+            <a:endParaRPr lang="en-US"/>
           </a:p>
         </p:txBody>
       </p:sp>
     </p:spTree>
     <p:extLst>
       <p:ext uri="{BB962C8B-B14F-4D97-AF65-F5344CB8AC3E}">
-        <p14:creationId xmlns:p14="http://schemas.microsoft.com/office/powerpoint/2010/main" val="1084438022"/>
+        <p14:creationId xmlns:p14="http://schemas.microsoft.com/office/powerpoint/2010/main" val="2616014518"/>
       </p:ext>
     </p:extLst>
   </p:cSld>
   <p:clrMapOvr>
     <a:masterClrMapping/>
   </p:clrMapOvr>
+  <mc:AlternateContent xmlns:mc="http://schemas.openxmlformats.org/markup-compatibility/2006">
+    <mc:Choice xmlns:p14="http://schemas.microsoft.com/office/powerpoint/2010/main" Requires="p14">
+      <p:transition spd="slow" p14:dur="2000" advTm="15000"/>
+    </mc:Choice>
+    <mc:Fallback>
+      <p:transition spd="slow" advTm="15000"/>
+    </mc:Fallback>
+  </mc:AlternateContent>
   <p:timing>
     <p:tnLst>
       <p:par>
@@ -4378,13 +4395,21 @@
     </p:spTree>
     <p:extLst>
       <p:ext uri="{BB962C8B-B14F-4D97-AF65-F5344CB8AC3E}">
-        <p14:creationId xmlns:p14="http://schemas.microsoft.com/office/powerpoint/2010/main" val="2616014518"/>
+        <p14:creationId xmlns:p14="http://schemas.microsoft.com/office/powerpoint/2010/main" val="571284949"/>
       </p:ext>
     </p:extLst>
   </p:cSld>
   <p:clrMapOvr>
     <a:masterClrMapping/>
   </p:clrMapOvr>
+  <mc:AlternateContent xmlns:mc="http://schemas.openxmlformats.org/markup-compatibility/2006">
+    <mc:Choice xmlns:p14="http://schemas.microsoft.com/office/powerpoint/2010/main" Requires="p14">
+      <p:transition spd="slow" p14:dur="2000" advTm="15000"/>
+    </mc:Choice>
+    <mc:Fallback>
+      <p:transition spd="slow" advTm="15000"/>
+    </mc:Fallback>
+  </mc:AlternateContent>
   <p:timing>
     <p:tnLst>
       <p:par>
@@ -4427,7 +4452,19 @@
           <a:bodyPr/>
           <a:lstStyle/>
           <a:p>
-            <a:endParaRPr lang="en-US"/>
+            <a:r>
+              <a:rPr lang="en-US" dirty="0" err="1" smtClean="0"/>
+              <a:t>Resultados</a:t>
+            </a:r>
+            <a:r>
+              <a:rPr lang="en-US" dirty="0" smtClean="0"/>
+              <a:t> </a:t>
+            </a:r>
+            <a:r>
+              <a:rPr lang="en-US" dirty="0" err="1" smtClean="0"/>
+              <a:t>obtenidos</a:t>
+            </a:r>
+            <a:endParaRPr lang="en-US" dirty="0"/>
           </a:p>
         </p:txBody>
       </p:sp>
@@ -4446,20 +4483,28 @@
           <a:bodyPr/>
           <a:lstStyle/>
           <a:p>
-            <a:endParaRPr lang="en-US"/>
+            <a:endParaRPr lang="en-US" dirty="0"/>
           </a:p>
         </p:txBody>
       </p:sp>
     </p:spTree>
     <p:extLst>
       <p:ext uri="{BB962C8B-B14F-4D97-AF65-F5344CB8AC3E}">
-        <p14:creationId xmlns:p14="http://schemas.microsoft.com/office/powerpoint/2010/main" val="571284949"/>
+        <p14:creationId xmlns:p14="http://schemas.microsoft.com/office/powerpoint/2010/main" val="241367451"/>
       </p:ext>
     </p:extLst>
   </p:cSld>
   <p:clrMapOvr>
     <a:masterClrMapping/>
   </p:clrMapOvr>
+  <mc:AlternateContent xmlns:mc="http://schemas.openxmlformats.org/markup-compatibility/2006">
+    <mc:Choice xmlns:p14="http://schemas.microsoft.com/office/powerpoint/2010/main" Requires="p14">
+      <p:transition spd="slow" p14:dur="2000" advTm="15000"/>
+    </mc:Choice>
+    <mc:Fallback>
+      <p:transition spd="slow" advTm="15000"/>
+    </mc:Fallback>
+  </mc:AlternateContent>
   <p:timing>
     <p:tnLst>
       <p:par>
@@ -4502,18 +4547,6 @@
           <a:bodyPr/>
           <a:lstStyle/>
           <a:p>
-            <a:r>
-              <a:rPr lang="en-US" dirty="0" err="1" smtClean="0"/>
-              <a:t>Resultados</a:t>
-            </a:r>
-            <a:r>
-              <a:rPr lang="en-US" dirty="0" smtClean="0"/>
-              <a:t> </a:t>
-            </a:r>
-            <a:r>
-              <a:rPr lang="en-US" dirty="0" err="1" smtClean="0"/>
-              <a:t>obtenidos</a:t>
-            </a:r>
             <a:endParaRPr lang="en-US" dirty="0"/>
           </a:p>
         </p:txBody>
@@ -4533,20 +4566,28 @@
           <a:bodyPr/>
           <a:lstStyle/>
           <a:p>
-            <a:endParaRPr lang="en-US" dirty="0"/>
+            <a:endParaRPr lang="en-US"/>
           </a:p>
         </p:txBody>
       </p:sp>
     </p:spTree>
     <p:extLst>
       <p:ext uri="{BB962C8B-B14F-4D97-AF65-F5344CB8AC3E}">
-        <p14:creationId xmlns:p14="http://schemas.microsoft.com/office/powerpoint/2010/main" val="241367451"/>
+        <p14:creationId xmlns:p14="http://schemas.microsoft.com/office/powerpoint/2010/main" val="2105564327"/>
       </p:ext>
     </p:extLst>
   </p:cSld>
   <p:clrMapOvr>
     <a:masterClrMapping/>
   </p:clrMapOvr>
+  <mc:AlternateContent xmlns:mc="http://schemas.openxmlformats.org/markup-compatibility/2006">
+    <mc:Choice xmlns:p14="http://schemas.microsoft.com/office/powerpoint/2010/main" Requires="p14">
+      <p:transition spd="slow" p14:dur="2000" advTm="15000"/>
+    </mc:Choice>
+    <mc:Fallback>
+      <p:transition spd="slow" advTm="15000"/>
+    </mc:Fallback>
+  </mc:AlternateContent>
   <p:timing>
     <p:tnLst>
       <p:par>
@@ -4589,6 +4630,26 @@
           <a:bodyPr/>
           <a:lstStyle/>
           <a:p>
+            <a:r>
+              <a:rPr lang="en-US" dirty="0" err="1" smtClean="0"/>
+              <a:t>Tiempos</a:t>
+            </a:r>
+            <a:r>
+              <a:rPr lang="en-US" dirty="0" smtClean="0"/>
+              <a:t> de </a:t>
+            </a:r>
+            <a:r>
+              <a:rPr lang="en-US" dirty="0" err="1" smtClean="0"/>
+              <a:t>ejecución</a:t>
+            </a:r>
+            <a:r>
+              <a:rPr lang="en-US" dirty="0" smtClean="0"/>
+              <a:t> y </a:t>
+            </a:r>
+            <a:r>
+              <a:rPr lang="en-US" dirty="0" err="1" smtClean="0"/>
+              <a:t>complejidad</a:t>
+            </a:r>
             <a:endParaRPr lang="en-US" dirty="0"/>
           </a:p>
         </p:txBody>
@@ -4615,13 +4676,21 @@
     </p:spTree>
     <p:extLst>
       <p:ext uri="{BB962C8B-B14F-4D97-AF65-F5344CB8AC3E}">
-        <p14:creationId xmlns:p14="http://schemas.microsoft.com/office/powerpoint/2010/main" val="2105564327"/>
+        <p14:creationId xmlns:p14="http://schemas.microsoft.com/office/powerpoint/2010/main" val="3818421354"/>
       </p:ext>
     </p:extLst>
   </p:cSld>
   <p:clrMapOvr>
     <a:masterClrMapping/>
   </p:clrMapOvr>
+  <mc:AlternateContent xmlns:mc="http://schemas.openxmlformats.org/markup-compatibility/2006">
+    <mc:Choice xmlns:p14="http://schemas.microsoft.com/office/powerpoint/2010/main" Requires="p14">
+      <p:transition spd="slow" p14:dur="2000" advTm="15000"/>
+    </mc:Choice>
+    <mc:Fallback>
+      <p:transition spd="slow" advTm="15000"/>
+    </mc:Fallback>
+  </mc:AlternateContent>
   <p:timing>
     <p:tnLst>
       <p:par>
@@ -4664,26 +4733,6 @@
           <a:bodyPr/>
           <a:lstStyle/>
           <a:p>
-            <a:r>
-              <a:rPr lang="en-US" dirty="0" err="1" smtClean="0"/>
-              <a:t>Tiempos</a:t>
-            </a:r>
-            <a:r>
-              <a:rPr lang="en-US" dirty="0" smtClean="0"/>
-              <a:t> de </a:t>
-            </a:r>
-            <a:r>
-              <a:rPr lang="en-US" dirty="0" err="1" smtClean="0"/>
-              <a:t>ejecución</a:t>
-            </a:r>
-            <a:r>
-              <a:rPr lang="en-US" dirty="0" smtClean="0"/>
-              <a:t> y </a:t>
-            </a:r>
-            <a:r>
-              <a:rPr lang="en-US" dirty="0" err="1" smtClean="0"/>
-              <a:t>complejidad</a:t>
-            </a:r>
             <a:endParaRPr lang="en-US" dirty="0"/>
           </a:p>
         </p:txBody>
@@ -4710,13 +4759,21 @@
     </p:spTree>
     <p:extLst>
       <p:ext uri="{BB962C8B-B14F-4D97-AF65-F5344CB8AC3E}">
-        <p14:creationId xmlns:p14="http://schemas.microsoft.com/office/powerpoint/2010/main" val="3818421354"/>
+        <p14:creationId xmlns:p14="http://schemas.microsoft.com/office/powerpoint/2010/main" val="3281805327"/>
       </p:ext>
     </p:extLst>
   </p:cSld>
   <p:clrMapOvr>
     <a:masterClrMapping/>
   </p:clrMapOvr>
+  <mc:AlternateContent xmlns:mc="http://schemas.openxmlformats.org/markup-compatibility/2006">
+    <mc:Choice xmlns:p14="http://schemas.microsoft.com/office/powerpoint/2010/main" Requires="p14">
+      <p:transition spd="slow" p14:dur="2000" advTm="15000"/>
+    </mc:Choice>
+    <mc:Fallback>
+      <p:transition spd="slow" advTm="15000"/>
+    </mc:Fallback>
+  </mc:AlternateContent>
   <p:timing>
     <p:tnLst>
       <p:par>
@@ -4754,44 +4811,44 @@
             <p:ph type="title"/>
           </p:nvPr>
         </p:nvSpPr>
-        <p:spPr/>
-        <p:txBody>
-          <a:bodyPr/>
-          <a:lstStyle/>
-          <a:p>
-            <a:endParaRPr lang="en-US" dirty="0"/>
-          </a:p>
-        </p:txBody>
-      </p:sp>
-      <p:sp>
-        <p:nvSpPr>
-          <p:cNvPr id="3" name="Content Placeholder 2"/>
-          <p:cNvSpPr>
-            <a:spLocks noGrp="1"/>
-          </p:cNvSpPr>
-          <p:nvPr>
-            <p:ph idx="1"/>
-          </p:nvPr>
-        </p:nvSpPr>
-        <p:spPr/>
-        <p:txBody>
-          <a:bodyPr/>
-          <a:lstStyle/>
-          <a:p>
-            <a:endParaRPr lang="en-US"/>
+        <p:spPr>
+          <a:xfrm>
+            <a:off x="2435226" y="1345068"/>
+            <a:ext cx="10438046" cy="2446941"/>
+          </a:xfrm>
+        </p:spPr>
+        <p:txBody>
+          <a:bodyPr>
+            <a:normAutofit/>
+          </a:bodyPr>
+          <a:lstStyle/>
+          <a:p>
+            <a:r>
+              <a:rPr lang="en-US" sz="7200" dirty="0" err="1" smtClean="0"/>
+              <a:t>Conclusiones</a:t>
+            </a:r>
+            <a:endParaRPr lang="en-US" sz="7200" dirty="0"/>
           </a:p>
         </p:txBody>
       </p:sp>
     </p:spTree>
     <p:extLst>
       <p:ext uri="{BB962C8B-B14F-4D97-AF65-F5344CB8AC3E}">
-        <p14:creationId xmlns:p14="http://schemas.microsoft.com/office/powerpoint/2010/main" val="3281805327"/>
+        <p14:creationId xmlns:p14="http://schemas.microsoft.com/office/powerpoint/2010/main" val="1026970777"/>
       </p:ext>
     </p:extLst>
   </p:cSld>
   <p:clrMapOvr>
     <a:masterClrMapping/>
   </p:clrMapOvr>
+  <mc:AlternateContent xmlns:mc="http://schemas.openxmlformats.org/markup-compatibility/2006">
+    <mc:Choice xmlns:p14="http://schemas.microsoft.com/office/powerpoint/2010/main" Requires="p14">
+      <p:transition spd="slow" p14:dur="2000" advTm="15000"/>
+    </mc:Choice>
+    <mc:Fallback>
+      <p:transition spd="slow" advTm="15000"/>
+    </mc:Fallback>
+  </mc:AlternateContent>
   <p:timing>
     <p:tnLst>
       <p:par>
@@ -4829,36 +4886,52 @@
             <p:ph type="title"/>
           </p:nvPr>
         </p:nvSpPr>
-        <p:spPr>
-          <a:xfrm>
-            <a:off x="2435226" y="1345068"/>
-            <a:ext cx="10438046" cy="2446941"/>
-          </a:xfrm>
-        </p:spPr>
-        <p:txBody>
-          <a:bodyPr>
-            <a:normAutofit/>
-          </a:bodyPr>
-          <a:lstStyle/>
-          <a:p>
-            <a:r>
-              <a:rPr lang="en-US" sz="7200" dirty="0" err="1" smtClean="0"/>
-              <a:t>Conclusiones</a:t>
-            </a:r>
-            <a:endParaRPr lang="en-US" sz="7200" dirty="0"/>
+        <p:spPr/>
+        <p:txBody>
+          <a:bodyPr/>
+          <a:lstStyle/>
+          <a:p>
+            <a:endParaRPr lang="en-US" dirty="0"/>
+          </a:p>
+        </p:txBody>
+      </p:sp>
+      <p:sp>
+        <p:nvSpPr>
+          <p:cNvPr id="3" name="Content Placeholder 2"/>
+          <p:cNvSpPr>
+            <a:spLocks noGrp="1"/>
+          </p:cNvSpPr>
+          <p:nvPr>
+            <p:ph idx="1"/>
+          </p:nvPr>
+        </p:nvSpPr>
+        <p:spPr/>
+        <p:txBody>
+          <a:bodyPr/>
+          <a:lstStyle/>
+          <a:p>
+            <a:endParaRPr lang="en-US"/>
           </a:p>
         </p:txBody>
       </p:sp>
     </p:spTree>
     <p:extLst>
       <p:ext uri="{BB962C8B-B14F-4D97-AF65-F5344CB8AC3E}">
-        <p14:creationId xmlns:p14="http://schemas.microsoft.com/office/powerpoint/2010/main" val="1026970777"/>
+        <p14:creationId xmlns:p14="http://schemas.microsoft.com/office/powerpoint/2010/main" val="788063899"/>
       </p:ext>
     </p:extLst>
   </p:cSld>
   <p:clrMapOvr>
     <a:masterClrMapping/>
   </p:clrMapOvr>
+  <mc:AlternateContent xmlns:mc="http://schemas.openxmlformats.org/markup-compatibility/2006">
+    <mc:Choice xmlns:p14="http://schemas.microsoft.com/office/powerpoint/2010/main" Requires="p14">
+      <p:transition spd="slow" p14:dur="2000" advTm="15000"/>
+    </mc:Choice>
+    <mc:Fallback>
+      <p:transition spd="slow" advTm="15000"/>
+    </mc:Fallback>
+  </mc:AlternateContent>
   <p:timing>
     <p:tnLst>
       <p:par>
@@ -5019,11 +5092,11 @@
   <p:clrMapOvr>
     <a:masterClrMapping/>
   </p:clrMapOvr>
-  <mc:AlternateContent xmlns:mc="http://schemas.openxmlformats.org/markup-compatibility/2006" xmlns:p14="http://schemas.microsoft.com/office/powerpoint/2010/main">
-    <mc:Choice Requires="p14">
+  <mc:AlternateContent xmlns:mc="http://schemas.openxmlformats.org/markup-compatibility/2006">
+    <mc:Choice xmlns:p14="http://schemas.microsoft.com/office/powerpoint/2010/main" Requires="p14">
       <p:transition spd="slow" p14:dur="2000" advTm="15000"/>
     </mc:Choice>
-    <mc:Fallback xmlns="">
+    <mc:Fallback>
       <p:transition spd="slow" advTm="15000"/>
     </mc:Fallback>
   </mc:AlternateContent>
@@ -5064,38 +5137,28 @@
             <p:ph type="title"/>
           </p:nvPr>
         </p:nvSpPr>
-        <p:spPr/>
-        <p:txBody>
-          <a:bodyPr/>
-          <a:lstStyle/>
-          <a:p>
-            <a:endParaRPr lang="en-US" dirty="0"/>
-          </a:p>
-        </p:txBody>
-      </p:sp>
-      <p:sp>
-        <p:nvSpPr>
-          <p:cNvPr id="3" name="Content Placeholder 2"/>
-          <p:cNvSpPr>
-            <a:spLocks noGrp="1"/>
-          </p:cNvSpPr>
-          <p:nvPr>
-            <p:ph idx="1"/>
-          </p:nvPr>
-        </p:nvSpPr>
-        <p:spPr/>
-        <p:txBody>
-          <a:bodyPr/>
-          <a:lstStyle/>
-          <a:p>
-            <a:endParaRPr lang="en-US"/>
+        <p:spPr>
+          <a:xfrm>
+            <a:off x="2430271" y="2319792"/>
+            <a:ext cx="9692640" cy="1428929"/>
+          </a:xfrm>
+        </p:spPr>
+        <p:txBody>
+          <a:bodyPr/>
+          <a:lstStyle/>
+          <a:p>
+            <a:r>
+              <a:rPr lang="en-US" dirty="0" smtClean="0"/>
+              <a:t>MUCHAS GRACIAS</a:t>
+            </a:r>
+            <a:endParaRPr lang="en-US" dirty="0"/>
           </a:p>
         </p:txBody>
       </p:sp>
     </p:spTree>
     <p:extLst>
       <p:ext uri="{BB962C8B-B14F-4D97-AF65-F5344CB8AC3E}">
-        <p14:creationId xmlns:p14="http://schemas.microsoft.com/office/powerpoint/2010/main" val="788063899"/>
+        <p14:creationId xmlns:p14="http://schemas.microsoft.com/office/powerpoint/2010/main" val="177014830"/>
       </p:ext>
     </p:extLst>
   </p:cSld>
@@ -5109,64 +5172,6 @@
       </p:par>
     </p:tnLst>
   </p:timing>
-</p:sld>
-</file>
-
-<file path=ppt/slides/slide21.xml><?xml version="1.0" encoding="utf-8"?>
-<p:sld xmlns:a="http://schemas.openxmlformats.org/drawingml/2006/main" xmlns:r="http://schemas.openxmlformats.org/officeDocument/2006/relationships" xmlns:p="http://schemas.openxmlformats.org/presentationml/2006/main">
-  <p:cSld>
-    <p:spTree>
-      <p:nvGrpSpPr>
-        <p:cNvPr id="1" name=""/>
-        <p:cNvGrpSpPr/>
-        <p:nvPr/>
-      </p:nvGrpSpPr>
-      <p:grpSpPr>
-        <a:xfrm>
-          <a:off x="0" y="0"/>
-          <a:ext cx="0" cy="0"/>
-          <a:chOff x="0" y="0"/>
-          <a:chExt cx="0" cy="0"/>
-        </a:xfrm>
-      </p:grpSpPr>
-      <p:sp>
-        <p:nvSpPr>
-          <p:cNvPr id="2" name="Title 1"/>
-          <p:cNvSpPr>
-            <a:spLocks noGrp="1"/>
-          </p:cNvSpPr>
-          <p:nvPr>
-            <p:ph type="title"/>
-          </p:nvPr>
-        </p:nvSpPr>
-        <p:spPr>
-          <a:xfrm>
-            <a:off x="2430271" y="2319792"/>
-            <a:ext cx="9692640" cy="1428929"/>
-          </a:xfrm>
-        </p:spPr>
-        <p:txBody>
-          <a:bodyPr/>
-          <a:lstStyle/>
-          <a:p>
-            <a:r>
-              <a:rPr lang="en-US" dirty="0" smtClean="0"/>
-              <a:t>MUCHAS GRACIAS</a:t>
-            </a:r>
-            <a:endParaRPr lang="en-US" dirty="0"/>
-          </a:p>
-        </p:txBody>
-      </p:sp>
-    </p:spTree>
-    <p:extLst>
-      <p:ext uri="{BB962C8B-B14F-4D97-AF65-F5344CB8AC3E}">
-        <p14:creationId xmlns:p14="http://schemas.microsoft.com/office/powerpoint/2010/main" val="177014830"/>
-      </p:ext>
-    </p:extLst>
-  </p:cSld>
-  <p:clrMapOvr>
-    <a:masterClrMapping/>
-  </p:clrMapOvr>
 </p:sld>
 </file>
 
@@ -5252,6 +5257,14 @@
   <p:clrMapOvr>
     <a:masterClrMapping/>
   </p:clrMapOvr>
+  <mc:AlternateContent xmlns:mc="http://schemas.openxmlformats.org/markup-compatibility/2006">
+    <mc:Choice xmlns:p14="http://schemas.microsoft.com/office/powerpoint/2010/main" Requires="p14">
+      <p:transition spd="slow" p14:dur="2000" advTm="15000"/>
+    </mc:Choice>
+    <mc:Fallback>
+      <p:transition spd="slow" advTm="15000"/>
+    </mc:Fallback>
+  </mc:AlternateContent>
   <p:timing>
     <p:tnLst>
       <p:par>
@@ -5294,7 +5307,7 @@
           <a:bodyPr/>
           <a:lstStyle/>
           <a:p>
-            <a:endParaRPr lang="en-US"/>
+            <a:endParaRPr lang="en-US" dirty="0"/>
           </a:p>
         </p:txBody>
       </p:sp>
@@ -5313,10 +5326,40 @@
           <a:bodyPr/>
           <a:lstStyle/>
           <a:p>
-            <a:endParaRPr lang="en-US"/>
-          </a:p>
-        </p:txBody>
-      </p:sp>
+            <a:endParaRPr lang="en-US" dirty="0"/>
+          </a:p>
+        </p:txBody>
+      </p:sp>
+      <p:pic>
+        <p:nvPicPr>
+          <p:cNvPr id="4" name="Picture 3"/>
+          <p:cNvPicPr>
+            <a:picLocks noChangeAspect="1"/>
+          </p:cNvPicPr>
+          <p:nvPr/>
+        </p:nvPicPr>
+        <p:blipFill>
+          <a:blip r:embed="rId2">
+            <a:extLst>
+              <a:ext uri="{28A0092B-C50C-407E-A947-70E740481C1C}">
+                <a14:useLocalDpi xmlns:a14="http://schemas.microsoft.com/office/drawing/2010/main" val="0"/>
+              </a:ext>
+            </a:extLst>
+          </a:blip>
+          <a:stretch>
+            <a:fillRect/>
+          </a:stretch>
+        </p:blipFill>
+        <p:spPr>
+          <a:xfrm>
+            <a:off x="1350883" y="1691322"/>
+            <a:ext cx="7765453" cy="3970364"/>
+          </a:xfrm>
+          <a:prstGeom prst="rect">
+            <a:avLst/>
+          </a:prstGeom>
+        </p:spPr>
+      </p:pic>
     </p:spTree>
     <p:extLst>
       <p:ext uri="{BB962C8B-B14F-4D97-AF65-F5344CB8AC3E}">
@@ -5327,6 +5370,14 @@
   <p:clrMapOvr>
     <a:masterClrMapping/>
   </p:clrMapOvr>
+  <mc:AlternateContent xmlns:mc="http://schemas.openxmlformats.org/markup-compatibility/2006">
+    <mc:Choice xmlns:p14="http://schemas.microsoft.com/office/powerpoint/2010/main" Requires="p14">
+      <p:transition spd="slow" p14:dur="2000" advTm="15000"/>
+    </mc:Choice>
+    <mc:Fallback>
+      <p:transition spd="slow" advTm="15000"/>
+    </mc:Fallback>
+  </mc:AlternateContent>
   <p:timing>
     <p:tnLst>
       <p:par>
@@ -5356,13 +5407,11 @@
       </p:grpSpPr>
       <p:pic>
         <p:nvPicPr>
-          <p:cNvPr id="4" name="Content Placeholder 4"/>
+          <p:cNvPr id="5" name="Content Placeholder 4"/>
           <p:cNvPicPr>
-            <a:picLocks noGrp="1" noChangeAspect="1"/>
+            <a:picLocks noChangeAspect="1"/>
           </p:cNvPicPr>
-          <p:nvPr>
-            <p:ph idx="1"/>
-          </p:nvPr>
+          <p:nvPr/>
         </p:nvPicPr>
         <p:blipFill>
           <a:blip r:embed="rId2">
@@ -5378,21 +5427,83 @@
         </p:blipFill>
         <p:spPr>
           <a:xfrm>
-            <a:off x="1515832" y="1384287"/>
-            <a:ext cx="7765453" cy="3970364"/>
+            <a:off x="4132875" y="519373"/>
+            <a:ext cx="6060992" cy="3098897"/>
           </a:xfrm>
+          <a:prstGeom prst="rect">
+            <a:avLst/>
+          </a:prstGeom>
+        </p:spPr>
+      </p:pic>
+      <p:sp>
+        <p:nvSpPr>
+          <p:cNvPr id="2" name="Title 1"/>
+          <p:cNvSpPr>
+            <a:spLocks noGrp="1"/>
+          </p:cNvSpPr>
+          <p:nvPr>
+            <p:ph type="title"/>
+          </p:nvPr>
+        </p:nvSpPr>
+        <p:spPr/>
+        <p:txBody>
+          <a:bodyPr/>
+          <a:lstStyle/>
+          <a:p>
+            <a:endParaRPr lang="en-US"/>
+          </a:p>
+        </p:txBody>
+      </p:sp>
+      <p:pic>
+        <p:nvPicPr>
+          <p:cNvPr id="4" name="Content Placeholder 3"/>
+          <p:cNvPicPr>
+            <a:picLocks noGrp="1" noChangeAspect="1"/>
+          </p:cNvPicPr>
+          <p:nvPr>
+            <p:ph idx="1"/>
+          </p:nvPr>
+        </p:nvPicPr>
+        <p:blipFill>
+          <a:blip r:embed="rId3">
+            <a:extLst>
+              <a:ext uri="{28A0092B-C50C-407E-A947-70E740481C1C}">
+                <a14:useLocalDpi xmlns:a14="http://schemas.microsoft.com/office/drawing/2010/main" val="0"/>
+              </a:ext>
+            </a:extLst>
+          </a:blip>
+          <a:stretch>
+            <a:fillRect/>
+          </a:stretch>
+        </p:blipFill>
+        <p:spPr>
+          <a:xfrm>
+            <a:off x="597869" y="3711356"/>
+            <a:ext cx="6779411" cy="2164511"/>
+          </a:xfrm>
+          <a:prstGeom prst="rect">
+            <a:avLst/>
+          </a:prstGeom>
         </p:spPr>
       </p:pic>
     </p:spTree>
     <p:extLst>
       <p:ext uri="{BB962C8B-B14F-4D97-AF65-F5344CB8AC3E}">
-        <p14:creationId xmlns:p14="http://schemas.microsoft.com/office/powerpoint/2010/main" val="785169459"/>
+        <p14:creationId xmlns:p14="http://schemas.microsoft.com/office/powerpoint/2010/main" val="277295826"/>
       </p:ext>
     </p:extLst>
   </p:cSld>
   <p:clrMapOvr>
     <a:masterClrMapping/>
   </p:clrMapOvr>
+  <mc:AlternateContent xmlns:mc="http://schemas.openxmlformats.org/markup-compatibility/2006">
+    <mc:Choice xmlns:p14="http://schemas.microsoft.com/office/powerpoint/2010/main" Requires="p14">
+      <p:transition spd="slow" p14:dur="2000" advTm="15000"/>
+    </mc:Choice>
+    <mc:Fallback>
+      <p:transition spd="slow" advTm="15000"/>
+    </mc:Fallback>
+  </mc:AlternateContent>
   <p:timing>
     <p:tnLst>
       <p:par>
@@ -5442,33 +5553,14 @@
         </p:blipFill>
         <p:spPr>
           <a:xfrm>
-            <a:off x="4132875" y="494022"/>
-            <a:ext cx="6060992" cy="3149600"/>
+            <a:off x="4132875" y="519373"/>
+            <a:ext cx="6060992" cy="3098897"/>
           </a:xfrm>
           <a:prstGeom prst="rect">
             <a:avLst/>
           </a:prstGeom>
         </p:spPr>
       </p:pic>
-      <p:sp>
-        <p:nvSpPr>
-          <p:cNvPr id="2" name="Title 1"/>
-          <p:cNvSpPr>
-            <a:spLocks noGrp="1"/>
-          </p:cNvSpPr>
-          <p:nvPr>
-            <p:ph type="title"/>
-          </p:nvPr>
-        </p:nvSpPr>
-        <p:spPr/>
-        <p:txBody>
-          <a:bodyPr/>
-          <a:lstStyle/>
-          <a:p>
-            <a:endParaRPr lang="en-US"/>
-          </a:p>
-        </p:txBody>
-      </p:sp>
       <p:pic>
         <p:nvPicPr>
           <p:cNvPr id="4" name="Content Placeholder 3"/>
@@ -5493,8 +5585,8 @@
         </p:blipFill>
         <p:spPr>
           <a:xfrm>
-            <a:off x="559055" y="3711356"/>
-            <a:ext cx="6857039" cy="2164511"/>
+            <a:off x="593784" y="3711356"/>
+            <a:ext cx="6787580" cy="2164511"/>
           </a:xfrm>
           <a:prstGeom prst="rect">
             <a:avLst/>
@@ -5504,13 +5596,21 @@
     </p:spTree>
     <p:extLst>
       <p:ext uri="{BB962C8B-B14F-4D97-AF65-F5344CB8AC3E}">
-        <p14:creationId xmlns:p14="http://schemas.microsoft.com/office/powerpoint/2010/main" val="277295826"/>
+        <p14:creationId xmlns:p14="http://schemas.microsoft.com/office/powerpoint/2010/main" val="4041360364"/>
       </p:ext>
     </p:extLst>
   </p:cSld>
   <p:clrMapOvr>
     <a:masterClrMapping/>
   </p:clrMapOvr>
+  <mc:AlternateContent xmlns:mc="http://schemas.openxmlformats.org/markup-compatibility/2006">
+    <mc:Choice xmlns:p14="http://schemas.microsoft.com/office/powerpoint/2010/main" Requires="p14">
+      <p:transition spd="slow" p14:dur="2000" advTm="15000"/>
+    </mc:Choice>
+    <mc:Fallback>
+      <p:transition spd="slow" advTm="15000"/>
+    </mc:Fallback>
+  </mc:AlternateContent>
   <p:timing>
     <p:tnLst>
       <p:par>
@@ -5568,34 +5668,13 @@
           </a:prstGeom>
         </p:spPr>
       </p:pic>
-      <p:sp>
-        <p:nvSpPr>
-          <p:cNvPr id="2" name="Title 1"/>
-          <p:cNvSpPr>
-            <a:spLocks noGrp="1"/>
-          </p:cNvSpPr>
-          <p:nvPr>
-            <p:ph type="title"/>
-          </p:nvPr>
-        </p:nvSpPr>
-        <p:spPr/>
-        <p:txBody>
-          <a:bodyPr/>
-          <a:lstStyle/>
-          <a:p>
-            <a:endParaRPr lang="en-US"/>
-          </a:p>
-        </p:txBody>
-      </p:sp>
       <p:pic>
         <p:nvPicPr>
-          <p:cNvPr id="4" name="Content Placeholder 3"/>
+          <p:cNvPr id="3" name="Picture 2"/>
           <p:cNvPicPr>
-            <a:picLocks noGrp="1" noChangeAspect="1"/>
+            <a:picLocks noChangeAspect="1"/>
           </p:cNvPicPr>
-          <p:nvPr>
-            <p:ph idx="1"/>
-          </p:nvPr>
+          <p:nvPr/>
         </p:nvPicPr>
         <p:blipFill>
           <a:blip r:embed="rId3">
@@ -5611,8 +5690,8 @@
         </p:blipFill>
         <p:spPr>
           <a:xfrm>
-            <a:off x="559055" y="3717264"/>
-            <a:ext cx="6857039" cy="2152694"/>
+            <a:off x="608603" y="3717264"/>
+            <a:ext cx="6758646" cy="2152694"/>
           </a:xfrm>
           <a:prstGeom prst="rect">
             <a:avLst/>
@@ -5622,13 +5701,21 @@
     </p:spTree>
     <p:extLst>
       <p:ext uri="{BB962C8B-B14F-4D97-AF65-F5344CB8AC3E}">
-        <p14:creationId xmlns:p14="http://schemas.microsoft.com/office/powerpoint/2010/main" val="2823373879"/>
+        <p14:creationId xmlns:p14="http://schemas.microsoft.com/office/powerpoint/2010/main" val="3527144338"/>
       </p:ext>
     </p:extLst>
   </p:cSld>
   <p:clrMapOvr>
     <a:masterClrMapping/>
   </p:clrMapOvr>
+  <mc:AlternateContent xmlns:mc="http://schemas.openxmlformats.org/markup-compatibility/2006">
+    <mc:Choice xmlns:p14="http://schemas.microsoft.com/office/powerpoint/2010/main" Requires="p14">
+      <p:transition spd="slow" p14:dur="2000" advTm="15000"/>
+    </mc:Choice>
+    <mc:Fallback>
+      <p:transition spd="slow" advTm="15000"/>
+    </mc:Fallback>
+  </mc:AlternateContent>
   <p:timing>
     <p:tnLst>
       <p:par>
@@ -5671,7 +5758,23 @@
           <a:bodyPr/>
           <a:lstStyle/>
           <a:p>
-            <a:endParaRPr lang="en-US"/>
+            <a:r>
+              <a:rPr lang="en-US" dirty="0" err="1" smtClean="0"/>
+              <a:t>Implementación</a:t>
+            </a:r>
+            <a:r>
+              <a:rPr lang="en-US" dirty="0" smtClean="0"/>
+              <a:t> </a:t>
+            </a:r>
+            <a:r>
+              <a:rPr lang="en-US" dirty="0" err="1" smtClean="0"/>
+              <a:t>en</a:t>
+            </a:r>
+            <a:r>
+              <a:rPr lang="en-US" dirty="0" smtClean="0"/>
+              <a:t> C++</a:t>
+            </a:r>
+            <a:endParaRPr lang="en-US" dirty="0"/>
           </a:p>
         </p:txBody>
       </p:sp>
@@ -5697,13 +5800,21 @@
     </p:spTree>
     <p:extLst>
       <p:ext uri="{BB962C8B-B14F-4D97-AF65-F5344CB8AC3E}">
-        <p14:creationId xmlns:p14="http://schemas.microsoft.com/office/powerpoint/2010/main" val="186353187"/>
+        <p14:creationId xmlns:p14="http://schemas.microsoft.com/office/powerpoint/2010/main" val="3342285043"/>
       </p:ext>
     </p:extLst>
   </p:cSld>
   <p:clrMapOvr>
     <a:masterClrMapping/>
   </p:clrMapOvr>
+  <mc:AlternateContent xmlns:mc="http://schemas.openxmlformats.org/markup-compatibility/2006">
+    <mc:Choice xmlns:p14="http://schemas.microsoft.com/office/powerpoint/2010/main" Requires="p14">
+      <p:transition spd="slow" p14:dur="2000" advTm="15000"/>
+    </mc:Choice>
+    <mc:Fallback>
+      <p:transition spd="slow" advTm="15000"/>
+    </mc:Fallback>
+  </mc:AlternateContent>
   <p:timing>
     <p:tnLst>
       <p:par>
@@ -5746,23 +5857,7 @@
           <a:bodyPr/>
           <a:lstStyle/>
           <a:p>
-            <a:r>
-              <a:rPr lang="en-US" dirty="0" err="1" smtClean="0"/>
-              <a:t>Implementación</a:t>
-            </a:r>
-            <a:r>
-              <a:rPr lang="en-US" dirty="0" smtClean="0"/>
-              <a:t> </a:t>
-            </a:r>
-            <a:r>
-              <a:rPr lang="en-US" dirty="0" err="1" smtClean="0"/>
-              <a:t>en</a:t>
-            </a:r>
-            <a:r>
-              <a:rPr lang="en-US" dirty="0" smtClean="0"/>
-              <a:t> C++</a:t>
-            </a:r>
-            <a:endParaRPr lang="en-US" dirty="0"/>
+            <a:endParaRPr lang="en-US"/>
           </a:p>
         </p:txBody>
       </p:sp>
@@ -5788,13 +5883,21 @@
     </p:spTree>
     <p:extLst>
       <p:ext uri="{BB962C8B-B14F-4D97-AF65-F5344CB8AC3E}">
-        <p14:creationId xmlns:p14="http://schemas.microsoft.com/office/powerpoint/2010/main" val="3342285043"/>
+        <p14:creationId xmlns:p14="http://schemas.microsoft.com/office/powerpoint/2010/main" val="3079765301"/>
       </p:ext>
     </p:extLst>
   </p:cSld>
   <p:clrMapOvr>
     <a:masterClrMapping/>
   </p:clrMapOvr>
+  <mc:AlternateContent xmlns:mc="http://schemas.openxmlformats.org/markup-compatibility/2006">
+    <mc:Choice xmlns:p14="http://schemas.microsoft.com/office/powerpoint/2010/main" Requires="p14">
+      <p:transition spd="slow" p14:dur="2000" advTm="15000"/>
+    </mc:Choice>
+    <mc:Fallback>
+      <p:transition spd="slow" advTm="15000"/>
+    </mc:Fallback>
+  </mc:AlternateContent>
   <p:timing>
     <p:tnLst>
       <p:par>

--- a/Proyecto/proyectoFinal.pptx
+++ b/Proyecto/proyectoFinal.pptx
@@ -19,9 +19,9 @@
     <p:sldId id="267" r:id="rId13"/>
     <p:sldId id="268" r:id="rId14"/>
     <p:sldId id="270" r:id="rId15"/>
-    <p:sldId id="271" r:id="rId16"/>
+    <p:sldId id="273" r:id="rId16"/>
     <p:sldId id="272" r:id="rId17"/>
-    <p:sldId id="273" r:id="rId18"/>
+    <p:sldId id="271" r:id="rId18"/>
     <p:sldId id="274" r:id="rId19"/>
     <p:sldId id="275" r:id="rId20"/>
     <p:sldId id="277" r:id="rId21"/>
@@ -240,7 +240,7 @@
 
 <file path=ppt/comments/comment15.xml><?xml version="1.0" encoding="utf-8"?>
 <p:cmLst xmlns:a="http://schemas.openxmlformats.org/drawingml/2006/main" xmlns:r="http://schemas.openxmlformats.org/officeDocument/2006/relationships" xmlns:p="http://schemas.openxmlformats.org/presentationml/2006/main">
-  <p:cm authorId="1" dt="2017-03-02T18:05:26.191" idx="12">
+  <p:cm authorId="1" dt="2017-03-02T18:05:34.920" idx="14">
     <p:pos x="10" y="10"/>
     <p:text>Adrian</p:text>
     <p:extLst>
@@ -268,7 +268,7 @@
 
 <file path=ppt/comments/comment17.xml><?xml version="1.0" encoding="utf-8"?>
 <p:cmLst xmlns:a="http://schemas.openxmlformats.org/drawingml/2006/main" xmlns:r="http://schemas.openxmlformats.org/officeDocument/2006/relationships" xmlns:p="http://schemas.openxmlformats.org/presentationml/2006/main">
-  <p:cm authorId="1" dt="2017-03-02T18:05:34.920" idx="14">
+  <p:cm authorId="1" dt="2017-03-02T18:05:26.191" idx="12">
     <p:pos x="10" y="10"/>
     <p:text>Adrian</p:text>
     <p:extLst>
@@ -598,7 +598,7 @@
             <a:fld id="{B61BEF0D-F0BB-DE4B-95CE-6DB70DBA9567}" type="datetimeFigureOut">
               <a:rPr lang="en-US" smtClean="0"/>
               <a:pPr/>
-              <a:t>3/2/2017</a:t>
+              <a:t>3/3/2017</a:t>
             </a:fld>
             <a:endParaRPr lang="en-US" dirty="0"/>
           </a:p>
@@ -810,7 +810,7 @@
             <a:fld id="{B61BEF0D-F0BB-DE4B-95CE-6DB70DBA9567}" type="datetimeFigureOut">
               <a:rPr lang="en-US" smtClean="0"/>
               <a:pPr/>
-              <a:t>3/2/2017</a:t>
+              <a:t>3/3/2017</a:t>
             </a:fld>
             <a:endParaRPr lang="en-US" dirty="0"/>
           </a:p>
@@ -992,7 +992,7 @@
             <a:fld id="{B61BEF0D-F0BB-DE4B-95CE-6DB70DBA9567}" type="datetimeFigureOut">
               <a:rPr lang="en-US" smtClean="0"/>
               <a:pPr/>
-              <a:t>3/2/2017</a:t>
+              <a:t>3/3/2017</a:t>
             </a:fld>
             <a:endParaRPr lang="en-US" dirty="0"/>
           </a:p>
@@ -1164,7 +1164,7 @@
             <a:fld id="{B61BEF0D-F0BB-DE4B-95CE-6DB70DBA9567}" type="datetimeFigureOut">
               <a:rPr lang="en-US" smtClean="0"/>
               <a:pPr/>
-              <a:t>3/2/2017</a:t>
+              <a:t>3/3/2017</a:t>
             </a:fld>
             <a:endParaRPr lang="en-US" dirty="0"/>
           </a:p>
@@ -1420,7 +1420,7 @@
             <a:fld id="{B61BEF0D-F0BB-DE4B-95CE-6DB70DBA9567}" type="datetimeFigureOut">
               <a:rPr lang="en-US" smtClean="0"/>
               <a:pPr/>
-              <a:t>3/2/2017</a:t>
+              <a:t>3/3/2017</a:t>
             </a:fld>
             <a:endParaRPr lang="en-US" dirty="0"/>
           </a:p>
@@ -1748,7 +1748,7 @@
             <a:fld id="{B61BEF0D-F0BB-DE4B-95CE-6DB70DBA9567}" type="datetimeFigureOut">
               <a:rPr lang="en-US" smtClean="0"/>
               <a:pPr/>
-              <a:t>3/2/2017</a:t>
+              <a:t>3/3/2017</a:t>
             </a:fld>
             <a:endParaRPr lang="en-US" dirty="0"/>
           </a:p>
@@ -2201,7 +2201,7 @@
             <a:fld id="{B61BEF0D-F0BB-DE4B-95CE-6DB70DBA9567}" type="datetimeFigureOut">
               <a:rPr lang="en-US" smtClean="0"/>
               <a:pPr/>
-              <a:t>3/2/2017</a:t>
+              <a:t>3/3/2017</a:t>
             </a:fld>
             <a:endParaRPr lang="en-US" dirty="0"/>
           </a:p>
@@ -2321,7 +2321,7 @@
             <a:fld id="{B61BEF0D-F0BB-DE4B-95CE-6DB70DBA9567}" type="datetimeFigureOut">
               <a:rPr lang="en-US" smtClean="0"/>
               <a:pPr/>
-              <a:t>3/2/2017</a:t>
+              <a:t>3/3/2017</a:t>
             </a:fld>
             <a:endParaRPr lang="en-US" dirty="0"/>
           </a:p>
@@ -2418,7 +2418,7 @@
             <a:fld id="{B61BEF0D-F0BB-DE4B-95CE-6DB70DBA9567}" type="datetimeFigureOut">
               <a:rPr lang="en-US" smtClean="0"/>
               <a:pPr/>
-              <a:t>3/2/2017</a:t>
+              <a:t>3/3/2017</a:t>
             </a:fld>
             <a:endParaRPr lang="en-US" dirty="0"/>
           </a:p>
@@ -2707,7 +2707,7 @@
             <a:fld id="{B61BEF0D-F0BB-DE4B-95CE-6DB70DBA9567}" type="datetimeFigureOut">
               <a:rPr lang="en-US" smtClean="0"/>
               <a:pPr/>
-              <a:t>3/2/2017</a:t>
+              <a:t>3/3/2017</a:t>
             </a:fld>
             <a:endParaRPr lang="en-US" dirty="0"/>
           </a:p>
@@ -3027,7 +3027,7 @@
             <a:fld id="{B61BEF0D-F0BB-DE4B-95CE-6DB70DBA9567}" type="datetimeFigureOut">
               <a:rPr lang="en-US" smtClean="0"/>
               <a:pPr/>
-              <a:t>3/2/2017</a:t>
+              <a:t>3/3/2017</a:t>
             </a:fld>
             <a:endParaRPr lang="en-US" dirty="0"/>
           </a:p>
@@ -3281,7 +3281,7 @@
             <a:fld id="{B61BEF0D-F0BB-DE4B-95CE-6DB70DBA9567}" type="datetimeFigureOut">
               <a:rPr lang="en-US" smtClean="0"/>
               <a:pPr/>
-              <a:t>3/2/2017</a:t>
+              <a:t>3/3/2017</a:t>
             </a:fld>
             <a:endParaRPr lang="en-US" dirty="0"/>
           </a:p>
@@ -4573,7 +4573,7 @@
     </p:spTree>
     <p:extLst>
       <p:ext uri="{BB962C8B-B14F-4D97-AF65-F5344CB8AC3E}">
-        <p14:creationId xmlns:p14="http://schemas.microsoft.com/office/powerpoint/2010/main" val="2105564327"/>
+        <p14:creationId xmlns:p14="http://schemas.microsoft.com/office/powerpoint/2010/main" val="3281805327"/>
       </p:ext>
     </p:extLst>
   </p:cSld>
@@ -4747,19 +4747,60 @@
             <p:ph idx="1"/>
           </p:nvPr>
         </p:nvSpPr>
-        <p:spPr/>
-        <p:txBody>
-          <a:bodyPr/>
-          <a:lstStyle/>
-          <a:p>
-            <a:endParaRPr lang="en-US"/>
-          </a:p>
-        </p:txBody>
-      </p:sp>
+        <p:spPr>
+          <a:xfrm>
+            <a:off x="3387005" y="5850466"/>
+            <a:ext cx="4486995" cy="465667"/>
+          </a:xfrm>
+        </p:spPr>
+        <p:txBody>
+          <a:bodyPr>
+            <a:normAutofit/>
+          </a:bodyPr>
+          <a:lstStyle/>
+          <a:p>
+            <a:r>
+              <a:rPr lang="en-US" sz="1200" dirty="0"/>
+              <a:t>https://rootear.com/desarrollo/complejidades-algoritmos</a:t>
+            </a:r>
+            <a:endParaRPr lang="en-US" sz="1200" dirty="0"/>
+          </a:p>
+        </p:txBody>
+      </p:sp>
+      <p:pic>
+        <p:nvPicPr>
+          <p:cNvPr id="4" name="Picture 3"/>
+          <p:cNvPicPr>
+            <a:picLocks noChangeAspect="1"/>
+          </p:cNvPicPr>
+          <p:nvPr/>
+        </p:nvPicPr>
+        <p:blipFill>
+          <a:blip r:embed="rId2">
+            <a:extLst>
+              <a:ext uri="{28A0092B-C50C-407E-A947-70E740481C1C}">
+                <a14:useLocalDpi xmlns:a14="http://schemas.microsoft.com/office/drawing/2010/main" val="0"/>
+              </a:ext>
+            </a:extLst>
+          </a:blip>
+          <a:stretch>
+            <a:fillRect/>
+          </a:stretch>
+        </p:blipFill>
+        <p:spPr>
+          <a:xfrm>
+            <a:off x="2147887" y="1096433"/>
+            <a:ext cx="6677025" cy="4762500"/>
+          </a:xfrm>
+          <a:prstGeom prst="rect">
+            <a:avLst/>
+          </a:prstGeom>
+        </p:spPr>
+      </p:pic>
     </p:spTree>
     <p:extLst>
       <p:ext uri="{BB962C8B-B14F-4D97-AF65-F5344CB8AC3E}">
-        <p14:creationId xmlns:p14="http://schemas.microsoft.com/office/powerpoint/2010/main" val="3281805327"/>
+        <p14:creationId xmlns:p14="http://schemas.microsoft.com/office/powerpoint/2010/main" val="2105564327"/>
       </p:ext>
     </p:extLst>
   </p:cSld>

--- a/Proyecto/proyectoFinal.pptx
+++ b/Proyecto/proyectoFinal.pptx
@@ -4,6 +4,9 @@
   <p:sldMasterIdLst>
     <p:sldMasterId id="2147484062" r:id="rId1"/>
   </p:sldMasterIdLst>
+  <p:notesMasterIdLst>
+    <p:notesMasterId r:id="rId23"/>
+  </p:notesMasterIdLst>
   <p:sldIdLst>
     <p:sldId id="256" r:id="rId2"/>
     <p:sldId id="257" r:id="rId3"/>
@@ -14,17 +17,18 @@
     <p:sldId id="279" r:id="rId8"/>
     <p:sldId id="265" r:id="rId9"/>
     <p:sldId id="263" r:id="rId10"/>
-    <p:sldId id="264" r:id="rId11"/>
-    <p:sldId id="266" r:id="rId12"/>
+    <p:sldId id="266" r:id="rId11"/>
+    <p:sldId id="264" r:id="rId12"/>
     <p:sldId id="267" r:id="rId13"/>
-    <p:sldId id="268" r:id="rId14"/>
-    <p:sldId id="270" r:id="rId15"/>
-    <p:sldId id="271" r:id="rId16"/>
-    <p:sldId id="272" r:id="rId17"/>
+    <p:sldId id="270" r:id="rId14"/>
+    <p:sldId id="268" r:id="rId15"/>
+    <p:sldId id="272" r:id="rId16"/>
+    <p:sldId id="271" r:id="rId17"/>
     <p:sldId id="273" r:id="rId18"/>
     <p:sldId id="274" r:id="rId19"/>
     <p:sldId id="275" r:id="rId20"/>
-    <p:sldId id="277" r:id="rId21"/>
+    <p:sldId id="280" r:id="rId21"/>
+    <p:sldId id="277" r:id="rId22"/>
   </p:sldIdLst>
   <p:sldSz cx="12192000" cy="6858000"/>
   <p:notesSz cx="6858000" cy="9144000"/>
@@ -170,7 +174,7 @@
 
 <file path=ppt/comments/comment10.xml><?xml version="1.0" encoding="utf-8"?>
 <p:cmLst xmlns:a="http://schemas.openxmlformats.org/drawingml/2006/main" xmlns:r="http://schemas.openxmlformats.org/officeDocument/2006/relationships" xmlns:p="http://schemas.openxmlformats.org/presentationml/2006/main">
-  <p:cm authorId="1" dt="2017-03-02T18:05:48.617" idx="16">
+  <p:cm authorId="1" dt="2017-03-02T18:05:58.204" idx="17">
     <p:pos x="10" y="10"/>
     <p:text>Robin</p:text>
     <p:extLst>
@@ -184,7 +188,7 @@
 
 <file path=ppt/comments/comment11.xml><?xml version="1.0" encoding="utf-8"?>
 <p:cmLst xmlns:a="http://schemas.openxmlformats.org/drawingml/2006/main" xmlns:r="http://schemas.openxmlformats.org/officeDocument/2006/relationships" xmlns:p="http://schemas.openxmlformats.org/presentationml/2006/main">
-  <p:cm authorId="1" dt="2017-03-02T18:05:58.204" idx="17">
+  <p:cm authorId="1" dt="2017-03-02T18:05:48.617" idx="16">
     <p:pos x="10" y="10"/>
     <p:text>Robin</p:text>
     <p:extLst>
@@ -212,6 +216,20 @@
 
 <file path=ppt/comments/comment13.xml><?xml version="1.0" encoding="utf-8"?>
 <p:cmLst xmlns:a="http://schemas.openxmlformats.org/drawingml/2006/main" xmlns:r="http://schemas.openxmlformats.org/officeDocument/2006/relationships" xmlns:p="http://schemas.openxmlformats.org/presentationml/2006/main">
+  <p:cm authorId="1" dt="2017-03-02T18:05:16.150" idx="10">
+    <p:pos x="10" y="10"/>
+    <p:text>Adrian</p:text>
+    <p:extLst>
+      <p:ext uri="{C676402C-5697-4E1C-873F-D02D1690AC5C}">
+        <p15:threadingInfo xmlns:p15="http://schemas.microsoft.com/office/powerpoint/2012/main" timeZoneBias="360"/>
+      </p:ext>
+    </p:extLst>
+  </p:cm>
+</p:cmLst>
+</file>
+
+<file path=ppt/comments/comment14.xml><?xml version="1.0" encoding="utf-8"?>
+<p:cmLst xmlns:a="http://schemas.openxmlformats.org/drawingml/2006/main" xmlns:r="http://schemas.openxmlformats.org/officeDocument/2006/relationships" xmlns:p="http://schemas.openxmlformats.org/presentationml/2006/main">
   <p:cm authorId="1" dt="2017-03-02T18:06:08.163" idx="19">
     <p:pos x="10" y="10"/>
     <p:text>Robin</p:text>
@@ -224,23 +242,9 @@
 </p:cmLst>
 </file>
 
-<file path=ppt/comments/comment14.xml><?xml version="1.0" encoding="utf-8"?>
-<p:cmLst xmlns:a="http://schemas.openxmlformats.org/drawingml/2006/main" xmlns:r="http://schemas.openxmlformats.org/officeDocument/2006/relationships" xmlns:p="http://schemas.openxmlformats.org/presentationml/2006/main">
-  <p:cm authorId="1" dt="2017-03-02T18:05:16.150" idx="10">
-    <p:pos x="10" y="10"/>
-    <p:text>Adrian</p:text>
-    <p:extLst>
-      <p:ext uri="{C676402C-5697-4E1C-873F-D02D1690AC5C}">
-        <p15:threadingInfo xmlns:p15="http://schemas.microsoft.com/office/powerpoint/2012/main" timeZoneBias="360"/>
-      </p:ext>
-    </p:extLst>
-  </p:cm>
-</p:cmLst>
-</file>
-
 <file path=ppt/comments/comment15.xml><?xml version="1.0" encoding="utf-8"?>
 <p:cmLst xmlns:a="http://schemas.openxmlformats.org/drawingml/2006/main" xmlns:r="http://schemas.openxmlformats.org/officeDocument/2006/relationships" xmlns:p="http://schemas.openxmlformats.org/presentationml/2006/main">
-  <p:cm authorId="1" dt="2017-03-02T18:05:26.191" idx="12">
+  <p:cm authorId="1" dt="2017-03-02T18:05:30.662" idx="13">
     <p:pos x="10" y="10"/>
     <p:text>Adrian</p:text>
     <p:extLst>
@@ -254,7 +258,7 @@
 
 <file path=ppt/comments/comment16.xml><?xml version="1.0" encoding="utf-8"?>
 <p:cmLst xmlns:a="http://schemas.openxmlformats.org/drawingml/2006/main" xmlns:r="http://schemas.openxmlformats.org/officeDocument/2006/relationships" xmlns:p="http://schemas.openxmlformats.org/presentationml/2006/main">
-  <p:cm authorId="1" dt="2017-03-02T18:05:30.662" idx="13">
+  <p:cm authorId="1" dt="2017-03-02T18:05:26.191" idx="12">
     <p:pos x="10" y="10"/>
     <p:text>Adrian</p:text>
     <p:extLst>
@@ -406,6 +410,524 @@
 </p:cmLst>
 </file>
 
+<file path=ppt/notesMasters/notesMaster1.xml><?xml version="1.0" encoding="utf-8"?>
+<p:notesMaster xmlns:a="http://schemas.openxmlformats.org/drawingml/2006/main" xmlns:r="http://schemas.openxmlformats.org/officeDocument/2006/relationships" xmlns:p="http://schemas.openxmlformats.org/presentationml/2006/main">
+  <p:cSld>
+    <p:bg>
+      <p:bgRef idx="1001">
+        <a:schemeClr val="bg1"/>
+      </p:bgRef>
+    </p:bg>
+    <p:spTree>
+      <p:nvGrpSpPr>
+        <p:cNvPr id="1" name=""/>
+        <p:cNvGrpSpPr/>
+        <p:nvPr/>
+      </p:nvGrpSpPr>
+      <p:grpSpPr>
+        <a:xfrm>
+          <a:off x="0" y="0"/>
+          <a:ext cx="0" cy="0"/>
+          <a:chOff x="0" y="0"/>
+          <a:chExt cx="0" cy="0"/>
+        </a:xfrm>
+      </p:grpSpPr>
+      <p:sp>
+        <p:nvSpPr>
+          <p:cNvPr id="2" name="Header Placeholder 1"/>
+          <p:cNvSpPr>
+            <a:spLocks noGrp="1"/>
+          </p:cNvSpPr>
+          <p:nvPr>
+            <p:ph type="hdr" sz="quarter"/>
+          </p:nvPr>
+        </p:nvSpPr>
+        <p:spPr>
+          <a:xfrm>
+            <a:off x="0" y="0"/>
+            <a:ext cx="2971800" cy="458788"/>
+          </a:xfrm>
+          <a:prstGeom prst="rect">
+            <a:avLst/>
+          </a:prstGeom>
+        </p:spPr>
+        <p:txBody>
+          <a:bodyPr vert="horz" lIns="91440" tIns="45720" rIns="91440" bIns="45720" rtlCol="0"/>
+          <a:lstStyle>
+            <a:lvl1pPr algn="l">
+              <a:defRPr sz="1200"/>
+            </a:lvl1pPr>
+          </a:lstStyle>
+          <a:p>
+            <a:endParaRPr lang="en-US"/>
+          </a:p>
+        </p:txBody>
+      </p:sp>
+      <p:sp>
+        <p:nvSpPr>
+          <p:cNvPr id="3" name="Date Placeholder 2"/>
+          <p:cNvSpPr>
+            <a:spLocks noGrp="1"/>
+          </p:cNvSpPr>
+          <p:nvPr>
+            <p:ph type="dt" idx="1"/>
+          </p:nvPr>
+        </p:nvSpPr>
+        <p:spPr>
+          <a:xfrm>
+            <a:off x="3884613" y="0"/>
+            <a:ext cx="2971800" cy="458788"/>
+          </a:xfrm>
+          <a:prstGeom prst="rect">
+            <a:avLst/>
+          </a:prstGeom>
+        </p:spPr>
+        <p:txBody>
+          <a:bodyPr vert="horz" lIns="91440" tIns="45720" rIns="91440" bIns="45720" rtlCol="0"/>
+          <a:lstStyle>
+            <a:lvl1pPr algn="r">
+              <a:defRPr sz="1200"/>
+            </a:lvl1pPr>
+          </a:lstStyle>
+          <a:p>
+            <a:fld id="{06112170-A7CD-422B-833D-CD77F6592D29}" type="datetimeFigureOut">
+              <a:rPr lang="en-US" smtClean="0"/>
+              <a:t>3/3/2017</a:t>
+            </a:fld>
+            <a:endParaRPr lang="en-US"/>
+          </a:p>
+        </p:txBody>
+      </p:sp>
+      <p:sp>
+        <p:nvSpPr>
+          <p:cNvPr id="4" name="Slide Image Placeholder 3"/>
+          <p:cNvSpPr>
+            <a:spLocks noGrp="1" noRot="1" noChangeAspect="1"/>
+          </p:cNvSpPr>
+          <p:nvPr>
+            <p:ph type="sldImg" idx="2"/>
+          </p:nvPr>
+        </p:nvSpPr>
+        <p:spPr>
+          <a:xfrm>
+            <a:off x="685800" y="1143000"/>
+            <a:ext cx="5486400" cy="3086100"/>
+          </a:xfrm>
+          <a:prstGeom prst="rect">
+            <a:avLst/>
+          </a:prstGeom>
+          <a:noFill/>
+          <a:ln w="12700">
+            <a:solidFill>
+              <a:prstClr val="black"/>
+            </a:solidFill>
+          </a:ln>
+        </p:spPr>
+        <p:txBody>
+          <a:bodyPr vert="horz" lIns="91440" tIns="45720" rIns="91440" bIns="45720" rtlCol="0" anchor="ctr"/>
+          <a:lstStyle/>
+          <a:p>
+            <a:endParaRPr lang="en-US"/>
+          </a:p>
+        </p:txBody>
+      </p:sp>
+      <p:sp>
+        <p:nvSpPr>
+          <p:cNvPr id="5" name="Notes Placeholder 4"/>
+          <p:cNvSpPr>
+            <a:spLocks noGrp="1"/>
+          </p:cNvSpPr>
+          <p:nvPr>
+            <p:ph type="body" sz="quarter" idx="3"/>
+          </p:nvPr>
+        </p:nvSpPr>
+        <p:spPr>
+          <a:xfrm>
+            <a:off x="685800" y="4400550"/>
+            <a:ext cx="5486400" cy="3600450"/>
+          </a:xfrm>
+          <a:prstGeom prst="rect">
+            <a:avLst/>
+          </a:prstGeom>
+        </p:spPr>
+        <p:txBody>
+          <a:bodyPr vert="horz" lIns="91440" tIns="45720" rIns="91440" bIns="45720" rtlCol="0"/>
+          <a:lstStyle/>
+          <a:p>
+            <a:pPr lvl="0"/>
+            <a:r>
+              <a:rPr lang="en-US" smtClean="0"/>
+              <a:t>Click to edit Master text styles</a:t>
+            </a:r>
+          </a:p>
+          <a:p>
+            <a:pPr lvl="1"/>
+            <a:r>
+              <a:rPr lang="en-US" smtClean="0"/>
+              <a:t>Second level</a:t>
+            </a:r>
+          </a:p>
+          <a:p>
+            <a:pPr lvl="2"/>
+            <a:r>
+              <a:rPr lang="en-US" smtClean="0"/>
+              <a:t>Third level</a:t>
+            </a:r>
+          </a:p>
+          <a:p>
+            <a:pPr lvl="3"/>
+            <a:r>
+              <a:rPr lang="en-US" smtClean="0"/>
+              <a:t>Fourth level</a:t>
+            </a:r>
+          </a:p>
+          <a:p>
+            <a:pPr lvl="4"/>
+            <a:r>
+              <a:rPr lang="en-US" smtClean="0"/>
+              <a:t>Fifth level</a:t>
+            </a:r>
+            <a:endParaRPr lang="en-US"/>
+          </a:p>
+        </p:txBody>
+      </p:sp>
+      <p:sp>
+        <p:nvSpPr>
+          <p:cNvPr id="6" name="Footer Placeholder 5"/>
+          <p:cNvSpPr>
+            <a:spLocks noGrp="1"/>
+          </p:cNvSpPr>
+          <p:nvPr>
+            <p:ph type="ftr" sz="quarter" idx="4"/>
+          </p:nvPr>
+        </p:nvSpPr>
+        <p:spPr>
+          <a:xfrm>
+            <a:off x="0" y="8685213"/>
+            <a:ext cx="2971800" cy="458787"/>
+          </a:xfrm>
+          <a:prstGeom prst="rect">
+            <a:avLst/>
+          </a:prstGeom>
+        </p:spPr>
+        <p:txBody>
+          <a:bodyPr vert="horz" lIns="91440" tIns="45720" rIns="91440" bIns="45720" rtlCol="0" anchor="b"/>
+          <a:lstStyle>
+            <a:lvl1pPr algn="l">
+              <a:defRPr sz="1200"/>
+            </a:lvl1pPr>
+          </a:lstStyle>
+          <a:p>
+            <a:endParaRPr lang="en-US"/>
+          </a:p>
+        </p:txBody>
+      </p:sp>
+      <p:sp>
+        <p:nvSpPr>
+          <p:cNvPr id="7" name="Slide Number Placeholder 6"/>
+          <p:cNvSpPr>
+            <a:spLocks noGrp="1"/>
+          </p:cNvSpPr>
+          <p:nvPr>
+            <p:ph type="sldNum" sz="quarter" idx="5"/>
+          </p:nvPr>
+        </p:nvSpPr>
+        <p:spPr>
+          <a:xfrm>
+            <a:off x="3884613" y="8685213"/>
+            <a:ext cx="2971800" cy="458787"/>
+          </a:xfrm>
+          <a:prstGeom prst="rect">
+            <a:avLst/>
+          </a:prstGeom>
+        </p:spPr>
+        <p:txBody>
+          <a:bodyPr vert="horz" lIns="91440" tIns="45720" rIns="91440" bIns="45720" rtlCol="0" anchor="b"/>
+          <a:lstStyle>
+            <a:lvl1pPr algn="r">
+              <a:defRPr sz="1200"/>
+            </a:lvl1pPr>
+          </a:lstStyle>
+          <a:p>
+            <a:fld id="{7EE81B75-7110-4CFE-A72A-AF253F4D700A}" type="slidenum">
+              <a:rPr lang="en-US" smtClean="0"/>
+              <a:t>‹#›</a:t>
+            </a:fld>
+            <a:endParaRPr lang="en-US"/>
+          </a:p>
+        </p:txBody>
+      </p:sp>
+    </p:spTree>
+    <p:extLst>
+      <p:ext uri="{BB962C8B-B14F-4D97-AF65-F5344CB8AC3E}">
+        <p14:creationId xmlns:p14="http://schemas.microsoft.com/office/powerpoint/2010/main" val="3627785052"/>
+      </p:ext>
+    </p:extLst>
+  </p:cSld>
+  <p:clrMap bg1="lt1" tx1="dk1" bg2="lt2" tx2="dk2" accent1="accent1" accent2="accent2" accent3="accent3" accent4="accent4" accent5="accent5" accent6="accent6" hlink="hlink" folHlink="folHlink"/>
+  <p:notesStyle>
+    <a:lvl1pPr marL="0" algn="l" defTabSz="914400" rtl="0" eaLnBrk="1" latinLnBrk="0" hangingPunct="1">
+      <a:defRPr sz="1200" kern="1200">
+        <a:solidFill>
+          <a:schemeClr val="tx1"/>
+        </a:solidFill>
+        <a:latin typeface="+mn-lt"/>
+        <a:ea typeface="+mn-ea"/>
+        <a:cs typeface="+mn-cs"/>
+      </a:defRPr>
+    </a:lvl1pPr>
+    <a:lvl2pPr marL="457200" algn="l" defTabSz="914400" rtl="0" eaLnBrk="1" latinLnBrk="0" hangingPunct="1">
+      <a:defRPr sz="1200" kern="1200">
+        <a:solidFill>
+          <a:schemeClr val="tx1"/>
+        </a:solidFill>
+        <a:latin typeface="+mn-lt"/>
+        <a:ea typeface="+mn-ea"/>
+        <a:cs typeface="+mn-cs"/>
+      </a:defRPr>
+    </a:lvl2pPr>
+    <a:lvl3pPr marL="914400" algn="l" defTabSz="914400" rtl="0" eaLnBrk="1" latinLnBrk="0" hangingPunct="1">
+      <a:defRPr sz="1200" kern="1200">
+        <a:solidFill>
+          <a:schemeClr val="tx1"/>
+        </a:solidFill>
+        <a:latin typeface="+mn-lt"/>
+        <a:ea typeface="+mn-ea"/>
+        <a:cs typeface="+mn-cs"/>
+      </a:defRPr>
+    </a:lvl3pPr>
+    <a:lvl4pPr marL="1371600" algn="l" defTabSz="914400" rtl="0" eaLnBrk="1" latinLnBrk="0" hangingPunct="1">
+      <a:defRPr sz="1200" kern="1200">
+        <a:solidFill>
+          <a:schemeClr val="tx1"/>
+        </a:solidFill>
+        <a:latin typeface="+mn-lt"/>
+        <a:ea typeface="+mn-ea"/>
+        <a:cs typeface="+mn-cs"/>
+      </a:defRPr>
+    </a:lvl4pPr>
+    <a:lvl5pPr marL="1828800" algn="l" defTabSz="914400" rtl="0" eaLnBrk="1" latinLnBrk="0" hangingPunct="1">
+      <a:defRPr sz="1200" kern="1200">
+        <a:solidFill>
+          <a:schemeClr val="tx1"/>
+        </a:solidFill>
+        <a:latin typeface="+mn-lt"/>
+        <a:ea typeface="+mn-ea"/>
+        <a:cs typeface="+mn-cs"/>
+      </a:defRPr>
+    </a:lvl5pPr>
+    <a:lvl6pPr marL="2286000" algn="l" defTabSz="914400" rtl="0" eaLnBrk="1" latinLnBrk="0" hangingPunct="1">
+      <a:defRPr sz="1200" kern="1200">
+        <a:solidFill>
+          <a:schemeClr val="tx1"/>
+        </a:solidFill>
+        <a:latin typeface="+mn-lt"/>
+        <a:ea typeface="+mn-ea"/>
+        <a:cs typeface="+mn-cs"/>
+      </a:defRPr>
+    </a:lvl6pPr>
+    <a:lvl7pPr marL="2743200" algn="l" defTabSz="914400" rtl="0" eaLnBrk="1" latinLnBrk="0" hangingPunct="1">
+      <a:defRPr sz="1200" kern="1200">
+        <a:solidFill>
+          <a:schemeClr val="tx1"/>
+        </a:solidFill>
+        <a:latin typeface="+mn-lt"/>
+        <a:ea typeface="+mn-ea"/>
+        <a:cs typeface="+mn-cs"/>
+      </a:defRPr>
+    </a:lvl7pPr>
+    <a:lvl8pPr marL="3200400" algn="l" defTabSz="914400" rtl="0" eaLnBrk="1" latinLnBrk="0" hangingPunct="1">
+      <a:defRPr sz="1200" kern="1200">
+        <a:solidFill>
+          <a:schemeClr val="tx1"/>
+        </a:solidFill>
+        <a:latin typeface="+mn-lt"/>
+        <a:ea typeface="+mn-ea"/>
+        <a:cs typeface="+mn-cs"/>
+      </a:defRPr>
+    </a:lvl8pPr>
+    <a:lvl9pPr marL="3657600" algn="l" defTabSz="914400" rtl="0" eaLnBrk="1" latinLnBrk="0" hangingPunct="1">
+      <a:defRPr sz="1200" kern="1200">
+        <a:solidFill>
+          <a:schemeClr val="tx1"/>
+        </a:solidFill>
+        <a:latin typeface="+mn-lt"/>
+        <a:ea typeface="+mn-ea"/>
+        <a:cs typeface="+mn-cs"/>
+      </a:defRPr>
+    </a:lvl9pPr>
+  </p:notesStyle>
+</p:notesMaster>
+</file>
+
+<file path=ppt/notesSlides/notesSlide1.xml><?xml version="1.0" encoding="utf-8"?>
+<p:notes xmlns:a="http://schemas.openxmlformats.org/drawingml/2006/main" xmlns:r="http://schemas.openxmlformats.org/officeDocument/2006/relationships" xmlns:p="http://schemas.openxmlformats.org/presentationml/2006/main">
+  <p:cSld>
+    <p:spTree>
+      <p:nvGrpSpPr>
+        <p:cNvPr id="1" name=""/>
+        <p:cNvGrpSpPr/>
+        <p:nvPr/>
+      </p:nvGrpSpPr>
+      <p:grpSpPr>
+        <a:xfrm>
+          <a:off x="0" y="0"/>
+          <a:ext cx="0" cy="0"/>
+          <a:chOff x="0" y="0"/>
+          <a:chExt cx="0" cy="0"/>
+        </a:xfrm>
+      </p:grpSpPr>
+      <p:sp>
+        <p:nvSpPr>
+          <p:cNvPr id="2" name="Slide Image Placeholder 1"/>
+          <p:cNvSpPr>
+            <a:spLocks noGrp="1" noRot="1" noChangeAspect="1"/>
+          </p:cNvSpPr>
+          <p:nvPr>
+            <p:ph type="sldImg"/>
+          </p:nvPr>
+        </p:nvSpPr>
+        <p:spPr/>
+      </p:sp>
+      <p:sp>
+        <p:nvSpPr>
+          <p:cNvPr id="3" name="Notes Placeholder 2"/>
+          <p:cNvSpPr>
+            <a:spLocks noGrp="1"/>
+          </p:cNvSpPr>
+          <p:nvPr>
+            <p:ph type="body" idx="1"/>
+          </p:nvPr>
+        </p:nvSpPr>
+        <p:spPr/>
+        <p:txBody>
+          <a:bodyPr/>
+          <a:lstStyle/>
+          <a:p>
+            <a:endParaRPr lang="en-US"/>
+          </a:p>
+        </p:txBody>
+      </p:sp>
+      <p:sp>
+        <p:nvSpPr>
+          <p:cNvPr id="4" name="Slide Number Placeholder 3"/>
+          <p:cNvSpPr>
+            <a:spLocks noGrp="1"/>
+          </p:cNvSpPr>
+          <p:nvPr>
+            <p:ph type="sldNum" sz="quarter" idx="10"/>
+          </p:nvPr>
+        </p:nvSpPr>
+        <p:spPr/>
+        <p:txBody>
+          <a:bodyPr/>
+          <a:lstStyle/>
+          <a:p>
+            <a:fld id="{7EE81B75-7110-4CFE-A72A-AF253F4D700A}" type="slidenum">
+              <a:rPr lang="en-US" smtClean="0"/>
+              <a:t>1</a:t>
+            </a:fld>
+            <a:endParaRPr lang="en-US"/>
+          </a:p>
+        </p:txBody>
+      </p:sp>
+    </p:spTree>
+    <p:extLst>
+      <p:ext uri="{BB962C8B-B14F-4D97-AF65-F5344CB8AC3E}">
+        <p14:creationId xmlns:p14="http://schemas.microsoft.com/office/powerpoint/2010/main" val="1465584399"/>
+      </p:ext>
+    </p:extLst>
+  </p:cSld>
+  <p:clrMapOvr>
+    <a:masterClrMapping/>
+  </p:clrMapOvr>
+</p:notes>
+</file>
+
+<file path=ppt/notesSlides/notesSlide2.xml><?xml version="1.0" encoding="utf-8"?>
+<p:notes xmlns:a="http://schemas.openxmlformats.org/drawingml/2006/main" xmlns:r="http://schemas.openxmlformats.org/officeDocument/2006/relationships" xmlns:p="http://schemas.openxmlformats.org/presentationml/2006/main">
+  <p:cSld>
+    <p:spTree>
+      <p:nvGrpSpPr>
+        <p:cNvPr id="1" name=""/>
+        <p:cNvGrpSpPr/>
+        <p:nvPr/>
+      </p:nvGrpSpPr>
+      <p:grpSpPr>
+        <a:xfrm>
+          <a:off x="0" y="0"/>
+          <a:ext cx="0" cy="0"/>
+          <a:chOff x="0" y="0"/>
+          <a:chExt cx="0" cy="0"/>
+        </a:xfrm>
+      </p:grpSpPr>
+      <p:sp>
+        <p:nvSpPr>
+          <p:cNvPr id="2" name="Slide Image Placeholder 1"/>
+          <p:cNvSpPr>
+            <a:spLocks noGrp="1" noRot="1" noChangeAspect="1"/>
+          </p:cNvSpPr>
+          <p:nvPr>
+            <p:ph type="sldImg"/>
+          </p:nvPr>
+        </p:nvSpPr>
+        <p:spPr/>
+      </p:sp>
+      <p:sp>
+        <p:nvSpPr>
+          <p:cNvPr id="3" name="Notes Placeholder 2"/>
+          <p:cNvSpPr>
+            <a:spLocks noGrp="1"/>
+          </p:cNvSpPr>
+          <p:nvPr>
+            <p:ph type="body" idx="1"/>
+          </p:nvPr>
+        </p:nvSpPr>
+        <p:spPr/>
+        <p:txBody>
+          <a:bodyPr/>
+          <a:lstStyle/>
+          <a:p>
+            <a:endParaRPr lang="en-US"/>
+          </a:p>
+        </p:txBody>
+      </p:sp>
+      <p:sp>
+        <p:nvSpPr>
+          <p:cNvPr id="4" name="Slide Number Placeholder 3"/>
+          <p:cNvSpPr>
+            <a:spLocks noGrp="1"/>
+          </p:cNvSpPr>
+          <p:nvPr>
+            <p:ph type="sldNum" sz="quarter" idx="10"/>
+          </p:nvPr>
+        </p:nvSpPr>
+        <p:spPr/>
+        <p:txBody>
+          <a:bodyPr/>
+          <a:lstStyle/>
+          <a:p>
+            <a:fld id="{7EE81B75-7110-4CFE-A72A-AF253F4D700A}" type="slidenum">
+              <a:rPr lang="en-US" smtClean="0"/>
+              <a:t>8</a:t>
+            </a:fld>
+            <a:endParaRPr lang="en-US"/>
+          </a:p>
+        </p:txBody>
+      </p:sp>
+    </p:spTree>
+    <p:extLst>
+      <p:ext uri="{BB962C8B-B14F-4D97-AF65-F5344CB8AC3E}">
+        <p14:creationId xmlns:p14="http://schemas.microsoft.com/office/powerpoint/2010/main" val="2658145764"/>
+      </p:ext>
+    </p:extLst>
+  </p:cSld>
+  <p:clrMapOvr>
+    <a:masterClrMapping/>
+  </p:clrMapOvr>
+</p:notes>
+</file>
+
 <file path=ppt/slideLayouts/slideLayout1.xml><?xml version="1.0" encoding="utf-8"?>
 <p:sldLayout xmlns:a="http://schemas.openxmlformats.org/drawingml/2006/main" xmlns:r="http://schemas.openxmlformats.org/officeDocument/2006/relationships" xmlns:p="http://schemas.openxmlformats.org/presentationml/2006/main" showMasterSp="0" type="title" preserve="1">
   <p:cSld name="Title Slide">
@@ -595,10 +1117,9 @@
           <a:bodyPr/>
           <a:lstStyle/>
           <a:p>
-            <a:fld id="{B61BEF0D-F0BB-DE4B-95CE-6DB70DBA9567}" type="datetimeFigureOut">
-              <a:rPr lang="en-US" smtClean="0"/>
-              <a:pPr/>
-              <a:t>3/2/2017</a:t>
+            <a:fld id="{96AC2CD6-023B-4CDE-9932-5D3DC156D88B}" type="datetime1">
+              <a:rPr lang="en-US" smtClean="0"/>
+              <a:t>3/3/2017</a:t>
             </a:fld>
             <a:endParaRPr lang="en-US" dirty="0"/>
           </a:p>
@@ -807,10 +1328,9 @@
           <a:bodyPr/>
           <a:lstStyle/>
           <a:p>
-            <a:fld id="{B61BEF0D-F0BB-DE4B-95CE-6DB70DBA9567}" type="datetimeFigureOut">
-              <a:rPr lang="en-US" smtClean="0"/>
-              <a:pPr/>
-              <a:t>3/2/2017</a:t>
+            <a:fld id="{AE00D8FC-CF2B-4446-9529-16EF6197226F}" type="datetime1">
+              <a:rPr lang="en-US" smtClean="0"/>
+              <a:t>3/3/2017</a:t>
             </a:fld>
             <a:endParaRPr lang="en-US" dirty="0"/>
           </a:p>
@@ -989,10 +1509,9 @@
           <a:bodyPr/>
           <a:lstStyle/>
           <a:p>
-            <a:fld id="{B61BEF0D-F0BB-DE4B-95CE-6DB70DBA9567}" type="datetimeFigureOut">
-              <a:rPr lang="en-US" smtClean="0"/>
-              <a:pPr/>
-              <a:t>3/2/2017</a:t>
+            <a:fld id="{E6A6BE11-F643-4E0A-841A-C5B8B074FA16}" type="datetime1">
+              <a:rPr lang="en-US" smtClean="0"/>
+              <a:t>3/3/2017</a:t>
             </a:fld>
             <a:endParaRPr lang="en-US" dirty="0"/>
           </a:p>
@@ -1161,10 +1680,9 @@
           <a:bodyPr/>
           <a:lstStyle/>
           <a:p>
-            <a:fld id="{B61BEF0D-F0BB-DE4B-95CE-6DB70DBA9567}" type="datetimeFigureOut">
-              <a:rPr lang="en-US" smtClean="0"/>
-              <a:pPr/>
-              <a:t>3/2/2017</a:t>
+            <a:fld id="{4D9CEAD5-86D5-402E-B169-C0616679B884}" type="datetime1">
+              <a:rPr lang="en-US" smtClean="0"/>
+              <a:t>3/3/2017</a:t>
             </a:fld>
             <a:endParaRPr lang="en-US" dirty="0"/>
           </a:p>
@@ -1417,10 +1935,9 @@
           <a:bodyPr/>
           <a:lstStyle/>
           <a:p>
-            <a:fld id="{B61BEF0D-F0BB-DE4B-95CE-6DB70DBA9567}" type="datetimeFigureOut">
-              <a:rPr lang="en-US" smtClean="0"/>
-              <a:pPr/>
-              <a:t>3/2/2017</a:t>
+            <a:fld id="{A462B713-ACFF-4642-885A-97F1B89CC5A9}" type="datetime1">
+              <a:rPr lang="en-US" smtClean="0"/>
+              <a:t>3/3/2017</a:t>
             </a:fld>
             <a:endParaRPr lang="en-US" dirty="0"/>
           </a:p>
@@ -1745,10 +2262,9 @@
           <a:bodyPr/>
           <a:lstStyle/>
           <a:p>
-            <a:fld id="{B61BEF0D-F0BB-DE4B-95CE-6DB70DBA9567}" type="datetimeFigureOut">
-              <a:rPr lang="en-US" smtClean="0"/>
-              <a:pPr/>
-              <a:t>3/2/2017</a:t>
+            <a:fld id="{4457A2EA-462E-4591-9CAD-892B070FF139}" type="datetime1">
+              <a:rPr lang="en-US" smtClean="0"/>
+              <a:t>3/3/2017</a:t>
             </a:fld>
             <a:endParaRPr lang="en-US" dirty="0"/>
           </a:p>
@@ -2198,10 +2714,9 @@
           <a:bodyPr/>
           <a:lstStyle/>
           <a:p>
-            <a:fld id="{B61BEF0D-F0BB-DE4B-95CE-6DB70DBA9567}" type="datetimeFigureOut">
-              <a:rPr lang="en-US" smtClean="0"/>
-              <a:pPr/>
-              <a:t>3/2/2017</a:t>
+            <a:fld id="{8BC11ABF-77F0-4059-BB9F-F0C1B4B57789}" type="datetime1">
+              <a:rPr lang="en-US" smtClean="0"/>
+              <a:t>3/3/2017</a:t>
             </a:fld>
             <a:endParaRPr lang="en-US" dirty="0"/>
           </a:p>
@@ -2318,10 +2833,9 @@
           <a:bodyPr/>
           <a:lstStyle/>
           <a:p>
-            <a:fld id="{B61BEF0D-F0BB-DE4B-95CE-6DB70DBA9567}" type="datetimeFigureOut">
-              <a:rPr lang="en-US" smtClean="0"/>
-              <a:pPr/>
-              <a:t>3/2/2017</a:t>
+            <a:fld id="{EB3433B6-3B11-4507-836D-DA6BCA03F621}" type="datetime1">
+              <a:rPr lang="en-US" smtClean="0"/>
+              <a:t>3/3/2017</a:t>
             </a:fld>
             <a:endParaRPr lang="en-US" dirty="0"/>
           </a:p>
@@ -2415,10 +2929,9 @@
           <a:bodyPr/>
           <a:lstStyle/>
           <a:p>
-            <a:fld id="{B61BEF0D-F0BB-DE4B-95CE-6DB70DBA9567}" type="datetimeFigureOut">
-              <a:rPr lang="en-US" smtClean="0"/>
-              <a:pPr/>
-              <a:t>3/2/2017</a:t>
+            <a:fld id="{5D4AD9AE-2203-459F-B4EC-ECE6B38A31C8}" type="datetime1">
+              <a:rPr lang="en-US" smtClean="0"/>
+              <a:t>3/3/2017</a:t>
             </a:fld>
             <a:endParaRPr lang="en-US" dirty="0"/>
           </a:p>
@@ -2704,10 +3217,9 @@
           <a:bodyPr/>
           <a:lstStyle/>
           <a:p>
-            <a:fld id="{B61BEF0D-F0BB-DE4B-95CE-6DB70DBA9567}" type="datetimeFigureOut">
-              <a:rPr lang="en-US" smtClean="0"/>
-              <a:pPr/>
-              <a:t>3/2/2017</a:t>
+            <a:fld id="{A8E28AE8-C18E-4F63-8AEF-C4F497E7C01D}" type="datetime1">
+              <a:rPr lang="en-US" smtClean="0"/>
+              <a:t>3/3/2017</a:t>
             </a:fld>
             <a:endParaRPr lang="en-US" dirty="0"/>
           </a:p>
@@ -3024,10 +3536,9 @@
           <a:bodyPr/>
           <a:lstStyle/>
           <a:p>
-            <a:fld id="{B61BEF0D-F0BB-DE4B-95CE-6DB70DBA9567}" type="datetimeFigureOut">
-              <a:rPr lang="en-US" smtClean="0"/>
-              <a:pPr/>
-              <a:t>3/2/2017</a:t>
+            <a:fld id="{0FEFD065-30A2-40A2-98DA-67A3FDAE87A7}" type="datetime1">
+              <a:rPr lang="en-US" smtClean="0"/>
+              <a:t>3/3/2017</a:t>
             </a:fld>
             <a:endParaRPr lang="en-US" dirty="0"/>
           </a:p>
@@ -3278,10 +3789,9 @@
             </a:lvl1pPr>
           </a:lstStyle>
           <a:p>
-            <a:fld id="{B61BEF0D-F0BB-DE4B-95CE-6DB70DBA9567}" type="datetimeFigureOut">
-              <a:rPr lang="en-US" smtClean="0"/>
-              <a:pPr/>
-              <a:t>3/2/2017</a:t>
+            <a:fld id="{2FEDAD74-5D77-4CD9-B184-D57F173EF5A9}" type="datetime1">
+              <a:rPr lang="en-US" smtClean="0"/>
+              <a:t>3/3/2017</a:t>
             </a:fld>
             <a:endParaRPr lang="en-US" dirty="0"/>
           </a:p>
@@ -3392,6 +3902,7 @@
     <p:sldLayoutId id="2147484072" r:id="rId10"/>
     <p:sldLayoutId id="2147484073" r:id="rId11"/>
   </p:sldLayoutIdLst>
+  <p:hf hdr="0" ftr="0" dt="0"/>
   <p:txStyles>
     <p:titleStyle>
       <a:lvl1pPr algn="l" defTabSz="914400" rtl="0" eaLnBrk="1" latinLnBrk="0" hangingPunct="1">
@@ -4048,6 +4559,32 @@
           </a:p>
         </p:txBody>
       </p:sp>
+      <p:sp>
+        <p:nvSpPr>
+          <p:cNvPr id="6" name="Slide Number Placeholder 5"/>
+          <p:cNvSpPr>
+            <a:spLocks noGrp="1"/>
+          </p:cNvSpPr>
+          <p:nvPr>
+            <p:ph type="sldNum" sz="quarter" idx="12"/>
+          </p:nvPr>
+        </p:nvSpPr>
+        <p:spPr/>
+        <p:txBody>
+          <a:bodyPr>
+            <a:normAutofit lnSpcReduction="10000"/>
+          </a:bodyPr>
+          <a:lstStyle/>
+          <a:p>
+            <a:fld id="{D57F1E4F-1CFF-5643-939E-217C01CDF565}" type="slidenum">
+              <a:rPr lang="en-US" smtClean="0"/>
+              <a:pPr/>
+              <a:t>1</a:t>
+            </a:fld>
+            <a:endParaRPr lang="en-US" dirty="0"/>
+          </a:p>
+        </p:txBody>
+      </p:sp>
     </p:spTree>
     <p:extLst>
       <p:ext uri="{BB962C8B-B14F-4D97-AF65-F5344CB8AC3E}">
@@ -4058,11 +4595,11 @@
   <p:clrMapOvr>
     <a:masterClrMapping/>
   </p:clrMapOvr>
-  <mc:AlternateContent xmlns:mc="http://schemas.openxmlformats.org/markup-compatibility/2006">
-    <mc:Choice xmlns:p14="http://schemas.microsoft.com/office/powerpoint/2010/main" Requires="p14">
+  <mc:AlternateContent xmlns:mc="http://schemas.openxmlformats.org/markup-compatibility/2006" xmlns:p14="http://schemas.microsoft.com/office/powerpoint/2010/main">
+    <mc:Choice Requires="p14">
       <p:transition spd="slow" p14:dur="2000" advTm="15000"/>
     </mc:Choice>
-    <mc:Fallback>
+    <mc:Fallback xmlns="">
       <p:transition spd="slow" advTm="15000"/>
     </mc:Fallback>
   </mc:AlternateContent>
@@ -4108,6 +4645,18 @@
           <a:bodyPr/>
           <a:lstStyle/>
           <a:p>
+            <a:r>
+              <a:rPr lang="en-US" dirty="0" err="1" smtClean="0"/>
+              <a:t>Experimentos</a:t>
+            </a:r>
+            <a:r>
+              <a:rPr lang="en-US" dirty="0" smtClean="0"/>
+              <a:t> </a:t>
+            </a:r>
+            <a:r>
+              <a:rPr lang="en-US" dirty="0" err="1" smtClean="0"/>
+              <a:t>Realizados</a:t>
+            </a:r>
             <a:endParaRPr lang="en-US" dirty="0"/>
           </a:p>
         </p:txBody>
@@ -4127,25 +4676,51 @@
           <a:bodyPr/>
           <a:lstStyle/>
           <a:p>
-            <a:endParaRPr lang="en-US"/>
+            <a:endParaRPr lang="en-US" dirty="0"/>
+          </a:p>
+        </p:txBody>
+      </p:sp>
+      <p:sp>
+        <p:nvSpPr>
+          <p:cNvPr id="4" name="Slide Number Placeholder 3"/>
+          <p:cNvSpPr>
+            <a:spLocks noGrp="1"/>
+          </p:cNvSpPr>
+          <p:nvPr>
+            <p:ph type="sldNum" sz="quarter" idx="12"/>
+          </p:nvPr>
+        </p:nvSpPr>
+        <p:spPr/>
+        <p:txBody>
+          <a:bodyPr>
+            <a:normAutofit lnSpcReduction="10000"/>
+          </a:bodyPr>
+          <a:lstStyle/>
+          <a:p>
+            <a:fld id="{D57F1E4F-1CFF-5643-939E-217C01CDF565}" type="slidenum">
+              <a:rPr lang="en-US" smtClean="0"/>
+              <a:pPr/>
+              <a:t>10</a:t>
+            </a:fld>
+            <a:endParaRPr lang="en-US" dirty="0"/>
           </a:p>
         </p:txBody>
       </p:sp>
     </p:spTree>
     <p:extLst>
       <p:ext uri="{BB962C8B-B14F-4D97-AF65-F5344CB8AC3E}">
-        <p14:creationId xmlns:p14="http://schemas.microsoft.com/office/powerpoint/2010/main" val="2486001540"/>
+        <p14:creationId xmlns:p14="http://schemas.microsoft.com/office/powerpoint/2010/main" val="1084438022"/>
       </p:ext>
     </p:extLst>
   </p:cSld>
   <p:clrMapOvr>
     <a:masterClrMapping/>
   </p:clrMapOvr>
-  <mc:AlternateContent xmlns:mc="http://schemas.openxmlformats.org/markup-compatibility/2006">
-    <mc:Choice xmlns:p14="http://schemas.microsoft.com/office/powerpoint/2010/main" Requires="p14">
+  <mc:AlternateContent xmlns:mc="http://schemas.openxmlformats.org/markup-compatibility/2006" xmlns:p14="http://schemas.microsoft.com/office/powerpoint/2010/main">
+    <mc:Choice Requires="p14">
       <p:transition spd="slow" p14:dur="2000" advTm="15000"/>
     </mc:Choice>
-    <mc:Fallback>
+    <mc:Fallback xmlns="">
       <p:transition spd="slow" advTm="15000"/>
     </mc:Fallback>
   </mc:AlternateContent>
@@ -4191,18 +4766,6 @@
           <a:bodyPr/>
           <a:lstStyle/>
           <a:p>
-            <a:r>
-              <a:rPr lang="en-US" dirty="0" err="1" smtClean="0"/>
-              <a:t>Experimentos</a:t>
-            </a:r>
-            <a:r>
-              <a:rPr lang="en-US" dirty="0" smtClean="0"/>
-              <a:t> </a:t>
-            </a:r>
-            <a:r>
-              <a:rPr lang="en-US" dirty="0" err="1" smtClean="0"/>
-              <a:t>Realizados</a:t>
-            </a:r>
             <a:endParaRPr lang="en-US" dirty="0"/>
           </a:p>
         </p:txBody>
@@ -4222,6 +4785,32 @@
           <a:bodyPr/>
           <a:lstStyle/>
           <a:p>
+            <a:endParaRPr lang="en-US"/>
+          </a:p>
+        </p:txBody>
+      </p:sp>
+      <p:sp>
+        <p:nvSpPr>
+          <p:cNvPr id="4" name="Slide Number Placeholder 3"/>
+          <p:cNvSpPr>
+            <a:spLocks noGrp="1"/>
+          </p:cNvSpPr>
+          <p:nvPr>
+            <p:ph type="sldNum" sz="quarter" idx="12"/>
+          </p:nvPr>
+        </p:nvSpPr>
+        <p:spPr/>
+        <p:txBody>
+          <a:bodyPr>
+            <a:normAutofit lnSpcReduction="10000"/>
+          </a:bodyPr>
+          <a:lstStyle/>
+          <a:p>
+            <a:fld id="{D57F1E4F-1CFF-5643-939E-217C01CDF565}" type="slidenum">
+              <a:rPr lang="en-US" smtClean="0"/>
+              <a:pPr/>
+              <a:t>11</a:t>
+            </a:fld>
             <a:endParaRPr lang="en-US" dirty="0"/>
           </a:p>
         </p:txBody>
@@ -4229,18 +4818,18 @@
     </p:spTree>
     <p:extLst>
       <p:ext uri="{BB962C8B-B14F-4D97-AF65-F5344CB8AC3E}">
-        <p14:creationId xmlns:p14="http://schemas.microsoft.com/office/powerpoint/2010/main" val="1084438022"/>
+        <p14:creationId xmlns:p14="http://schemas.microsoft.com/office/powerpoint/2010/main" val="2486001540"/>
       </p:ext>
     </p:extLst>
   </p:cSld>
   <p:clrMapOvr>
     <a:masterClrMapping/>
   </p:clrMapOvr>
-  <mc:AlternateContent xmlns:mc="http://schemas.openxmlformats.org/markup-compatibility/2006">
-    <mc:Choice xmlns:p14="http://schemas.microsoft.com/office/powerpoint/2010/main" Requires="p14">
+  <mc:AlternateContent xmlns:mc="http://schemas.openxmlformats.org/markup-compatibility/2006" xmlns:p14="http://schemas.microsoft.com/office/powerpoint/2010/main">
+    <mc:Choice Requires="p14">
       <p:transition spd="slow" p14:dur="2000" advTm="15000"/>
     </mc:Choice>
-    <mc:Fallback>
+    <mc:Fallback xmlns="">
       <p:transition spd="slow" advTm="15000"/>
     </mc:Fallback>
   </mc:AlternateContent>
@@ -4309,6 +4898,32 @@
           </a:p>
         </p:txBody>
       </p:sp>
+      <p:sp>
+        <p:nvSpPr>
+          <p:cNvPr id="4" name="Slide Number Placeholder 3"/>
+          <p:cNvSpPr>
+            <a:spLocks noGrp="1"/>
+          </p:cNvSpPr>
+          <p:nvPr>
+            <p:ph type="sldNum" sz="quarter" idx="12"/>
+          </p:nvPr>
+        </p:nvSpPr>
+        <p:spPr/>
+        <p:txBody>
+          <a:bodyPr>
+            <a:normAutofit lnSpcReduction="10000"/>
+          </a:bodyPr>
+          <a:lstStyle/>
+          <a:p>
+            <a:fld id="{D57F1E4F-1CFF-5643-939E-217C01CDF565}" type="slidenum">
+              <a:rPr lang="en-US" smtClean="0"/>
+              <a:pPr/>
+              <a:t>12</a:t>
+            </a:fld>
+            <a:endParaRPr lang="en-US" dirty="0"/>
+          </a:p>
+        </p:txBody>
+      </p:sp>
     </p:spTree>
     <p:extLst>
       <p:ext uri="{BB962C8B-B14F-4D97-AF65-F5344CB8AC3E}">
@@ -4319,11 +4934,11 @@
   <p:clrMapOvr>
     <a:masterClrMapping/>
   </p:clrMapOvr>
-  <mc:AlternateContent xmlns:mc="http://schemas.openxmlformats.org/markup-compatibility/2006">
-    <mc:Choice xmlns:p14="http://schemas.microsoft.com/office/powerpoint/2010/main" Requires="p14">
+  <mc:AlternateContent xmlns:mc="http://schemas.openxmlformats.org/markup-compatibility/2006" xmlns:p14="http://schemas.microsoft.com/office/powerpoint/2010/main">
+    <mc:Choice Requires="p14">
       <p:transition spd="slow" p14:dur="2000" advTm="15000"/>
     </mc:Choice>
-    <mc:Fallback>
+    <mc:Fallback xmlns="">
       <p:transition spd="slow" advTm="15000"/>
     </mc:Fallback>
   </mc:AlternateContent>
@@ -4369,7 +4984,19 @@
           <a:bodyPr/>
           <a:lstStyle/>
           <a:p>
-            <a:endParaRPr lang="en-US"/>
+            <a:r>
+              <a:rPr lang="en-US" dirty="0" err="1" smtClean="0"/>
+              <a:t>Resultados</a:t>
+            </a:r>
+            <a:r>
+              <a:rPr lang="en-US" dirty="0" smtClean="0"/>
+              <a:t> </a:t>
+            </a:r>
+            <a:r>
+              <a:rPr lang="en-US" dirty="0" err="1" smtClean="0"/>
+              <a:t>obtenidos</a:t>
+            </a:r>
+            <a:endParaRPr lang="en-US" dirty="0"/>
           </a:p>
         </p:txBody>
       </p:sp>
@@ -4388,25 +5015,51 @@
           <a:bodyPr/>
           <a:lstStyle/>
           <a:p>
-            <a:endParaRPr lang="en-US"/>
+            <a:endParaRPr lang="en-US" dirty="0"/>
+          </a:p>
+        </p:txBody>
+      </p:sp>
+      <p:sp>
+        <p:nvSpPr>
+          <p:cNvPr id="4" name="Slide Number Placeholder 3"/>
+          <p:cNvSpPr>
+            <a:spLocks noGrp="1"/>
+          </p:cNvSpPr>
+          <p:nvPr>
+            <p:ph type="sldNum" sz="quarter" idx="12"/>
+          </p:nvPr>
+        </p:nvSpPr>
+        <p:spPr/>
+        <p:txBody>
+          <a:bodyPr>
+            <a:normAutofit lnSpcReduction="10000"/>
+          </a:bodyPr>
+          <a:lstStyle/>
+          <a:p>
+            <a:fld id="{D57F1E4F-1CFF-5643-939E-217C01CDF565}" type="slidenum">
+              <a:rPr lang="en-US" smtClean="0"/>
+              <a:pPr/>
+              <a:t>13</a:t>
+            </a:fld>
+            <a:endParaRPr lang="en-US" dirty="0"/>
           </a:p>
         </p:txBody>
       </p:sp>
     </p:spTree>
     <p:extLst>
       <p:ext uri="{BB962C8B-B14F-4D97-AF65-F5344CB8AC3E}">
-        <p14:creationId xmlns:p14="http://schemas.microsoft.com/office/powerpoint/2010/main" val="571284949"/>
+        <p14:creationId xmlns:p14="http://schemas.microsoft.com/office/powerpoint/2010/main" val="241367451"/>
       </p:ext>
     </p:extLst>
   </p:cSld>
   <p:clrMapOvr>
     <a:masterClrMapping/>
   </p:clrMapOvr>
-  <mc:AlternateContent xmlns:mc="http://schemas.openxmlformats.org/markup-compatibility/2006">
-    <mc:Choice xmlns:p14="http://schemas.microsoft.com/office/powerpoint/2010/main" Requires="p14">
+  <mc:AlternateContent xmlns:mc="http://schemas.openxmlformats.org/markup-compatibility/2006" xmlns:p14="http://schemas.microsoft.com/office/powerpoint/2010/main">
+    <mc:Choice Requires="p14">
       <p:transition spd="slow" p14:dur="2000" advTm="15000"/>
     </mc:Choice>
-    <mc:Fallback>
+    <mc:Fallback xmlns="">
       <p:transition spd="slow" advTm="15000"/>
     </mc:Fallback>
   </mc:AlternateContent>
@@ -4452,19 +5105,7 @@
           <a:bodyPr/>
           <a:lstStyle/>
           <a:p>
-            <a:r>
-              <a:rPr lang="en-US" dirty="0" err="1" smtClean="0"/>
-              <a:t>Resultados</a:t>
-            </a:r>
-            <a:r>
-              <a:rPr lang="en-US" dirty="0" smtClean="0"/>
-              <a:t> </a:t>
-            </a:r>
-            <a:r>
-              <a:rPr lang="en-US" dirty="0" err="1" smtClean="0"/>
-              <a:t>obtenidos</a:t>
-            </a:r>
-            <a:endParaRPr lang="en-US" dirty="0"/>
+            <a:endParaRPr lang="en-US"/>
           </a:p>
         </p:txBody>
       </p:sp>
@@ -4483,6 +5124,32 @@
           <a:bodyPr/>
           <a:lstStyle/>
           <a:p>
+            <a:endParaRPr lang="en-US"/>
+          </a:p>
+        </p:txBody>
+      </p:sp>
+      <p:sp>
+        <p:nvSpPr>
+          <p:cNvPr id="4" name="Slide Number Placeholder 3"/>
+          <p:cNvSpPr>
+            <a:spLocks noGrp="1"/>
+          </p:cNvSpPr>
+          <p:nvPr>
+            <p:ph type="sldNum" sz="quarter" idx="12"/>
+          </p:nvPr>
+        </p:nvSpPr>
+        <p:spPr/>
+        <p:txBody>
+          <a:bodyPr>
+            <a:normAutofit lnSpcReduction="10000"/>
+          </a:bodyPr>
+          <a:lstStyle/>
+          <a:p>
+            <a:fld id="{D57F1E4F-1CFF-5643-939E-217C01CDF565}" type="slidenum">
+              <a:rPr lang="en-US" smtClean="0"/>
+              <a:pPr/>
+              <a:t>14</a:t>
+            </a:fld>
             <a:endParaRPr lang="en-US" dirty="0"/>
           </a:p>
         </p:txBody>
@@ -4490,18 +5157,18 @@
     </p:spTree>
     <p:extLst>
       <p:ext uri="{BB962C8B-B14F-4D97-AF65-F5344CB8AC3E}">
-        <p14:creationId xmlns:p14="http://schemas.microsoft.com/office/powerpoint/2010/main" val="241367451"/>
+        <p14:creationId xmlns:p14="http://schemas.microsoft.com/office/powerpoint/2010/main" val="571284949"/>
       </p:ext>
     </p:extLst>
   </p:cSld>
   <p:clrMapOvr>
     <a:masterClrMapping/>
   </p:clrMapOvr>
-  <mc:AlternateContent xmlns:mc="http://schemas.openxmlformats.org/markup-compatibility/2006">
-    <mc:Choice xmlns:p14="http://schemas.microsoft.com/office/powerpoint/2010/main" Requires="p14">
+  <mc:AlternateContent xmlns:mc="http://schemas.openxmlformats.org/markup-compatibility/2006" xmlns:p14="http://schemas.microsoft.com/office/powerpoint/2010/main">
+    <mc:Choice Requires="p14">
       <p:transition spd="slow" p14:dur="2000" advTm="15000"/>
     </mc:Choice>
-    <mc:Fallback>
+    <mc:Fallback xmlns="">
       <p:transition spd="slow" advTm="15000"/>
     </mc:Fallback>
   </mc:AlternateContent>
@@ -4547,6 +5214,26 @@
           <a:bodyPr/>
           <a:lstStyle/>
           <a:p>
+            <a:r>
+              <a:rPr lang="en-US" dirty="0" err="1" smtClean="0"/>
+              <a:t>Tiempos</a:t>
+            </a:r>
+            <a:r>
+              <a:rPr lang="en-US" dirty="0" smtClean="0"/>
+              <a:t> de </a:t>
+            </a:r>
+            <a:r>
+              <a:rPr lang="en-US" dirty="0" err="1" smtClean="0"/>
+              <a:t>ejecución</a:t>
+            </a:r>
+            <a:r>
+              <a:rPr lang="en-US" dirty="0" smtClean="0"/>
+              <a:t> y </a:t>
+            </a:r>
+            <a:r>
+              <a:rPr lang="en-US" dirty="0" err="1" smtClean="0"/>
+              <a:t>complejidad</a:t>
+            </a:r>
             <a:endParaRPr lang="en-US" dirty="0"/>
           </a:p>
         </p:txBody>
@@ -4566,25 +5253,110 @@
           <a:bodyPr/>
           <a:lstStyle/>
           <a:p>
-            <a:endParaRPr lang="en-US"/>
+            <a:r>
+              <a:rPr lang="en-US" dirty="0"/>
+              <a:t>El </a:t>
+            </a:r>
+            <a:r>
+              <a:rPr lang="en-US" dirty="0" err="1"/>
+              <a:t>tiempo</a:t>
+            </a:r>
+            <a:r>
+              <a:rPr lang="en-US" dirty="0"/>
+              <a:t> de </a:t>
+            </a:r>
+            <a:r>
+              <a:rPr lang="en-US" dirty="0" err="1"/>
+              <a:t>ejecucion</a:t>
+            </a:r>
+            <a:r>
+              <a:rPr lang="en-US" dirty="0"/>
+              <a:t> </a:t>
+            </a:r>
+            <a:r>
+              <a:rPr lang="en-US" dirty="0" err="1"/>
+              <a:t>es</a:t>
+            </a:r>
+            <a:r>
+              <a:rPr lang="en-US" dirty="0"/>
+              <a:t> </a:t>
+            </a:r>
+            <a:r>
+              <a:rPr lang="en-US" dirty="0" err="1"/>
+              <a:t>proporcional</a:t>
+            </a:r>
+            <a:r>
+              <a:rPr lang="en-US" dirty="0"/>
+              <a:t> a la </a:t>
+            </a:r>
+            <a:r>
+              <a:rPr lang="en-US" dirty="0" err="1"/>
+              <a:t>suma</a:t>
+            </a:r>
+            <a:r>
+              <a:rPr lang="en-US" dirty="0"/>
+              <a:t> de las longitudes de </a:t>
+            </a:r>
+            <a:r>
+              <a:rPr lang="en-US" dirty="0" err="1"/>
+              <a:t>cada</a:t>
+            </a:r>
+            <a:r>
+              <a:rPr lang="en-US" dirty="0"/>
+              <a:t> palabra </a:t>
+            </a:r>
+            <a:r>
+              <a:rPr lang="en-US" dirty="0" err="1"/>
+              <a:t>buscada</a:t>
+            </a:r>
+            <a:endParaRPr lang="en-US" dirty="0"/>
+          </a:p>
+          <a:p>
+            <a:endParaRPr lang="en-US" dirty="0"/>
+          </a:p>
+        </p:txBody>
+      </p:sp>
+      <p:sp>
+        <p:nvSpPr>
+          <p:cNvPr id="4" name="Slide Number Placeholder 3"/>
+          <p:cNvSpPr>
+            <a:spLocks noGrp="1"/>
+          </p:cNvSpPr>
+          <p:nvPr>
+            <p:ph type="sldNum" sz="quarter" idx="12"/>
+          </p:nvPr>
+        </p:nvSpPr>
+        <p:spPr/>
+        <p:txBody>
+          <a:bodyPr>
+            <a:normAutofit lnSpcReduction="10000"/>
+          </a:bodyPr>
+          <a:lstStyle/>
+          <a:p>
+            <a:fld id="{D57F1E4F-1CFF-5643-939E-217C01CDF565}" type="slidenum">
+              <a:rPr lang="en-US" smtClean="0"/>
+              <a:pPr/>
+              <a:t>15</a:t>
+            </a:fld>
+            <a:endParaRPr lang="en-US" dirty="0"/>
           </a:p>
         </p:txBody>
       </p:sp>
     </p:spTree>
     <p:extLst>
       <p:ext uri="{BB962C8B-B14F-4D97-AF65-F5344CB8AC3E}">
-        <p14:creationId xmlns:p14="http://schemas.microsoft.com/office/powerpoint/2010/main" val="2105564327"/>
+        <p14:creationId xmlns:p14="http://schemas.microsoft.com/office/powerpoint/2010/main" val="3818421354"/>
       </p:ext>
     </p:extLst>
   </p:cSld>
   <p:clrMapOvr>
     <a:masterClrMapping/>
   </p:clrMapOvr>
-  <mc:AlternateContent xmlns:mc="http://schemas.openxmlformats.org/markup-compatibility/2006">
-    <mc:Choice xmlns:p14="http://schemas.microsoft.com/office/powerpoint/2010/main" Requires="p14">
+  <mc:AlternateContent xmlns:mc="http://schemas.openxmlformats.org/markup-compatibility/2006" xmlns:p14="http://schemas.microsoft.com/office/powerpoint/2010/main">
+    <mc:Choice Requires="p14">
       <p:transition spd="slow" p14:dur="2000" advTm="15000"/>
     </mc:Choice>
-    <mc:Fallback>
+    <mc:Fallback xmlns="">
       <p:transition spd="slow" advTm="15000"/>
     </mc:Fallback>
   </mc:AlternateContent>
@@ -4630,26 +5402,6 @@
           <a:bodyPr/>
           <a:lstStyle/>
           <a:p>
-            <a:r>
-              <a:rPr lang="en-US" dirty="0" err="1" smtClean="0"/>
-              <a:t>Tiempos</a:t>
-            </a:r>
-            <a:r>
-              <a:rPr lang="en-US" dirty="0" smtClean="0"/>
-              <a:t> de </a:t>
-            </a:r>
-            <a:r>
-              <a:rPr lang="en-US" dirty="0" err="1" smtClean="0"/>
-              <a:t>ejecución</a:t>
-            </a:r>
-            <a:r>
-              <a:rPr lang="en-US" dirty="0" smtClean="0"/>
-              <a:t> y </a:t>
-            </a:r>
-            <a:r>
-              <a:rPr lang="en-US" dirty="0" err="1" smtClean="0"/>
-              <a:t>complejidad</a:t>
-            </a:r>
             <a:endParaRPr lang="en-US" dirty="0"/>
           </a:p>
         </p:txBody>
@@ -4664,30 +5416,112 @@
             <p:ph idx="1"/>
           </p:nvPr>
         </p:nvSpPr>
-        <p:spPr/>
-        <p:txBody>
-          <a:bodyPr/>
-          <a:lstStyle/>
-          <a:p>
-            <a:endParaRPr lang="en-US"/>
+        <p:spPr>
+          <a:xfrm>
+            <a:off x="3361604" y="5858933"/>
+            <a:ext cx="5325195" cy="465667"/>
+          </a:xfrm>
+        </p:spPr>
+        <p:txBody>
+          <a:bodyPr>
+            <a:normAutofit/>
+          </a:bodyPr>
+          <a:lstStyle/>
+          <a:p>
+            <a:r>
+              <a:rPr lang="en-US" sz="1200" dirty="0" err="1" smtClean="0"/>
+              <a:t>En</a:t>
+            </a:r>
+            <a:r>
+              <a:rPr lang="en-US" sz="1200" dirty="0" smtClean="0"/>
+              <a:t> </a:t>
+            </a:r>
+            <a:r>
+              <a:rPr lang="en-US" sz="1200" dirty="0" err="1" smtClean="0"/>
+              <a:t>linea</a:t>
+            </a:r>
+            <a:r>
+              <a:rPr lang="en-US" sz="1200" dirty="0" smtClean="0"/>
+              <a:t>: https</a:t>
+            </a:r>
+            <a:r>
+              <a:rPr lang="en-US" sz="1200" dirty="0"/>
+              <a:t>://rootear.com/desarrollo/complejidades-algoritmos</a:t>
+            </a:r>
+          </a:p>
+        </p:txBody>
+      </p:sp>
+      <p:pic>
+        <p:nvPicPr>
+          <p:cNvPr id="4" name="Picture 3"/>
+          <p:cNvPicPr>
+            <a:picLocks noChangeAspect="1"/>
+          </p:cNvPicPr>
+          <p:nvPr/>
+        </p:nvPicPr>
+        <p:blipFill>
+          <a:blip r:embed="rId2">
+            <a:extLst>
+              <a:ext uri="{28A0092B-C50C-407E-A947-70E740481C1C}">
+                <a14:useLocalDpi xmlns:a14="http://schemas.microsoft.com/office/drawing/2010/main" val="0"/>
+              </a:ext>
+            </a:extLst>
+          </a:blip>
+          <a:stretch>
+            <a:fillRect/>
+          </a:stretch>
+        </p:blipFill>
+        <p:spPr>
+          <a:xfrm>
+            <a:off x="2147887" y="1096433"/>
+            <a:ext cx="6677025" cy="4762500"/>
+          </a:xfrm>
+          <a:prstGeom prst="rect">
+            <a:avLst/>
+          </a:prstGeom>
+        </p:spPr>
+      </p:pic>
+      <p:sp>
+        <p:nvSpPr>
+          <p:cNvPr id="5" name="Slide Number Placeholder 4"/>
+          <p:cNvSpPr>
+            <a:spLocks noGrp="1"/>
+          </p:cNvSpPr>
+          <p:nvPr>
+            <p:ph type="sldNum" sz="quarter" idx="12"/>
+          </p:nvPr>
+        </p:nvSpPr>
+        <p:spPr/>
+        <p:txBody>
+          <a:bodyPr>
+            <a:normAutofit lnSpcReduction="10000"/>
+          </a:bodyPr>
+          <a:lstStyle/>
+          <a:p>
+            <a:fld id="{D57F1E4F-1CFF-5643-939E-217C01CDF565}" type="slidenum">
+              <a:rPr lang="en-US" smtClean="0"/>
+              <a:pPr/>
+              <a:t>16</a:t>
+            </a:fld>
+            <a:endParaRPr lang="en-US" dirty="0"/>
           </a:p>
         </p:txBody>
       </p:sp>
     </p:spTree>
     <p:extLst>
       <p:ext uri="{BB962C8B-B14F-4D97-AF65-F5344CB8AC3E}">
-        <p14:creationId xmlns:p14="http://schemas.microsoft.com/office/powerpoint/2010/main" val="3818421354"/>
+        <p14:creationId xmlns:p14="http://schemas.microsoft.com/office/powerpoint/2010/main" val="2105564327"/>
       </p:ext>
     </p:extLst>
   </p:cSld>
   <p:clrMapOvr>
     <a:masterClrMapping/>
   </p:clrMapOvr>
-  <mc:AlternateContent xmlns:mc="http://schemas.openxmlformats.org/markup-compatibility/2006">
-    <mc:Choice xmlns:p14="http://schemas.microsoft.com/office/powerpoint/2010/main" Requires="p14">
+  <mc:AlternateContent xmlns:mc="http://schemas.openxmlformats.org/markup-compatibility/2006" xmlns:p14="http://schemas.microsoft.com/office/powerpoint/2010/main">
+    <mc:Choice Requires="p14">
       <p:transition spd="slow" p14:dur="2000" advTm="15000"/>
     </mc:Choice>
-    <mc:Fallback>
+    <mc:Fallback xmlns="">
       <p:transition spd="slow" advTm="15000"/>
     </mc:Fallback>
   </mc:AlternateContent>
@@ -4756,6 +5590,32 @@
           </a:p>
         </p:txBody>
       </p:sp>
+      <p:sp>
+        <p:nvSpPr>
+          <p:cNvPr id="4" name="Slide Number Placeholder 3"/>
+          <p:cNvSpPr>
+            <a:spLocks noGrp="1"/>
+          </p:cNvSpPr>
+          <p:nvPr>
+            <p:ph type="sldNum" sz="quarter" idx="12"/>
+          </p:nvPr>
+        </p:nvSpPr>
+        <p:spPr/>
+        <p:txBody>
+          <a:bodyPr>
+            <a:normAutofit lnSpcReduction="10000"/>
+          </a:bodyPr>
+          <a:lstStyle/>
+          <a:p>
+            <a:fld id="{D57F1E4F-1CFF-5643-939E-217C01CDF565}" type="slidenum">
+              <a:rPr lang="en-US" smtClean="0"/>
+              <a:pPr/>
+              <a:t>17</a:t>
+            </a:fld>
+            <a:endParaRPr lang="en-US" dirty="0"/>
+          </a:p>
+        </p:txBody>
+      </p:sp>
     </p:spTree>
     <p:extLst>
       <p:ext uri="{BB962C8B-B14F-4D97-AF65-F5344CB8AC3E}">
@@ -4766,11 +5626,11 @@
   <p:clrMapOvr>
     <a:masterClrMapping/>
   </p:clrMapOvr>
-  <mc:AlternateContent xmlns:mc="http://schemas.openxmlformats.org/markup-compatibility/2006">
-    <mc:Choice xmlns:p14="http://schemas.microsoft.com/office/powerpoint/2010/main" Requires="p14">
+  <mc:AlternateContent xmlns:mc="http://schemas.openxmlformats.org/markup-compatibility/2006" xmlns:p14="http://schemas.microsoft.com/office/powerpoint/2010/main">
+    <mc:Choice Requires="p14">
       <p:transition spd="slow" p14:dur="2000" advTm="15000"/>
     </mc:Choice>
-    <mc:Fallback>
+    <mc:Fallback xmlns="">
       <p:transition spd="slow" advTm="15000"/>
     </mc:Fallback>
   </mc:AlternateContent>
@@ -4831,6 +5691,32 @@
           </a:p>
         </p:txBody>
       </p:sp>
+      <p:sp>
+        <p:nvSpPr>
+          <p:cNvPr id="3" name="Slide Number Placeholder 2"/>
+          <p:cNvSpPr>
+            <a:spLocks noGrp="1"/>
+          </p:cNvSpPr>
+          <p:nvPr>
+            <p:ph type="sldNum" sz="quarter" idx="12"/>
+          </p:nvPr>
+        </p:nvSpPr>
+        <p:spPr/>
+        <p:txBody>
+          <a:bodyPr>
+            <a:normAutofit lnSpcReduction="10000"/>
+          </a:bodyPr>
+          <a:lstStyle/>
+          <a:p>
+            <a:fld id="{D57F1E4F-1CFF-5643-939E-217C01CDF565}" type="slidenum">
+              <a:rPr lang="en-US" smtClean="0"/>
+              <a:pPr/>
+              <a:t>18</a:t>
+            </a:fld>
+            <a:endParaRPr lang="en-US" dirty="0"/>
+          </a:p>
+        </p:txBody>
+      </p:sp>
     </p:spTree>
     <p:extLst>
       <p:ext uri="{BB962C8B-B14F-4D97-AF65-F5344CB8AC3E}">
@@ -4841,11 +5727,11 @@
   <p:clrMapOvr>
     <a:masterClrMapping/>
   </p:clrMapOvr>
-  <mc:AlternateContent xmlns:mc="http://schemas.openxmlformats.org/markup-compatibility/2006">
-    <mc:Choice xmlns:p14="http://schemas.microsoft.com/office/powerpoint/2010/main" Requires="p14">
+  <mc:AlternateContent xmlns:mc="http://schemas.openxmlformats.org/markup-compatibility/2006" xmlns:p14="http://schemas.microsoft.com/office/powerpoint/2010/main">
+    <mc:Choice Requires="p14">
       <p:transition spd="slow" p14:dur="2000" advTm="15000"/>
     </mc:Choice>
-    <mc:Fallback>
+    <mc:Fallback xmlns="">
       <p:transition spd="slow" advTm="15000"/>
     </mc:Fallback>
   </mc:AlternateContent>
@@ -4914,6 +5800,32 @@
           </a:p>
         </p:txBody>
       </p:sp>
+      <p:sp>
+        <p:nvSpPr>
+          <p:cNvPr id="4" name="Slide Number Placeholder 3"/>
+          <p:cNvSpPr>
+            <a:spLocks noGrp="1"/>
+          </p:cNvSpPr>
+          <p:nvPr>
+            <p:ph type="sldNum" sz="quarter" idx="12"/>
+          </p:nvPr>
+        </p:nvSpPr>
+        <p:spPr/>
+        <p:txBody>
+          <a:bodyPr>
+            <a:normAutofit lnSpcReduction="10000"/>
+          </a:bodyPr>
+          <a:lstStyle/>
+          <a:p>
+            <a:fld id="{D57F1E4F-1CFF-5643-939E-217C01CDF565}" type="slidenum">
+              <a:rPr lang="en-US" smtClean="0"/>
+              <a:pPr/>
+              <a:t>19</a:t>
+            </a:fld>
+            <a:endParaRPr lang="en-US" dirty="0"/>
+          </a:p>
+        </p:txBody>
+      </p:sp>
     </p:spTree>
     <p:extLst>
       <p:ext uri="{BB962C8B-B14F-4D97-AF65-F5344CB8AC3E}">
@@ -4924,11 +5836,11 @@
   <p:clrMapOvr>
     <a:masterClrMapping/>
   </p:clrMapOvr>
-  <mc:AlternateContent xmlns:mc="http://schemas.openxmlformats.org/markup-compatibility/2006">
-    <mc:Choice xmlns:p14="http://schemas.microsoft.com/office/powerpoint/2010/main" Requires="p14">
+  <mc:AlternateContent xmlns:mc="http://schemas.openxmlformats.org/markup-compatibility/2006" xmlns:p14="http://schemas.microsoft.com/office/powerpoint/2010/main">
+    <mc:Choice Requires="p14">
       <p:transition spd="slow" p14:dur="2000" advTm="15000"/>
     </mc:Choice>
-    <mc:Fallback>
+    <mc:Fallback xmlns="">
       <p:transition spd="slow" advTm="15000"/>
     </mc:Fallback>
   </mc:AlternateContent>
@@ -5028,7 +5940,7 @@
         <p:spPr>
           <a:xfrm>
             <a:off x="5148494" y="5783155"/>
-            <a:ext cx="6244254" cy="430887"/>
+            <a:ext cx="6244254" cy="261610"/>
           </a:xfrm>
           <a:prstGeom prst="rect">
             <a:avLst/>
@@ -5050,6 +5962,10 @@
               <a:t> 1. Alfred </a:t>
             </a:r>
             <a:r>
+              <a:rPr lang="en-US" sz="1100" dirty="0" smtClean="0"/>
+              <a:t>V. </a:t>
+            </a:r>
+            <a:r>
               <a:rPr lang="en-US" sz="1100" dirty="0" err="1" smtClean="0"/>
               <a:t>Aho</a:t>
             </a:r>
@@ -5057,28 +5973,33 @@
               <a:rPr lang="en-US" sz="1100" dirty="0" smtClean="0"/>
               <a:t>. </a:t>
             </a:r>
-            <a:r>
-              <a:rPr lang="en-US" sz="1100" dirty="0" err="1" smtClean="0"/>
-              <a:t>En</a:t>
-            </a:r>
-            <a:r>
-              <a:rPr lang="en-US" sz="1100" dirty="0" smtClean="0"/>
-              <a:t> </a:t>
-            </a:r>
-            <a:r>
-              <a:rPr lang="en-US" sz="1100" dirty="0" err="1" smtClean="0"/>
-              <a:t>línea</a:t>
-            </a:r>
-            <a:r>
-              <a:rPr lang="en-US" sz="1100" dirty="0" smtClean="0"/>
-              <a:t>:</a:t>
-            </a:r>
-          </a:p>
-          <a:p>
-            <a:r>
-              <a:rPr lang="en-US" sz="1100" i="1" dirty="0"/>
-              <a:t>https://en.wikipedia.org/wiki/Alfred_Aho#/media/File:AlfredAhoPortrait.jpg</a:t>
-            </a:r>
+            <a:endParaRPr lang="en-US" sz="1100" i="1" dirty="0"/>
+          </a:p>
+        </p:txBody>
+      </p:sp>
+      <p:sp>
+        <p:nvSpPr>
+          <p:cNvPr id="3" name="Slide Number Placeholder 2"/>
+          <p:cNvSpPr>
+            <a:spLocks noGrp="1"/>
+          </p:cNvSpPr>
+          <p:nvPr>
+            <p:ph type="sldNum" sz="quarter" idx="12"/>
+          </p:nvPr>
+        </p:nvSpPr>
+        <p:spPr/>
+        <p:txBody>
+          <a:bodyPr>
+            <a:normAutofit lnSpcReduction="10000"/>
+          </a:bodyPr>
+          <a:lstStyle/>
+          <a:p>
+            <a:fld id="{D57F1E4F-1CFF-5643-939E-217C01CDF565}" type="slidenum">
+              <a:rPr lang="en-US" smtClean="0"/>
+              <a:pPr/>
+              <a:t>2</a:t>
+            </a:fld>
+            <a:endParaRPr lang="en-US" dirty="0"/>
           </a:p>
         </p:txBody>
       </p:sp>
@@ -5092,11 +6013,11 @@
   <p:clrMapOvr>
     <a:masterClrMapping/>
   </p:clrMapOvr>
-  <mc:AlternateContent xmlns:mc="http://schemas.openxmlformats.org/markup-compatibility/2006">
-    <mc:Choice xmlns:p14="http://schemas.microsoft.com/office/powerpoint/2010/main" Requires="p14">
+  <mc:AlternateContent xmlns:mc="http://schemas.openxmlformats.org/markup-compatibility/2006" xmlns:p14="http://schemas.microsoft.com/office/powerpoint/2010/main">
+    <mc:Choice Requires="p14">
       <p:transition spd="slow" p14:dur="2000" advTm="15000"/>
     </mc:Choice>
-    <mc:Fallback>
+    <mc:Fallback xmlns="">
       <p:transition spd="slow" advTm="15000"/>
     </mc:Fallback>
   </mc:AlternateContent>
@@ -5137,6 +6058,171 @@
             <p:ph type="title"/>
           </p:nvPr>
         </p:nvSpPr>
+        <p:spPr/>
+        <p:txBody>
+          <a:bodyPr/>
+          <a:lstStyle/>
+          <a:p>
+            <a:endParaRPr lang="en-US" dirty="0"/>
+          </a:p>
+        </p:txBody>
+      </p:sp>
+      <p:sp>
+        <p:nvSpPr>
+          <p:cNvPr id="3" name="Content Placeholder 2"/>
+          <p:cNvSpPr>
+            <a:spLocks noGrp="1"/>
+          </p:cNvSpPr>
+          <p:nvPr>
+            <p:ph idx="1"/>
+          </p:nvPr>
+        </p:nvSpPr>
+        <p:spPr/>
+        <p:txBody>
+          <a:bodyPr/>
+          <a:lstStyle/>
+          <a:p>
+            <a:pPr marL="0" lvl="0" indent="0" defTabSz="457200">
+              <a:lnSpc>
+                <a:spcPct val="100000"/>
+              </a:lnSpc>
+              <a:spcBef>
+                <a:spcPts val="0"/>
+              </a:spcBef>
+              <a:spcAft>
+                <a:spcPts val="0"/>
+              </a:spcAft>
+              <a:buClrTx/>
+              <a:buSzTx/>
+              <a:buNone/>
+            </a:pPr>
+            <a:r>
+              <a:rPr lang="en-US" sz="1100" spc="0" dirty="0" err="1">
+                <a:solidFill>
+                  <a:prstClr val="black"/>
+                </a:solidFill>
+              </a:rPr>
+              <a:t>En</a:t>
+            </a:r>
+            <a:r>
+              <a:rPr lang="en-US" sz="1100" spc="0" dirty="0">
+                <a:solidFill>
+                  <a:prstClr val="black"/>
+                </a:solidFill>
+              </a:rPr>
+              <a:t> </a:t>
+            </a:r>
+            <a:r>
+              <a:rPr lang="en-US" sz="1100" spc="0" dirty="0" err="1" smtClean="0">
+                <a:solidFill>
+                  <a:prstClr val="black"/>
+                </a:solidFill>
+              </a:rPr>
+              <a:t>línea</a:t>
+            </a:r>
+            <a:r>
+              <a:rPr lang="en-US" sz="1100" spc="0" dirty="0" smtClean="0">
+                <a:solidFill>
+                  <a:prstClr val="black"/>
+                </a:solidFill>
+              </a:rPr>
+              <a:t>: </a:t>
+            </a:r>
+            <a:r>
+              <a:rPr lang="en-US" sz="1100" i="1" spc="0" dirty="0" smtClean="0">
+                <a:solidFill>
+                  <a:prstClr val="black"/>
+                </a:solidFill>
+              </a:rPr>
+              <a:t>https</a:t>
+            </a:r>
+            <a:r>
+              <a:rPr lang="en-US" sz="1100" i="1" spc="0" dirty="0">
+                <a:solidFill>
+                  <a:prstClr val="black"/>
+                </a:solidFill>
+              </a:rPr>
+              <a:t>://en.wikipedia.org/wiki/Alfred_Aho#/media/File:AlfredAhoPortrait.jpg</a:t>
+            </a:r>
+          </a:p>
+          <a:p>
+            <a:endParaRPr lang="en-US" dirty="0"/>
+          </a:p>
+        </p:txBody>
+      </p:sp>
+      <p:sp>
+        <p:nvSpPr>
+          <p:cNvPr id="4" name="Slide Number Placeholder 3"/>
+          <p:cNvSpPr>
+            <a:spLocks noGrp="1"/>
+          </p:cNvSpPr>
+          <p:nvPr>
+            <p:ph type="sldNum" sz="quarter" idx="12"/>
+          </p:nvPr>
+        </p:nvSpPr>
+        <p:spPr/>
+        <p:txBody>
+          <a:bodyPr>
+            <a:normAutofit lnSpcReduction="10000"/>
+          </a:bodyPr>
+          <a:lstStyle/>
+          <a:p>
+            <a:fld id="{D57F1E4F-1CFF-5643-939E-217C01CDF565}" type="slidenum">
+              <a:rPr lang="en-US" smtClean="0"/>
+              <a:pPr/>
+              <a:t>20</a:t>
+            </a:fld>
+            <a:endParaRPr lang="en-US" dirty="0"/>
+          </a:p>
+        </p:txBody>
+      </p:sp>
+    </p:spTree>
+    <p:extLst>
+      <p:ext uri="{BB962C8B-B14F-4D97-AF65-F5344CB8AC3E}">
+        <p14:creationId xmlns:p14="http://schemas.microsoft.com/office/powerpoint/2010/main" val="1474084667"/>
+      </p:ext>
+    </p:extLst>
+  </p:cSld>
+  <p:clrMapOvr>
+    <a:masterClrMapping/>
+  </p:clrMapOvr>
+  <p:timing>
+    <p:tnLst>
+      <p:par>
+        <p:cTn id="1" dur="indefinite" restart="never" nodeType="tmRoot"/>
+      </p:par>
+    </p:tnLst>
+  </p:timing>
+</p:sld>
+</file>
+
+<file path=ppt/slides/slide21.xml><?xml version="1.0" encoding="utf-8"?>
+<p:sld xmlns:a="http://schemas.openxmlformats.org/drawingml/2006/main" xmlns:r="http://schemas.openxmlformats.org/officeDocument/2006/relationships" xmlns:p="http://schemas.openxmlformats.org/presentationml/2006/main">
+  <p:cSld>
+    <p:spTree>
+      <p:nvGrpSpPr>
+        <p:cNvPr id="1" name=""/>
+        <p:cNvGrpSpPr/>
+        <p:nvPr/>
+      </p:nvGrpSpPr>
+      <p:grpSpPr>
+        <a:xfrm>
+          <a:off x="0" y="0"/>
+          <a:ext cx="0" cy="0"/>
+          <a:chOff x="0" y="0"/>
+          <a:chExt cx="0" cy="0"/>
+        </a:xfrm>
+      </p:grpSpPr>
+      <p:sp>
+        <p:nvSpPr>
+          <p:cNvPr id="2" name="Title 1"/>
+          <p:cNvSpPr>
+            <a:spLocks noGrp="1"/>
+          </p:cNvSpPr>
+          <p:nvPr>
+            <p:ph type="title"/>
+          </p:nvPr>
+        </p:nvSpPr>
         <p:spPr>
           <a:xfrm>
             <a:off x="2430271" y="2319792"/>
@@ -5151,6 +6237,32 @@
               <a:rPr lang="en-US" dirty="0" smtClean="0"/>
               <a:t>MUCHAS GRACIAS</a:t>
             </a:r>
+            <a:endParaRPr lang="en-US" dirty="0"/>
+          </a:p>
+        </p:txBody>
+      </p:sp>
+      <p:sp>
+        <p:nvSpPr>
+          <p:cNvPr id="3" name="Slide Number Placeholder 2"/>
+          <p:cNvSpPr>
+            <a:spLocks noGrp="1"/>
+          </p:cNvSpPr>
+          <p:nvPr>
+            <p:ph type="sldNum" sz="quarter" idx="12"/>
+          </p:nvPr>
+        </p:nvSpPr>
+        <p:spPr/>
+        <p:txBody>
+          <a:bodyPr>
+            <a:normAutofit lnSpcReduction="10000"/>
+          </a:bodyPr>
+          <a:lstStyle/>
+          <a:p>
+            <a:fld id="{D57F1E4F-1CFF-5643-939E-217C01CDF565}" type="slidenum">
+              <a:rPr lang="en-US" smtClean="0"/>
+              <a:pPr/>
+              <a:t>21</a:t>
+            </a:fld>
             <a:endParaRPr lang="en-US" dirty="0"/>
           </a:p>
         </p:txBody>
@@ -5247,6 +6359,32 @@
           </a:p>
         </p:txBody>
       </p:sp>
+      <p:sp>
+        <p:nvSpPr>
+          <p:cNvPr id="3" name="Slide Number Placeholder 2"/>
+          <p:cNvSpPr>
+            <a:spLocks noGrp="1"/>
+          </p:cNvSpPr>
+          <p:nvPr>
+            <p:ph type="sldNum" sz="quarter" idx="12"/>
+          </p:nvPr>
+        </p:nvSpPr>
+        <p:spPr/>
+        <p:txBody>
+          <a:bodyPr>
+            <a:normAutofit lnSpcReduction="10000"/>
+          </a:bodyPr>
+          <a:lstStyle/>
+          <a:p>
+            <a:fld id="{D57F1E4F-1CFF-5643-939E-217C01CDF565}" type="slidenum">
+              <a:rPr lang="en-US" smtClean="0"/>
+              <a:pPr/>
+              <a:t>3</a:t>
+            </a:fld>
+            <a:endParaRPr lang="en-US" dirty="0"/>
+          </a:p>
+        </p:txBody>
+      </p:sp>
     </p:spTree>
     <p:extLst>
       <p:ext uri="{BB962C8B-B14F-4D97-AF65-F5344CB8AC3E}">
@@ -5257,11 +6395,11 @@
   <p:clrMapOvr>
     <a:masterClrMapping/>
   </p:clrMapOvr>
-  <mc:AlternateContent xmlns:mc="http://schemas.openxmlformats.org/markup-compatibility/2006">
-    <mc:Choice xmlns:p14="http://schemas.microsoft.com/office/powerpoint/2010/main" Requires="p14">
+  <mc:AlternateContent xmlns:mc="http://schemas.openxmlformats.org/markup-compatibility/2006" xmlns:p14="http://schemas.microsoft.com/office/powerpoint/2010/main">
+    <mc:Choice Requires="p14">
       <p:transition spd="slow" p14:dur="2000" advTm="15000"/>
     </mc:Choice>
-    <mc:Fallback>
+    <mc:Fallback xmlns="">
       <p:transition spd="slow" advTm="15000"/>
     </mc:Fallback>
   </mc:AlternateContent>
@@ -5360,6 +6498,32 @@
           </a:prstGeom>
         </p:spPr>
       </p:pic>
+      <p:sp>
+        <p:nvSpPr>
+          <p:cNvPr id="5" name="Slide Number Placeholder 4"/>
+          <p:cNvSpPr>
+            <a:spLocks noGrp="1"/>
+          </p:cNvSpPr>
+          <p:nvPr>
+            <p:ph type="sldNum" sz="quarter" idx="12"/>
+          </p:nvPr>
+        </p:nvSpPr>
+        <p:spPr/>
+        <p:txBody>
+          <a:bodyPr>
+            <a:normAutofit lnSpcReduction="10000"/>
+          </a:bodyPr>
+          <a:lstStyle/>
+          <a:p>
+            <a:fld id="{D57F1E4F-1CFF-5643-939E-217C01CDF565}" type="slidenum">
+              <a:rPr lang="en-US" smtClean="0"/>
+              <a:pPr/>
+              <a:t>4</a:t>
+            </a:fld>
+            <a:endParaRPr lang="en-US" dirty="0"/>
+          </a:p>
+        </p:txBody>
+      </p:sp>
     </p:spTree>
     <p:extLst>
       <p:ext uri="{BB962C8B-B14F-4D97-AF65-F5344CB8AC3E}">
@@ -5370,11 +6534,11 @@
   <p:clrMapOvr>
     <a:masterClrMapping/>
   </p:clrMapOvr>
-  <mc:AlternateContent xmlns:mc="http://schemas.openxmlformats.org/markup-compatibility/2006">
-    <mc:Choice xmlns:p14="http://schemas.microsoft.com/office/powerpoint/2010/main" Requires="p14">
+  <mc:AlternateContent xmlns:mc="http://schemas.openxmlformats.org/markup-compatibility/2006" xmlns:p14="http://schemas.microsoft.com/office/powerpoint/2010/main">
+    <mc:Choice Requires="p14">
       <p:transition spd="slow" p14:dur="2000" advTm="15000"/>
     </mc:Choice>
-    <mc:Fallback>
+    <mc:Fallback xmlns="">
       <p:transition spd="slow" advTm="15000"/>
     </mc:Fallback>
   </mc:AlternateContent>
@@ -5478,14 +6642,40 @@
         </p:blipFill>
         <p:spPr>
           <a:xfrm>
-            <a:off x="597869" y="3711356"/>
-            <a:ext cx="6779411" cy="2164511"/>
+            <a:off x="597869" y="3720611"/>
+            <a:ext cx="6779411" cy="2146000"/>
           </a:xfrm>
           <a:prstGeom prst="rect">
             <a:avLst/>
           </a:prstGeom>
         </p:spPr>
       </p:pic>
+      <p:sp>
+        <p:nvSpPr>
+          <p:cNvPr id="3" name="Slide Number Placeholder 2"/>
+          <p:cNvSpPr>
+            <a:spLocks noGrp="1"/>
+          </p:cNvSpPr>
+          <p:nvPr>
+            <p:ph type="sldNum" sz="quarter" idx="12"/>
+          </p:nvPr>
+        </p:nvSpPr>
+        <p:spPr/>
+        <p:txBody>
+          <a:bodyPr>
+            <a:normAutofit lnSpcReduction="10000"/>
+          </a:bodyPr>
+          <a:lstStyle/>
+          <a:p>
+            <a:fld id="{D57F1E4F-1CFF-5643-939E-217C01CDF565}" type="slidenum">
+              <a:rPr lang="en-US" smtClean="0"/>
+              <a:pPr/>
+              <a:t>5</a:t>
+            </a:fld>
+            <a:endParaRPr lang="en-US" dirty="0"/>
+          </a:p>
+        </p:txBody>
+      </p:sp>
     </p:spTree>
     <p:extLst>
       <p:ext uri="{BB962C8B-B14F-4D97-AF65-F5344CB8AC3E}">
@@ -5496,11 +6686,11 @@
   <p:clrMapOvr>
     <a:masterClrMapping/>
   </p:clrMapOvr>
-  <mc:AlternateContent xmlns:mc="http://schemas.openxmlformats.org/markup-compatibility/2006">
-    <mc:Choice xmlns:p14="http://schemas.microsoft.com/office/powerpoint/2010/main" Requires="p14">
+  <mc:AlternateContent xmlns:mc="http://schemas.openxmlformats.org/markup-compatibility/2006" xmlns:p14="http://schemas.microsoft.com/office/powerpoint/2010/main">
+    <mc:Choice Requires="p14">
       <p:transition spd="slow" p14:dur="2000" advTm="15000"/>
     </mc:Choice>
-    <mc:Fallback>
+    <mc:Fallback xmlns="">
       <p:transition spd="slow" advTm="15000"/>
     </mc:Fallback>
   </mc:AlternateContent>
@@ -5585,14 +6775,40 @@
         </p:blipFill>
         <p:spPr>
           <a:xfrm>
-            <a:off x="593784" y="3711356"/>
-            <a:ext cx="6787580" cy="2164511"/>
+            <a:off x="593784" y="3718029"/>
+            <a:ext cx="6787580" cy="2151165"/>
           </a:xfrm>
           <a:prstGeom prst="rect">
             <a:avLst/>
           </a:prstGeom>
         </p:spPr>
       </p:pic>
+      <p:sp>
+        <p:nvSpPr>
+          <p:cNvPr id="2" name="Slide Number Placeholder 1"/>
+          <p:cNvSpPr>
+            <a:spLocks noGrp="1"/>
+          </p:cNvSpPr>
+          <p:nvPr>
+            <p:ph type="sldNum" sz="quarter" idx="12"/>
+          </p:nvPr>
+        </p:nvSpPr>
+        <p:spPr/>
+        <p:txBody>
+          <a:bodyPr>
+            <a:normAutofit lnSpcReduction="10000"/>
+          </a:bodyPr>
+          <a:lstStyle/>
+          <a:p>
+            <a:fld id="{D57F1E4F-1CFF-5643-939E-217C01CDF565}" type="slidenum">
+              <a:rPr lang="en-US" smtClean="0"/>
+              <a:pPr/>
+              <a:t>6</a:t>
+            </a:fld>
+            <a:endParaRPr lang="en-US" dirty="0"/>
+          </a:p>
+        </p:txBody>
+      </p:sp>
     </p:spTree>
     <p:extLst>
       <p:ext uri="{BB962C8B-B14F-4D97-AF65-F5344CB8AC3E}">
@@ -5603,11 +6819,11 @@
   <p:clrMapOvr>
     <a:masterClrMapping/>
   </p:clrMapOvr>
-  <mc:AlternateContent xmlns:mc="http://schemas.openxmlformats.org/markup-compatibility/2006">
-    <mc:Choice xmlns:p14="http://schemas.microsoft.com/office/powerpoint/2010/main" Requires="p14">
+  <mc:AlternateContent xmlns:mc="http://schemas.openxmlformats.org/markup-compatibility/2006" xmlns:p14="http://schemas.microsoft.com/office/powerpoint/2010/main">
+    <mc:Choice Requires="p14">
       <p:transition spd="slow" p14:dur="2000" advTm="15000"/>
     </mc:Choice>
-    <mc:Fallback>
+    <mc:Fallback xmlns="">
       <p:transition spd="slow" advTm="15000"/>
     </mc:Fallback>
   </mc:AlternateContent>
@@ -5690,14 +6906,40 @@
         </p:blipFill>
         <p:spPr>
           <a:xfrm>
-            <a:off x="608603" y="3717264"/>
-            <a:ext cx="6758646" cy="2152694"/>
+            <a:off x="608603" y="3723897"/>
+            <a:ext cx="6758646" cy="2139427"/>
           </a:xfrm>
           <a:prstGeom prst="rect">
             <a:avLst/>
           </a:prstGeom>
         </p:spPr>
       </p:pic>
+      <p:sp>
+        <p:nvSpPr>
+          <p:cNvPr id="2" name="Slide Number Placeholder 1"/>
+          <p:cNvSpPr>
+            <a:spLocks noGrp="1"/>
+          </p:cNvSpPr>
+          <p:nvPr>
+            <p:ph type="sldNum" sz="quarter" idx="12"/>
+          </p:nvPr>
+        </p:nvSpPr>
+        <p:spPr/>
+        <p:txBody>
+          <a:bodyPr>
+            <a:normAutofit lnSpcReduction="10000"/>
+          </a:bodyPr>
+          <a:lstStyle/>
+          <a:p>
+            <a:fld id="{D57F1E4F-1CFF-5643-939E-217C01CDF565}" type="slidenum">
+              <a:rPr lang="en-US" smtClean="0"/>
+              <a:pPr/>
+              <a:t>7</a:t>
+            </a:fld>
+            <a:endParaRPr lang="en-US" dirty="0"/>
+          </a:p>
+        </p:txBody>
+      </p:sp>
     </p:spTree>
     <p:extLst>
       <p:ext uri="{BB962C8B-B14F-4D97-AF65-F5344CB8AC3E}">
@@ -5708,11 +6950,11 @@
   <p:clrMapOvr>
     <a:masterClrMapping/>
   </p:clrMapOvr>
-  <mc:AlternateContent xmlns:mc="http://schemas.openxmlformats.org/markup-compatibility/2006">
-    <mc:Choice xmlns:p14="http://schemas.microsoft.com/office/powerpoint/2010/main" Requires="p14">
+  <mc:AlternateContent xmlns:mc="http://schemas.openxmlformats.org/markup-compatibility/2006" xmlns:p14="http://schemas.microsoft.com/office/powerpoint/2010/main">
+    <mc:Choice Requires="p14">
       <p:transition spd="slow" p14:dur="2000" advTm="15000"/>
     </mc:Choice>
-    <mc:Fallback>
+    <mc:Fallback xmlns="">
       <p:transition spd="slow" advTm="15000"/>
     </mc:Fallback>
   </mc:AlternateContent>
@@ -5758,22 +7000,6 @@
           <a:bodyPr/>
           <a:lstStyle/>
           <a:p>
-            <a:r>
-              <a:rPr lang="en-US" dirty="0" err="1" smtClean="0"/>
-              <a:t>Implementación</a:t>
-            </a:r>
-            <a:r>
-              <a:rPr lang="en-US" dirty="0" smtClean="0"/>
-              <a:t> </a:t>
-            </a:r>
-            <a:r>
-              <a:rPr lang="en-US" dirty="0" err="1" smtClean="0"/>
-              <a:t>en</a:t>
-            </a:r>
-            <a:r>
-              <a:rPr lang="en-US" dirty="0" smtClean="0"/>
-              <a:t> C++</a:t>
-            </a:r>
             <a:endParaRPr lang="en-US" dirty="0"/>
           </a:p>
         </p:txBody>
@@ -5793,6 +7019,32 @@
           <a:bodyPr/>
           <a:lstStyle/>
           <a:p>
+            <a:endParaRPr lang="en-US" dirty="0"/>
+          </a:p>
+        </p:txBody>
+      </p:sp>
+      <p:sp>
+        <p:nvSpPr>
+          <p:cNvPr id="6" name="Slide Number Placeholder 5"/>
+          <p:cNvSpPr>
+            <a:spLocks noGrp="1"/>
+          </p:cNvSpPr>
+          <p:nvPr>
+            <p:ph type="sldNum" sz="quarter" idx="12"/>
+          </p:nvPr>
+        </p:nvSpPr>
+        <p:spPr/>
+        <p:txBody>
+          <a:bodyPr>
+            <a:normAutofit lnSpcReduction="10000"/>
+          </a:bodyPr>
+          <a:lstStyle/>
+          <a:p>
+            <a:fld id="{D57F1E4F-1CFF-5643-939E-217C01CDF565}" type="slidenum">
+              <a:rPr lang="en-US" smtClean="0"/>
+              <a:pPr/>
+              <a:t>8</a:t>
+            </a:fld>
             <a:endParaRPr lang="en-US" dirty="0"/>
           </a:p>
         </p:txBody>
@@ -5807,11 +7059,11 @@
   <p:clrMapOvr>
     <a:masterClrMapping/>
   </p:clrMapOvr>
-  <mc:AlternateContent xmlns:mc="http://schemas.openxmlformats.org/markup-compatibility/2006">
-    <mc:Choice xmlns:p14="http://schemas.microsoft.com/office/powerpoint/2010/main" Requires="p14">
+  <mc:AlternateContent xmlns:mc="http://schemas.openxmlformats.org/markup-compatibility/2006" xmlns:p14="http://schemas.microsoft.com/office/powerpoint/2010/main">
+    <mc:Choice Requires="p14">
       <p:transition spd="slow" p14:dur="2000" advTm="15000"/>
     </mc:Choice>
-    <mc:Fallback>
+    <mc:Fallback xmlns="">
       <p:transition spd="slow" advTm="15000"/>
     </mc:Fallback>
   </mc:AlternateContent>
@@ -5880,6 +7132,32 @@
           </a:p>
         </p:txBody>
       </p:sp>
+      <p:sp>
+        <p:nvSpPr>
+          <p:cNvPr id="4" name="Slide Number Placeholder 3"/>
+          <p:cNvSpPr>
+            <a:spLocks noGrp="1"/>
+          </p:cNvSpPr>
+          <p:nvPr>
+            <p:ph type="sldNum" sz="quarter" idx="12"/>
+          </p:nvPr>
+        </p:nvSpPr>
+        <p:spPr/>
+        <p:txBody>
+          <a:bodyPr>
+            <a:normAutofit lnSpcReduction="10000"/>
+          </a:bodyPr>
+          <a:lstStyle/>
+          <a:p>
+            <a:fld id="{D57F1E4F-1CFF-5643-939E-217C01CDF565}" type="slidenum">
+              <a:rPr lang="en-US" smtClean="0"/>
+              <a:pPr/>
+              <a:t>9</a:t>
+            </a:fld>
+            <a:endParaRPr lang="en-US" dirty="0"/>
+          </a:p>
+        </p:txBody>
+      </p:sp>
     </p:spTree>
     <p:extLst>
       <p:ext uri="{BB962C8B-B14F-4D97-AF65-F5344CB8AC3E}">
@@ -5890,11 +7168,11 @@
   <p:clrMapOvr>
     <a:masterClrMapping/>
   </p:clrMapOvr>
-  <mc:AlternateContent xmlns:mc="http://schemas.openxmlformats.org/markup-compatibility/2006">
-    <mc:Choice xmlns:p14="http://schemas.microsoft.com/office/powerpoint/2010/main" Requires="p14">
+  <mc:AlternateContent xmlns:mc="http://schemas.openxmlformats.org/markup-compatibility/2006" xmlns:p14="http://schemas.microsoft.com/office/powerpoint/2010/main">
+    <mc:Choice Requires="p14">
       <p:transition spd="slow" p14:dur="2000" advTm="15000"/>
     </mc:Choice>
-    <mc:Fallback>
+    <mc:Fallback xmlns="">
       <p:transition spd="slow" advTm="15000"/>
     </mc:Fallback>
   </mc:AlternateContent>
@@ -6159,4 +7437,265 @@
     </a:ext>
   </a:extLst>
 </a:theme>
+</file>
+
+<file path=ppt/theme/theme2.xml><?xml version="1.0" encoding="utf-8"?>
+<a:theme xmlns:a="http://schemas.openxmlformats.org/drawingml/2006/main" name="Office Theme">
+  <a:themeElements>
+    <a:clrScheme name="Office">
+      <a:dk1>
+        <a:sysClr val="windowText" lastClr="000000"/>
+      </a:dk1>
+      <a:lt1>
+        <a:sysClr val="window" lastClr="FFFFFF"/>
+      </a:lt1>
+      <a:dk2>
+        <a:srgbClr val="44546A"/>
+      </a:dk2>
+      <a:lt2>
+        <a:srgbClr val="E7E6E6"/>
+      </a:lt2>
+      <a:accent1>
+        <a:srgbClr val="5B9BD5"/>
+      </a:accent1>
+      <a:accent2>
+        <a:srgbClr val="ED7D31"/>
+      </a:accent2>
+      <a:accent3>
+        <a:srgbClr val="A5A5A5"/>
+      </a:accent3>
+      <a:accent4>
+        <a:srgbClr val="FFC000"/>
+      </a:accent4>
+      <a:accent5>
+        <a:srgbClr val="4472C4"/>
+      </a:accent5>
+      <a:accent6>
+        <a:srgbClr val="70AD47"/>
+      </a:accent6>
+      <a:hlink>
+        <a:srgbClr val="0563C1"/>
+      </a:hlink>
+      <a:folHlink>
+        <a:srgbClr val="954F72"/>
+      </a:folHlink>
+    </a:clrScheme>
+    <a:fontScheme name="Office">
+      <a:majorFont>
+        <a:latin typeface="Calibri Light" panose="020F0302020204030204"/>
+        <a:ea typeface=""/>
+        <a:cs typeface=""/>
+        <a:font script="Jpan" typeface="ＭＳ Ｐゴシック"/>
+        <a:font script="Hang" typeface="맑은 고딕"/>
+        <a:font script="Hans" typeface="宋体"/>
+        <a:font script="Hant" typeface="新細明體"/>
+        <a:font script="Arab" typeface="Times New Roman"/>
+        <a:font script="Hebr" typeface="Times New Roman"/>
+        <a:font script="Thai" typeface="Angsana New"/>
+        <a:font script="Ethi" typeface="Nyala"/>
+        <a:font script="Beng" typeface="Vrinda"/>
+        <a:font script="Gujr" typeface="Shruti"/>
+        <a:font script="Khmr" typeface="MoolBoran"/>
+        <a:font script="Knda" typeface="Tunga"/>
+        <a:font script="Guru" typeface="Raavi"/>
+        <a:font script="Cans" typeface="Euphemia"/>
+        <a:font script="Cher" typeface="Plantagenet Cherokee"/>
+        <a:font script="Yiii" typeface="Microsoft Yi Baiti"/>
+        <a:font script="Tibt" typeface="Microsoft Himalaya"/>
+        <a:font script="Thaa" typeface="MV Boli"/>
+        <a:font script="Deva" typeface="Mangal"/>
+        <a:font script="Telu" typeface="Gautami"/>
+        <a:font script="Taml" typeface="Latha"/>
+        <a:font script="Syrc" typeface="Estrangelo Edessa"/>
+        <a:font script="Orya" typeface="Kalinga"/>
+        <a:font script="Mlym" typeface="Kartika"/>
+        <a:font script="Laoo" typeface="DokChampa"/>
+        <a:font script="Sinh" typeface="Iskoola Pota"/>
+        <a:font script="Mong" typeface="Mongolian Baiti"/>
+        <a:font script="Viet" typeface="Times New Roman"/>
+        <a:font script="Uigh" typeface="Microsoft Uighur"/>
+        <a:font script="Geor" typeface="Sylfaen"/>
+      </a:majorFont>
+      <a:minorFont>
+        <a:latin typeface="Calibri" panose="020F0502020204030204"/>
+        <a:ea typeface=""/>
+        <a:cs typeface=""/>
+        <a:font script="Jpan" typeface="ＭＳ Ｐゴシック"/>
+        <a:font script="Hang" typeface="맑은 고딕"/>
+        <a:font script="Hans" typeface="宋体"/>
+        <a:font script="Hant" typeface="新細明體"/>
+        <a:font script="Arab" typeface="Arial"/>
+        <a:font script="Hebr" typeface="Arial"/>
+        <a:font script="Thai" typeface="Cordia New"/>
+        <a:font script="Ethi" typeface="Nyala"/>
+        <a:font script="Beng" typeface="Vrinda"/>
+        <a:font script="Gujr" typeface="Shruti"/>
+        <a:font script="Khmr" typeface="DaunPenh"/>
+        <a:font script="Knda" typeface="Tunga"/>
+        <a:font script="Guru" typeface="Raavi"/>
+        <a:font script="Cans" typeface="Euphemia"/>
+        <a:font script="Cher" typeface="Plantagenet Cherokee"/>
+        <a:font script="Yiii" typeface="Microsoft Yi Baiti"/>
+        <a:font script="Tibt" typeface="Microsoft Himalaya"/>
+        <a:font script="Thaa" typeface="MV Boli"/>
+        <a:font script="Deva" typeface="Mangal"/>
+        <a:font script="Telu" typeface="Gautami"/>
+        <a:font script="Taml" typeface="Latha"/>
+        <a:font script="Syrc" typeface="Estrangelo Edessa"/>
+        <a:font script="Orya" typeface="Kalinga"/>
+        <a:font script="Mlym" typeface="Kartika"/>
+        <a:font script="Laoo" typeface="DokChampa"/>
+        <a:font script="Sinh" typeface="Iskoola Pota"/>
+        <a:font script="Mong" typeface="Mongolian Baiti"/>
+        <a:font script="Viet" typeface="Arial"/>
+        <a:font script="Uigh" typeface="Microsoft Uighur"/>
+        <a:font script="Geor" typeface="Sylfaen"/>
+      </a:minorFont>
+    </a:fontScheme>
+    <a:fmtScheme name="Office">
+      <a:fillStyleLst>
+        <a:solidFill>
+          <a:schemeClr val="phClr"/>
+        </a:solidFill>
+        <a:gradFill rotWithShape="1">
+          <a:gsLst>
+            <a:gs pos="0">
+              <a:schemeClr val="phClr">
+                <a:lumMod val="110000"/>
+                <a:satMod val="105000"/>
+                <a:tint val="67000"/>
+              </a:schemeClr>
+            </a:gs>
+            <a:gs pos="50000">
+              <a:schemeClr val="phClr">
+                <a:lumMod val="105000"/>
+                <a:satMod val="103000"/>
+                <a:tint val="73000"/>
+              </a:schemeClr>
+            </a:gs>
+            <a:gs pos="100000">
+              <a:schemeClr val="phClr">
+                <a:lumMod val="105000"/>
+                <a:satMod val="109000"/>
+                <a:tint val="81000"/>
+              </a:schemeClr>
+            </a:gs>
+          </a:gsLst>
+          <a:lin ang="5400000" scaled="0"/>
+        </a:gradFill>
+        <a:gradFill rotWithShape="1">
+          <a:gsLst>
+            <a:gs pos="0">
+              <a:schemeClr val="phClr">
+                <a:satMod val="103000"/>
+                <a:lumMod val="102000"/>
+                <a:tint val="94000"/>
+              </a:schemeClr>
+            </a:gs>
+            <a:gs pos="50000">
+              <a:schemeClr val="phClr">
+                <a:satMod val="110000"/>
+                <a:lumMod val="100000"/>
+                <a:shade val="100000"/>
+              </a:schemeClr>
+            </a:gs>
+            <a:gs pos="100000">
+              <a:schemeClr val="phClr">
+                <a:lumMod val="99000"/>
+                <a:satMod val="120000"/>
+                <a:shade val="78000"/>
+              </a:schemeClr>
+            </a:gs>
+          </a:gsLst>
+          <a:lin ang="5400000" scaled="0"/>
+        </a:gradFill>
+      </a:fillStyleLst>
+      <a:lnStyleLst>
+        <a:ln w="6350" cap="flat" cmpd="sng" algn="ctr">
+          <a:solidFill>
+            <a:schemeClr val="phClr"/>
+          </a:solidFill>
+          <a:prstDash val="solid"/>
+          <a:miter lim="800000"/>
+        </a:ln>
+        <a:ln w="12700" cap="flat" cmpd="sng" algn="ctr">
+          <a:solidFill>
+            <a:schemeClr val="phClr"/>
+          </a:solidFill>
+          <a:prstDash val="solid"/>
+          <a:miter lim="800000"/>
+        </a:ln>
+        <a:ln w="19050" cap="flat" cmpd="sng" algn="ctr">
+          <a:solidFill>
+            <a:schemeClr val="phClr"/>
+          </a:solidFill>
+          <a:prstDash val="solid"/>
+          <a:miter lim="800000"/>
+        </a:ln>
+      </a:lnStyleLst>
+      <a:effectStyleLst>
+        <a:effectStyle>
+          <a:effectLst/>
+        </a:effectStyle>
+        <a:effectStyle>
+          <a:effectLst/>
+        </a:effectStyle>
+        <a:effectStyle>
+          <a:effectLst>
+            <a:outerShdw blurRad="57150" dist="19050" dir="5400000" algn="ctr" rotWithShape="0">
+              <a:srgbClr val="000000">
+                <a:alpha val="63000"/>
+              </a:srgbClr>
+            </a:outerShdw>
+          </a:effectLst>
+        </a:effectStyle>
+      </a:effectStyleLst>
+      <a:bgFillStyleLst>
+        <a:solidFill>
+          <a:schemeClr val="phClr"/>
+        </a:solidFill>
+        <a:solidFill>
+          <a:schemeClr val="phClr">
+            <a:tint val="95000"/>
+            <a:satMod val="170000"/>
+          </a:schemeClr>
+        </a:solidFill>
+        <a:gradFill rotWithShape="1">
+          <a:gsLst>
+            <a:gs pos="0">
+              <a:schemeClr val="phClr">
+                <a:tint val="93000"/>
+                <a:satMod val="150000"/>
+                <a:shade val="98000"/>
+                <a:lumMod val="102000"/>
+              </a:schemeClr>
+            </a:gs>
+            <a:gs pos="50000">
+              <a:schemeClr val="phClr">
+                <a:tint val="98000"/>
+                <a:satMod val="130000"/>
+                <a:shade val="90000"/>
+                <a:lumMod val="103000"/>
+              </a:schemeClr>
+            </a:gs>
+            <a:gs pos="100000">
+              <a:schemeClr val="phClr">
+                <a:shade val="63000"/>
+                <a:satMod val="120000"/>
+              </a:schemeClr>
+            </a:gs>
+          </a:gsLst>
+          <a:lin ang="5400000" scaled="0"/>
+        </a:gradFill>
+      </a:bgFillStyleLst>
+    </a:fmtScheme>
+  </a:themeElements>
+  <a:objectDefaults/>
+  <a:extraClrSchemeLst/>
+  <a:extLst>
+    <a:ext uri="{05A4C25C-085E-4340-85A3-A5531E510DB2}">
+      <thm15:themeFamily xmlns:thm15="http://schemas.microsoft.com/office/thememl/2012/main" name="Office Theme" id="{62F939B6-93AF-4DB8-9C6B-D6C7DFDC589F}" vid="{4A3C46E8-61CC-4603-A589-7422A47A8E4A}"/>
+    </a:ext>
+  </a:extLst>
+</a:theme>
 </file>
--- a/Proyecto/proyectoFinal.pptx
+++ b/Proyecto/proyectoFinal.pptx
@@ -1,12 +1,15 @@
 
 <file path=ppt/presentation.xml><?xml version="1.0" encoding="utf-8"?>
-<p:presentation xmlns:a="http://schemas.openxmlformats.org/drawingml/2006/main" xmlns:r="http://schemas.openxmlformats.org/officeDocument/2006/relationships" xmlns:p="http://schemas.openxmlformats.org/presentationml/2006/main" autoCompressPictures="0">
+<p:presentation xmlns:a="http://schemas.openxmlformats.org/drawingml/2006/main" xmlns:r="http://schemas.openxmlformats.org/officeDocument/2006/relationships" xmlns:p="http://schemas.openxmlformats.org/presentationml/2006/main" showSpecialPlsOnTitleSld="0" autoCompressPictures="0">
   <p:sldMasterIdLst>
     <p:sldMasterId id="2147484062" r:id="rId1"/>
   </p:sldMasterIdLst>
   <p:notesMasterIdLst>
     <p:notesMasterId r:id="rId23"/>
   </p:notesMasterIdLst>
+  <p:handoutMasterIdLst>
+    <p:handoutMasterId r:id="rId24"/>
+  </p:handoutMasterIdLst>
   <p:sldIdLst>
     <p:sldId id="256" r:id="rId2"/>
     <p:sldId id="257" r:id="rId3"/>
@@ -16,17 +19,17 @@
     <p:sldId id="278" r:id="rId7"/>
     <p:sldId id="279" r:id="rId8"/>
     <p:sldId id="265" r:id="rId9"/>
-    <p:sldId id="263" r:id="rId10"/>
-    <p:sldId id="266" r:id="rId11"/>
+    <p:sldId id="266" r:id="rId10"/>
+    <p:sldId id="263" r:id="rId11"/>
     <p:sldId id="264" r:id="rId12"/>
-    <p:sldId id="267" r:id="rId13"/>
-    <p:sldId id="270" r:id="rId14"/>
+    <p:sldId id="270" r:id="rId13"/>
+    <p:sldId id="267" r:id="rId14"/>
     <p:sldId id="268" r:id="rId15"/>
-    <p:sldId id="272" r:id="rId16"/>
-    <p:sldId id="271" r:id="rId17"/>
-    <p:sldId id="273" r:id="rId18"/>
+    <p:sldId id="273" r:id="rId16"/>
+    <p:sldId id="272" r:id="rId17"/>
+    <p:sldId id="271" r:id="rId18"/>
     <p:sldId id="274" r:id="rId19"/>
-    <p:sldId id="275" r:id="rId20"/>
+    <p:sldId id="281" r:id="rId20"/>
     <p:sldId id="280" r:id="rId21"/>
     <p:sldId id="277" r:id="rId22"/>
   </p:sldIdLst>
@@ -128,6 +131,39 @@
     </a:lvl9pPr>
   </p:defaultTextStyle>
   <p:extLst>
+    <p:ext uri="{521415D9-36F7-43E2-AB2F-B90AF26B5E84}">
+      <p14:sectionLst xmlns:p14="http://schemas.microsoft.com/office/powerpoint/2010/main">
+        <p14:section name="Default Section" id="{4C4CAFA7-81FF-4B0B-9DFB-124E3ADA0DB9}">
+          <p14:sldIdLst>
+            <p14:sldId id="256"/>
+          </p14:sldIdLst>
+        </p14:section>
+        <p14:section name="Untitled Section" id="{F414150E-AED1-4487-ADD8-FF9B38FFC40A}">
+          <p14:sldIdLst>
+            <p14:sldId id="257"/>
+            <p14:sldId id="258"/>
+            <p14:sldId id="259"/>
+            <p14:sldId id="261"/>
+            <p14:sldId id="278"/>
+            <p14:sldId id="279"/>
+            <p14:sldId id="265"/>
+            <p14:sldId id="266"/>
+            <p14:sldId id="263"/>
+            <p14:sldId id="264"/>
+            <p14:sldId id="270"/>
+            <p14:sldId id="267"/>
+            <p14:sldId id="268"/>
+            <p14:sldId id="273"/>
+            <p14:sldId id="272"/>
+            <p14:sldId id="271"/>
+            <p14:sldId id="274"/>
+            <p14:sldId id="281"/>
+            <p14:sldId id="280"/>
+            <p14:sldId id="277"/>
+          </p14:sldIdLst>
+        </p14:section>
+      </p14:sectionLst>
+    </p:ext>
     <p:ext uri="{EFAFB233-063F-42B5-8137-9DF3F51BA10A}">
       <p15:sldGuideLst xmlns:p15="http://schemas.microsoft.com/office/powerpoint/2012/main">
         <p15:guide id="1" pos="3840" userDrawn="1">
@@ -148,7 +184,7 @@
 
 <file path=ppt/commentAuthors.xml><?xml version="1.0" encoding="utf-8"?>
 <p:cmAuthorLst xmlns:a="http://schemas.openxmlformats.org/drawingml/2006/main" xmlns:r="http://schemas.openxmlformats.org/officeDocument/2006/relationships" xmlns:p="http://schemas.openxmlformats.org/presentationml/2006/main">
-  <p:cmAuthor id="1" name="Aguilar Cascante, Luis" initials="ACL" lastIdx="20" clrIdx="0">
+  <p:cmAuthor id="1" name="Aguilar Cascante, Luis" initials="ACL" lastIdx="21" clrIdx="0">
     <p:extLst>
       <p:ext uri="{19B8F6BF-5375-455C-9EA6-DF929625EA0E}">
         <p15:presenceInfo xmlns:p15="http://schemas.microsoft.com/office/powerpoint/2012/main" userId="S-1-5-21-725345543-602162358-527237240-3417622" providerId="AD"/>
@@ -174,7 +210,7 @@
 
 <file path=ppt/comments/comment10.xml><?xml version="1.0" encoding="utf-8"?>
 <p:cmLst xmlns:a="http://schemas.openxmlformats.org/drawingml/2006/main" xmlns:r="http://schemas.openxmlformats.org/officeDocument/2006/relationships" xmlns:p="http://schemas.openxmlformats.org/presentationml/2006/main">
-  <p:cm authorId="1" dt="2017-03-02T18:05:58.204" idx="17">
+  <p:cm authorId="1" dt="2017-03-02T18:07:46.035" idx="20">
     <p:pos x="10" y="10"/>
     <p:text>Robin</p:text>
     <p:extLst>
@@ -202,9 +238,9 @@
 
 <file path=ppt/comments/comment12.xml><?xml version="1.0" encoding="utf-8"?>
 <p:cmLst xmlns:a="http://schemas.openxmlformats.org/drawingml/2006/main" xmlns:r="http://schemas.openxmlformats.org/officeDocument/2006/relationships" xmlns:p="http://schemas.openxmlformats.org/presentationml/2006/main">
-  <p:cm authorId="1" dt="2017-03-02T18:06:02.874" idx="18">
+  <p:cm authorId="1" dt="2017-03-02T18:05:16.150" idx="10">
     <p:pos x="10" y="10"/>
-    <p:text>Robin</p:text>
+    <p:text>Adrian</p:text>
     <p:extLst>
       <p:ext uri="{C676402C-5697-4E1C-873F-D02D1690AC5C}">
         <p15:threadingInfo xmlns:p15="http://schemas.microsoft.com/office/powerpoint/2012/main" timeZoneBias="360"/>
@@ -216,9 +252,9 @@
 
 <file path=ppt/comments/comment13.xml><?xml version="1.0" encoding="utf-8"?>
 <p:cmLst xmlns:a="http://schemas.openxmlformats.org/drawingml/2006/main" xmlns:r="http://schemas.openxmlformats.org/officeDocument/2006/relationships" xmlns:p="http://schemas.openxmlformats.org/presentationml/2006/main">
-  <p:cm authorId="1" dt="2017-03-02T18:05:16.150" idx="10">
+  <p:cm authorId="1" dt="2017-03-02T18:06:02.874" idx="18">
     <p:pos x="10" y="10"/>
-    <p:text>Adrian</p:text>
+    <p:text>Robin</p:text>
     <p:extLst>
       <p:ext uri="{C676402C-5697-4E1C-873F-D02D1690AC5C}">
         <p15:threadingInfo xmlns:p15="http://schemas.microsoft.com/office/powerpoint/2012/main" timeZoneBias="360"/>
@@ -244,7 +280,7 @@
 
 <file path=ppt/comments/comment15.xml><?xml version="1.0" encoding="utf-8"?>
 <p:cmLst xmlns:a="http://schemas.openxmlformats.org/drawingml/2006/main" xmlns:r="http://schemas.openxmlformats.org/officeDocument/2006/relationships" xmlns:p="http://schemas.openxmlformats.org/presentationml/2006/main">
-  <p:cm authorId="1" dt="2017-03-02T18:05:30.662" idx="13">
+  <p:cm authorId="1" dt="2017-03-02T18:05:34.920" idx="14">
     <p:pos x="10" y="10"/>
     <p:text>Adrian</p:text>
     <p:extLst>
@@ -258,7 +294,7 @@
 
 <file path=ppt/comments/comment16.xml><?xml version="1.0" encoding="utf-8"?>
 <p:cmLst xmlns:a="http://schemas.openxmlformats.org/drawingml/2006/main" xmlns:r="http://schemas.openxmlformats.org/officeDocument/2006/relationships" xmlns:p="http://schemas.openxmlformats.org/presentationml/2006/main">
-  <p:cm authorId="1" dt="2017-03-02T18:05:26.191" idx="12">
+  <p:cm authorId="1" dt="2017-03-02T18:05:30.662" idx="13">
     <p:pos x="10" y="10"/>
     <p:text>Adrian</p:text>
     <p:extLst>
@@ -272,7 +308,7 @@
 
 <file path=ppt/comments/comment17.xml><?xml version="1.0" encoding="utf-8"?>
 <p:cmLst xmlns:a="http://schemas.openxmlformats.org/drawingml/2006/main" xmlns:r="http://schemas.openxmlformats.org/officeDocument/2006/relationships" xmlns:p="http://schemas.openxmlformats.org/presentationml/2006/main">
-  <p:cm authorId="1" dt="2017-03-02T18:05:34.920" idx="14">
+  <p:cm authorId="1" dt="2017-03-02T18:05:26.191" idx="12">
     <p:pos x="10" y="10"/>
     <p:text>Adrian</p:text>
     <p:extLst>
@@ -298,11 +334,34 @@
 </p:cmLst>
 </file>
 
+<file path=ppt/comments/comment19.xml><?xml version="1.0" encoding="utf-8"?>
+<p:cmLst xmlns:a="http://schemas.openxmlformats.org/drawingml/2006/main" xmlns:r="http://schemas.openxmlformats.org/officeDocument/2006/relationships" xmlns:p="http://schemas.openxmlformats.org/presentationml/2006/main">
+  <p:cm authorId="1" dt="2017-03-02T17:48:47.497" idx="9">
+    <p:pos x="10" y="10"/>
+    <p:text>Adrian Gianca Robin</p:text>
+    <p:extLst>
+      <p:ext uri="{C676402C-5697-4E1C-873F-D02D1690AC5C}">
+        <p15:threadingInfo xmlns:p15="http://schemas.microsoft.com/office/powerpoint/2012/main" timeZoneBias="360"/>
+      </p:ext>
+    </p:extLst>
+  </p:cm>
+</p:cmLst>
+</file>
+
 <file path=ppt/comments/comment2.xml><?xml version="1.0" encoding="utf-8"?>
 <p:cmLst xmlns:a="http://schemas.openxmlformats.org/drawingml/2006/main" xmlns:r="http://schemas.openxmlformats.org/officeDocument/2006/relationships" xmlns:p="http://schemas.openxmlformats.org/presentationml/2006/main">
   <p:cm authorId="1" dt="2017-03-02T17:47:33.431" idx="2">
     <p:pos x="10" y="10"/>
     <p:text>Adrian</p:text>
+    <p:extLst>
+      <p:ext uri="{C676402C-5697-4E1C-873F-D02D1690AC5C}">
+        <p15:threadingInfo xmlns:p15="http://schemas.microsoft.com/office/powerpoint/2012/main" timeZoneBias="360"/>
+      </p:ext>
+    </p:extLst>
+  </p:cm>
+  <p:cm authorId="1" dt="2017-03-03T12:36:37.822" idx="21">
+    <p:pos x="106" y="106"/>
+    <p:text/>
     <p:extLst>
       <p:ext uri="{C676402C-5697-4E1C-873F-D02D1690AC5C}">
         <p15:threadingInfo xmlns:p15="http://schemas.microsoft.com/office/powerpoint/2012/main" timeZoneBias="360"/>
@@ -398,7 +457,7 @@
 
 <file path=ppt/comments/comment9.xml><?xml version="1.0" encoding="utf-8"?>
 <p:cmLst xmlns:a="http://schemas.openxmlformats.org/drawingml/2006/main" xmlns:r="http://schemas.openxmlformats.org/officeDocument/2006/relationships" xmlns:p="http://schemas.openxmlformats.org/presentationml/2006/main">
-  <p:cm authorId="1" dt="2017-03-02T18:07:46.035" idx="20">
+  <p:cm authorId="1" dt="2017-03-02T18:05:58.204" idx="17">
     <p:pos x="10" y="10"/>
     <p:text>Robin</p:text>
     <p:extLst>
@@ -408,6 +467,176 @@
     </p:extLst>
   </p:cm>
 </p:cmLst>
+</file>
+
+<file path=ppt/handoutMasters/handoutMaster1.xml><?xml version="1.0" encoding="utf-8"?>
+<p:handoutMaster xmlns:a="http://schemas.openxmlformats.org/drawingml/2006/main" xmlns:r="http://schemas.openxmlformats.org/officeDocument/2006/relationships" xmlns:p="http://schemas.openxmlformats.org/presentationml/2006/main">
+  <p:cSld>
+    <p:bg>
+      <p:bgRef idx="1001">
+        <a:schemeClr val="bg1"/>
+      </p:bgRef>
+    </p:bg>
+    <p:spTree>
+      <p:nvGrpSpPr>
+        <p:cNvPr id="1" name=""/>
+        <p:cNvGrpSpPr/>
+        <p:nvPr/>
+      </p:nvGrpSpPr>
+      <p:grpSpPr>
+        <a:xfrm>
+          <a:off x="0" y="0"/>
+          <a:ext cx="0" cy="0"/>
+          <a:chOff x="0" y="0"/>
+          <a:chExt cx="0" cy="0"/>
+        </a:xfrm>
+      </p:grpSpPr>
+      <p:sp>
+        <p:nvSpPr>
+          <p:cNvPr id="2" name="Header Placeholder 1"/>
+          <p:cNvSpPr>
+            <a:spLocks noGrp="1"/>
+          </p:cNvSpPr>
+          <p:nvPr>
+            <p:ph type="hdr" sz="quarter"/>
+          </p:nvPr>
+        </p:nvSpPr>
+        <p:spPr>
+          <a:xfrm>
+            <a:off x="0" y="0"/>
+            <a:ext cx="2971800" cy="458788"/>
+          </a:xfrm>
+          <a:prstGeom prst="rect">
+            <a:avLst/>
+          </a:prstGeom>
+        </p:spPr>
+        <p:txBody>
+          <a:bodyPr vert="horz" lIns="91440" tIns="45720" rIns="91440" bIns="45720" rtlCol="0"/>
+          <a:lstStyle>
+            <a:lvl1pPr algn="l">
+              <a:defRPr sz="1200"/>
+            </a:lvl1pPr>
+          </a:lstStyle>
+          <a:p>
+            <a:r>
+              <a:rPr lang="en-US" smtClean="0"/>
+              <a:t>Aho Corasick</a:t>
+            </a:r>
+            <a:endParaRPr lang="en-US"/>
+          </a:p>
+        </p:txBody>
+      </p:sp>
+      <p:sp>
+        <p:nvSpPr>
+          <p:cNvPr id="3" name="Date Placeholder 2"/>
+          <p:cNvSpPr>
+            <a:spLocks noGrp="1"/>
+          </p:cNvSpPr>
+          <p:nvPr>
+            <p:ph type="dt" sz="quarter" idx="1"/>
+          </p:nvPr>
+        </p:nvSpPr>
+        <p:spPr>
+          <a:xfrm>
+            <a:off x="3884613" y="0"/>
+            <a:ext cx="2971800" cy="458788"/>
+          </a:xfrm>
+          <a:prstGeom prst="rect">
+            <a:avLst/>
+          </a:prstGeom>
+        </p:spPr>
+        <p:txBody>
+          <a:bodyPr vert="horz" lIns="91440" tIns="45720" rIns="91440" bIns="45720" rtlCol="0"/>
+          <a:lstStyle>
+            <a:lvl1pPr algn="r">
+              <a:defRPr sz="1200"/>
+            </a:lvl1pPr>
+          </a:lstStyle>
+          <a:p>
+            <a:r>
+              <a:rPr lang="en-US" smtClean="0"/>
+              <a:t>Aho Corasick</a:t>
+            </a:r>
+            <a:endParaRPr lang="en-US"/>
+          </a:p>
+        </p:txBody>
+      </p:sp>
+      <p:sp>
+        <p:nvSpPr>
+          <p:cNvPr id="4" name="Footer Placeholder 3"/>
+          <p:cNvSpPr>
+            <a:spLocks noGrp="1"/>
+          </p:cNvSpPr>
+          <p:nvPr>
+            <p:ph type="ftr" sz="quarter" idx="2"/>
+          </p:nvPr>
+        </p:nvSpPr>
+        <p:spPr>
+          <a:xfrm>
+            <a:off x="0" y="8685213"/>
+            <a:ext cx="2971800" cy="458787"/>
+          </a:xfrm>
+          <a:prstGeom prst="rect">
+            <a:avLst/>
+          </a:prstGeom>
+        </p:spPr>
+        <p:txBody>
+          <a:bodyPr vert="horz" lIns="91440" tIns="45720" rIns="91440" bIns="45720" rtlCol="0" anchor="b"/>
+          <a:lstStyle>
+            <a:lvl1pPr algn="l">
+              <a:defRPr sz="1200"/>
+            </a:lvl1pPr>
+          </a:lstStyle>
+          <a:p>
+            <a:endParaRPr lang="en-US"/>
+          </a:p>
+        </p:txBody>
+      </p:sp>
+      <p:sp>
+        <p:nvSpPr>
+          <p:cNvPr id="5" name="Slide Number Placeholder 4"/>
+          <p:cNvSpPr>
+            <a:spLocks noGrp="1"/>
+          </p:cNvSpPr>
+          <p:nvPr>
+            <p:ph type="sldNum" sz="quarter" idx="3"/>
+          </p:nvPr>
+        </p:nvSpPr>
+        <p:spPr>
+          <a:xfrm>
+            <a:off x="3884613" y="8685213"/>
+            <a:ext cx="2971800" cy="458787"/>
+          </a:xfrm>
+          <a:prstGeom prst="rect">
+            <a:avLst/>
+          </a:prstGeom>
+        </p:spPr>
+        <p:txBody>
+          <a:bodyPr vert="horz" lIns="91440" tIns="45720" rIns="91440" bIns="45720" rtlCol="0" anchor="b"/>
+          <a:lstStyle>
+            <a:lvl1pPr algn="r">
+              <a:defRPr sz="1200"/>
+            </a:lvl1pPr>
+          </a:lstStyle>
+          <a:p>
+            <a:fld id="{80163FDB-F4B6-46A6-9490-F600F0122192}" type="slidenum">
+              <a:rPr lang="en-US" smtClean="0"/>
+              <a:t>‹#›</a:t>
+            </a:fld>
+            <a:endParaRPr lang="en-US"/>
+          </a:p>
+        </p:txBody>
+      </p:sp>
+    </p:spTree>
+    <p:extLst>
+      <p:ext uri="{BB962C8B-B14F-4D97-AF65-F5344CB8AC3E}">
+        <p14:creationId xmlns:p14="http://schemas.microsoft.com/office/powerpoint/2010/main" val="1128401197"/>
+      </p:ext>
+    </p:extLst>
+  </p:cSld>
+  <p:clrMap bg1="lt1" tx1="dk1" bg2="lt2" tx2="dk2" accent1="accent1" accent2="accent2" accent3="accent3" accent4="accent4" accent5="accent5" accent6="accent6" hlink="hlink" folHlink="folHlink"/>
+  <p:hf sldNum="0" ftr="0"/>
+</p:handoutMaster>
 </file>
 
 <file path=ppt/notesMasters/notesMaster1.xml><?xml version="1.0" encoding="utf-8"?>
@@ -459,6 +688,10 @@
             </a:lvl1pPr>
           </a:lstStyle>
           <a:p>
+            <a:r>
+              <a:rPr lang="en-US" smtClean="0"/>
+              <a:t>Aho Corasick</a:t>
+            </a:r>
             <a:endParaRPr lang="en-US"/>
           </a:p>
         </p:txBody>
@@ -490,10 +723,10 @@
             </a:lvl1pPr>
           </a:lstStyle>
           <a:p>
-            <a:fld id="{06112170-A7CD-422B-833D-CD77F6592D29}" type="datetimeFigureOut">
-              <a:rPr lang="en-US" smtClean="0"/>
-              <a:t>3/3/2017</a:t>
-            </a:fld>
+            <a:r>
+              <a:rPr lang="en-US" smtClean="0"/>
+              <a:t>Aho Corasick</a:t>
+            </a:r>
             <a:endParaRPr lang="en-US"/>
           </a:p>
         </p:txBody>
@@ -665,6 +898,7 @@
     </p:extLst>
   </p:cSld>
   <p:clrMap bg1="lt1" tx1="dk1" bg2="lt2" tx2="dk2" accent1="accent1" accent2="accent2" accent3="accent3" accent4="accent4" accent5="accent5" accent6="accent6" hlink="hlink" folHlink="folHlink"/>
+  <p:hf sldNum="0" ftr="0"/>
   <p:notesStyle>
     <a:lvl1pPr marL="0" algn="l" defTabSz="914400" rtl="0" eaLnBrk="1" latinLnBrk="0" hangingPunct="1">
       <a:defRPr sz="1200" kern="1200">
@@ -810,12 +1044,12 @@
       </p:sp>
       <p:sp>
         <p:nvSpPr>
-          <p:cNvPr id="4" name="Slide Number Placeholder 3"/>
-          <p:cNvSpPr>
-            <a:spLocks noGrp="1"/>
-          </p:cNvSpPr>
-          <p:nvPr>
-            <p:ph type="sldNum" sz="quarter" idx="10"/>
+          <p:cNvPr id="5" name="Header Placeholder 4"/>
+          <p:cNvSpPr>
+            <a:spLocks noGrp="1"/>
+          </p:cNvSpPr>
+          <p:nvPr>
+            <p:ph type="hdr" sz="quarter" idx="11"/>
           </p:nvPr>
         </p:nvSpPr>
         <p:spPr/>
@@ -823,10 +1057,33 @@
           <a:bodyPr/>
           <a:lstStyle/>
           <a:p>
-            <a:fld id="{7EE81B75-7110-4CFE-A72A-AF253F4D700A}" type="slidenum">
-              <a:rPr lang="en-US" smtClean="0"/>
-              <a:t>1</a:t>
-            </a:fld>
+            <a:r>
+              <a:rPr lang="en-US" smtClean="0"/>
+              <a:t>Aho Corasick</a:t>
+            </a:r>
+            <a:endParaRPr lang="en-US"/>
+          </a:p>
+        </p:txBody>
+      </p:sp>
+      <p:sp>
+        <p:nvSpPr>
+          <p:cNvPr id="7" name="Date Placeholder 6"/>
+          <p:cNvSpPr>
+            <a:spLocks noGrp="1"/>
+          </p:cNvSpPr>
+          <p:nvPr>
+            <p:ph type="dt" idx="12"/>
+          </p:nvPr>
+        </p:nvSpPr>
+        <p:spPr/>
+        <p:txBody>
+          <a:bodyPr/>
+          <a:lstStyle/>
+          <a:p>
+            <a:r>
+              <a:rPr lang="en-US" smtClean="0"/>
+              <a:t>Aho Corasick</a:t>
+            </a:r>
             <a:endParaRPr lang="en-US"/>
           </a:p>
         </p:txBody>
@@ -894,12 +1151,12 @@
       </p:sp>
       <p:sp>
         <p:nvSpPr>
-          <p:cNvPr id="4" name="Slide Number Placeholder 3"/>
-          <p:cNvSpPr>
-            <a:spLocks noGrp="1"/>
-          </p:cNvSpPr>
-          <p:nvPr>
-            <p:ph type="sldNum" sz="quarter" idx="10"/>
+          <p:cNvPr id="4" name="Header Placeholder 3"/>
+          <p:cNvSpPr>
+            <a:spLocks noGrp="1"/>
+          </p:cNvSpPr>
+          <p:nvPr>
+            <p:ph type="hdr" sz="quarter" idx="10"/>
           </p:nvPr>
         </p:nvSpPr>
         <p:spPr/>
@@ -907,10 +1164,247 @@
           <a:bodyPr/>
           <a:lstStyle/>
           <a:p>
-            <a:fld id="{7EE81B75-7110-4CFE-A72A-AF253F4D700A}" type="slidenum">
-              <a:rPr lang="en-US" smtClean="0"/>
-              <a:t>8</a:t>
-            </a:fld>
+            <a:r>
+              <a:rPr lang="en-US" smtClean="0"/>
+              <a:t>Aho Corasick</a:t>
+            </a:r>
+            <a:endParaRPr lang="en-US"/>
+          </a:p>
+        </p:txBody>
+      </p:sp>
+      <p:sp>
+        <p:nvSpPr>
+          <p:cNvPr id="7" name="Date Placeholder 6"/>
+          <p:cNvSpPr>
+            <a:spLocks noGrp="1"/>
+          </p:cNvSpPr>
+          <p:nvPr>
+            <p:ph type="dt" idx="11"/>
+          </p:nvPr>
+        </p:nvSpPr>
+        <p:spPr/>
+        <p:txBody>
+          <a:bodyPr/>
+          <a:lstStyle/>
+          <a:p>
+            <a:r>
+              <a:rPr lang="en-US" smtClean="0"/>
+              <a:t>Aho Corasick</a:t>
+            </a:r>
+            <a:endParaRPr lang="en-US"/>
+          </a:p>
+        </p:txBody>
+      </p:sp>
+    </p:spTree>
+    <p:extLst>
+      <p:ext uri="{BB962C8B-B14F-4D97-AF65-F5344CB8AC3E}">
+        <p14:creationId xmlns:p14="http://schemas.microsoft.com/office/powerpoint/2010/main" val="3504775721"/>
+      </p:ext>
+    </p:extLst>
+  </p:cSld>
+  <p:clrMapOvr>
+    <a:masterClrMapping/>
+  </p:clrMapOvr>
+</p:notes>
+</file>
+
+<file path=ppt/notesSlides/notesSlide3.xml><?xml version="1.0" encoding="utf-8"?>
+<p:notes xmlns:a="http://schemas.openxmlformats.org/drawingml/2006/main" xmlns:r="http://schemas.openxmlformats.org/officeDocument/2006/relationships" xmlns:p="http://schemas.openxmlformats.org/presentationml/2006/main">
+  <p:cSld>
+    <p:spTree>
+      <p:nvGrpSpPr>
+        <p:cNvPr id="1" name=""/>
+        <p:cNvGrpSpPr/>
+        <p:nvPr/>
+      </p:nvGrpSpPr>
+      <p:grpSpPr>
+        <a:xfrm>
+          <a:off x="0" y="0"/>
+          <a:ext cx="0" cy="0"/>
+          <a:chOff x="0" y="0"/>
+          <a:chExt cx="0" cy="0"/>
+        </a:xfrm>
+      </p:grpSpPr>
+      <p:sp>
+        <p:nvSpPr>
+          <p:cNvPr id="2" name="Slide Image Placeholder 1"/>
+          <p:cNvSpPr>
+            <a:spLocks noGrp="1" noRot="1" noChangeAspect="1"/>
+          </p:cNvSpPr>
+          <p:nvPr>
+            <p:ph type="sldImg"/>
+          </p:nvPr>
+        </p:nvSpPr>
+        <p:spPr/>
+      </p:sp>
+      <p:sp>
+        <p:nvSpPr>
+          <p:cNvPr id="3" name="Notes Placeholder 2"/>
+          <p:cNvSpPr>
+            <a:spLocks noGrp="1"/>
+          </p:cNvSpPr>
+          <p:nvPr>
+            <p:ph type="body" idx="1"/>
+          </p:nvPr>
+        </p:nvSpPr>
+        <p:spPr/>
+        <p:txBody>
+          <a:bodyPr/>
+          <a:lstStyle/>
+          <a:p>
+            <a:endParaRPr lang="en-US"/>
+          </a:p>
+        </p:txBody>
+      </p:sp>
+      <p:sp>
+        <p:nvSpPr>
+          <p:cNvPr id="4" name="Header Placeholder 3"/>
+          <p:cNvSpPr>
+            <a:spLocks noGrp="1"/>
+          </p:cNvSpPr>
+          <p:nvPr>
+            <p:ph type="hdr" sz="quarter" idx="10"/>
+          </p:nvPr>
+        </p:nvSpPr>
+        <p:spPr/>
+        <p:txBody>
+          <a:bodyPr/>
+          <a:lstStyle/>
+          <a:p>
+            <a:r>
+              <a:rPr lang="en-US" smtClean="0"/>
+              <a:t>Aho Corasick</a:t>
+            </a:r>
+            <a:endParaRPr lang="en-US"/>
+          </a:p>
+        </p:txBody>
+      </p:sp>
+      <p:sp>
+        <p:nvSpPr>
+          <p:cNvPr id="7" name="Date Placeholder 6"/>
+          <p:cNvSpPr>
+            <a:spLocks noGrp="1"/>
+          </p:cNvSpPr>
+          <p:nvPr>
+            <p:ph type="dt" idx="11"/>
+          </p:nvPr>
+        </p:nvSpPr>
+        <p:spPr/>
+        <p:txBody>
+          <a:bodyPr/>
+          <a:lstStyle/>
+          <a:p>
+            <a:r>
+              <a:rPr lang="en-US" smtClean="0"/>
+              <a:t>Aho Corasick</a:t>
+            </a:r>
+            <a:endParaRPr lang="en-US"/>
+          </a:p>
+        </p:txBody>
+      </p:sp>
+    </p:spTree>
+    <p:extLst>
+      <p:ext uri="{BB962C8B-B14F-4D97-AF65-F5344CB8AC3E}">
+        <p14:creationId xmlns:p14="http://schemas.microsoft.com/office/powerpoint/2010/main" val="3660290202"/>
+      </p:ext>
+    </p:extLst>
+  </p:cSld>
+  <p:clrMapOvr>
+    <a:masterClrMapping/>
+  </p:clrMapOvr>
+</p:notes>
+</file>
+
+<file path=ppt/notesSlides/notesSlide4.xml><?xml version="1.0" encoding="utf-8"?>
+<p:notes xmlns:a="http://schemas.openxmlformats.org/drawingml/2006/main" xmlns:r="http://schemas.openxmlformats.org/officeDocument/2006/relationships" xmlns:p="http://schemas.openxmlformats.org/presentationml/2006/main">
+  <p:cSld>
+    <p:spTree>
+      <p:nvGrpSpPr>
+        <p:cNvPr id="1" name=""/>
+        <p:cNvGrpSpPr/>
+        <p:nvPr/>
+      </p:nvGrpSpPr>
+      <p:grpSpPr>
+        <a:xfrm>
+          <a:off x="0" y="0"/>
+          <a:ext cx="0" cy="0"/>
+          <a:chOff x="0" y="0"/>
+          <a:chExt cx="0" cy="0"/>
+        </a:xfrm>
+      </p:grpSpPr>
+      <p:sp>
+        <p:nvSpPr>
+          <p:cNvPr id="2" name="Slide Image Placeholder 1"/>
+          <p:cNvSpPr>
+            <a:spLocks noGrp="1" noRot="1" noChangeAspect="1"/>
+          </p:cNvSpPr>
+          <p:nvPr>
+            <p:ph type="sldImg"/>
+          </p:nvPr>
+        </p:nvSpPr>
+        <p:spPr/>
+      </p:sp>
+      <p:sp>
+        <p:nvSpPr>
+          <p:cNvPr id="3" name="Notes Placeholder 2"/>
+          <p:cNvSpPr>
+            <a:spLocks noGrp="1"/>
+          </p:cNvSpPr>
+          <p:nvPr>
+            <p:ph type="body" idx="1"/>
+          </p:nvPr>
+        </p:nvSpPr>
+        <p:spPr/>
+        <p:txBody>
+          <a:bodyPr/>
+          <a:lstStyle/>
+          <a:p>
+            <a:endParaRPr lang="en-US"/>
+          </a:p>
+        </p:txBody>
+      </p:sp>
+      <p:sp>
+        <p:nvSpPr>
+          <p:cNvPr id="5" name="Header Placeholder 4"/>
+          <p:cNvSpPr>
+            <a:spLocks noGrp="1"/>
+          </p:cNvSpPr>
+          <p:nvPr>
+            <p:ph type="hdr" sz="quarter" idx="11"/>
+          </p:nvPr>
+        </p:nvSpPr>
+        <p:spPr/>
+        <p:txBody>
+          <a:bodyPr/>
+          <a:lstStyle/>
+          <a:p>
+            <a:r>
+              <a:rPr lang="en-US" smtClean="0"/>
+              <a:t>Aho Corasick</a:t>
+            </a:r>
+            <a:endParaRPr lang="en-US"/>
+          </a:p>
+        </p:txBody>
+      </p:sp>
+      <p:sp>
+        <p:nvSpPr>
+          <p:cNvPr id="7" name="Date Placeholder 6"/>
+          <p:cNvSpPr>
+            <a:spLocks noGrp="1"/>
+          </p:cNvSpPr>
+          <p:nvPr>
+            <p:ph type="dt" idx="12"/>
+          </p:nvPr>
+        </p:nvSpPr>
+        <p:spPr/>
+        <p:txBody>
+          <a:bodyPr/>
+          <a:lstStyle/>
+          <a:p>
+            <a:r>
+              <a:rPr lang="en-US" smtClean="0"/>
+              <a:t>Aho Corasick</a:t>
+            </a:r>
             <a:endParaRPr lang="en-US"/>
           </a:p>
         </p:txBody>
@@ -919,6 +1413,113 @@
     <p:extLst>
       <p:ext uri="{BB962C8B-B14F-4D97-AF65-F5344CB8AC3E}">
         <p14:creationId xmlns:p14="http://schemas.microsoft.com/office/powerpoint/2010/main" val="2658145764"/>
+      </p:ext>
+    </p:extLst>
+  </p:cSld>
+  <p:clrMapOvr>
+    <a:masterClrMapping/>
+  </p:clrMapOvr>
+</p:notes>
+</file>
+
+<file path=ppt/notesSlides/notesSlide5.xml><?xml version="1.0" encoding="utf-8"?>
+<p:notes xmlns:a="http://schemas.openxmlformats.org/drawingml/2006/main" xmlns:r="http://schemas.openxmlformats.org/officeDocument/2006/relationships" xmlns:p="http://schemas.openxmlformats.org/presentationml/2006/main">
+  <p:cSld>
+    <p:spTree>
+      <p:nvGrpSpPr>
+        <p:cNvPr id="1" name=""/>
+        <p:cNvGrpSpPr/>
+        <p:nvPr/>
+      </p:nvGrpSpPr>
+      <p:grpSpPr>
+        <a:xfrm>
+          <a:off x="0" y="0"/>
+          <a:ext cx="0" cy="0"/>
+          <a:chOff x="0" y="0"/>
+          <a:chExt cx="0" cy="0"/>
+        </a:xfrm>
+      </p:grpSpPr>
+      <p:sp>
+        <p:nvSpPr>
+          <p:cNvPr id="2" name="Slide Image Placeholder 1"/>
+          <p:cNvSpPr>
+            <a:spLocks noGrp="1" noRot="1" noChangeAspect="1"/>
+          </p:cNvSpPr>
+          <p:nvPr>
+            <p:ph type="sldImg"/>
+          </p:nvPr>
+        </p:nvSpPr>
+        <p:spPr/>
+      </p:sp>
+      <p:sp>
+        <p:nvSpPr>
+          <p:cNvPr id="3" name="Notes Placeholder 2"/>
+          <p:cNvSpPr>
+            <a:spLocks noGrp="1"/>
+          </p:cNvSpPr>
+          <p:nvPr>
+            <p:ph type="body" idx="1"/>
+          </p:nvPr>
+        </p:nvSpPr>
+        <p:spPr/>
+        <p:txBody>
+          <a:bodyPr/>
+          <a:lstStyle/>
+          <a:p>
+            <a:endParaRPr lang="en-US"/>
+          </a:p>
+        </p:txBody>
+      </p:sp>
+      <p:sp>
+        <p:nvSpPr>
+          <p:cNvPr id="5" name="Header Placeholder 4"/>
+          <p:cNvSpPr>
+            <a:spLocks noGrp="1"/>
+          </p:cNvSpPr>
+          <p:nvPr>
+            <p:ph type="hdr" sz="quarter" idx="11"/>
+          </p:nvPr>
+        </p:nvSpPr>
+        <p:spPr/>
+        <p:txBody>
+          <a:bodyPr/>
+          <a:lstStyle/>
+          <a:p>
+            <a:r>
+              <a:rPr lang="en-US" smtClean="0"/>
+              <a:t>Aho Corasick</a:t>
+            </a:r>
+            <a:endParaRPr lang="en-US"/>
+          </a:p>
+        </p:txBody>
+      </p:sp>
+      <p:sp>
+        <p:nvSpPr>
+          <p:cNvPr id="7" name="Date Placeholder 6"/>
+          <p:cNvSpPr>
+            <a:spLocks noGrp="1"/>
+          </p:cNvSpPr>
+          <p:nvPr>
+            <p:ph type="dt" idx="12"/>
+          </p:nvPr>
+        </p:nvSpPr>
+        <p:spPr/>
+        <p:txBody>
+          <a:bodyPr/>
+          <a:lstStyle/>
+          <a:p>
+            <a:r>
+              <a:rPr lang="en-US" smtClean="0"/>
+              <a:t>Aho Corasick</a:t>
+            </a:r>
+            <a:endParaRPr lang="en-US"/>
+          </a:p>
+        </p:txBody>
+      </p:sp>
+    </p:spTree>
+    <p:extLst>
+      <p:ext uri="{BB962C8B-B14F-4D97-AF65-F5344CB8AC3E}">
+        <p14:creationId xmlns:p14="http://schemas.microsoft.com/office/powerpoint/2010/main" val="4115858674"/>
       </p:ext>
     </p:extLst>
   </p:cSld>
@@ -1117,7 +1718,7 @@
           <a:bodyPr/>
           <a:lstStyle/>
           <a:p>
-            <a:fld id="{96AC2CD6-023B-4CDE-9932-5D3DC156D88B}" type="datetime1">
+            <a:fld id="{10AB2A60-9D09-4FC2-963E-6E50436053E8}" type="datetime1">
               <a:rPr lang="en-US" smtClean="0"/>
               <a:t>3/3/2017</a:t>
             </a:fld>
@@ -1328,7 +1929,7 @@
           <a:bodyPr/>
           <a:lstStyle/>
           <a:p>
-            <a:fld id="{AE00D8FC-CF2B-4446-9529-16EF6197226F}" type="datetime1">
+            <a:fld id="{9708B9CE-1DED-422A-90D0-B5ABE9399CB9}" type="datetime1">
               <a:rPr lang="en-US" smtClean="0"/>
               <a:t>3/3/2017</a:t>
             </a:fld>
@@ -1509,7 +2110,7 @@
           <a:bodyPr/>
           <a:lstStyle/>
           <a:p>
-            <a:fld id="{E6A6BE11-F643-4E0A-841A-C5B8B074FA16}" type="datetime1">
+            <a:fld id="{010EF248-0EE1-4687-A006-BF6BFECBBB9B}" type="datetime1">
               <a:rPr lang="en-US" smtClean="0"/>
               <a:t>3/3/2017</a:t>
             </a:fld>
@@ -1680,7 +2281,7 @@
           <a:bodyPr/>
           <a:lstStyle/>
           <a:p>
-            <a:fld id="{4D9CEAD5-86D5-402E-B169-C0616679B884}" type="datetime1">
+            <a:fld id="{3AA6B713-10B5-46C3-8B85-3DFA579FC447}" type="datetime1">
               <a:rPr lang="en-US" smtClean="0"/>
               <a:t>3/3/2017</a:t>
             </a:fld>
@@ -1935,7 +2536,7 @@
           <a:bodyPr/>
           <a:lstStyle/>
           <a:p>
-            <a:fld id="{A462B713-ACFF-4642-885A-97F1B89CC5A9}" type="datetime1">
+            <a:fld id="{65E8495B-3E54-4C8E-BB8D-2C2EB03FC664}" type="datetime1">
               <a:rPr lang="en-US" smtClean="0"/>
               <a:t>3/3/2017</a:t>
             </a:fld>
@@ -2262,7 +2863,7 @@
           <a:bodyPr/>
           <a:lstStyle/>
           <a:p>
-            <a:fld id="{4457A2EA-462E-4591-9CAD-892B070FF139}" type="datetime1">
+            <a:fld id="{F304DAF8-0582-4C08-8751-7B6BE403B03A}" type="datetime1">
               <a:rPr lang="en-US" smtClean="0"/>
               <a:t>3/3/2017</a:t>
             </a:fld>
@@ -2714,7 +3315,7 @@
           <a:bodyPr/>
           <a:lstStyle/>
           <a:p>
-            <a:fld id="{8BC11ABF-77F0-4059-BB9F-F0C1B4B57789}" type="datetime1">
+            <a:fld id="{177416ED-F640-4E0B-9AF1-C7031CB8CC5A}" type="datetime1">
               <a:rPr lang="en-US" smtClean="0"/>
               <a:t>3/3/2017</a:t>
             </a:fld>
@@ -2833,7 +3434,7 @@
           <a:bodyPr/>
           <a:lstStyle/>
           <a:p>
-            <a:fld id="{EB3433B6-3B11-4507-836D-DA6BCA03F621}" type="datetime1">
+            <a:fld id="{57818DF9-6B93-46C9-8741-F4E65A3FDF44}" type="datetime1">
               <a:rPr lang="en-US" smtClean="0"/>
               <a:t>3/3/2017</a:t>
             </a:fld>
@@ -2929,7 +3530,7 @@
           <a:bodyPr/>
           <a:lstStyle/>
           <a:p>
-            <a:fld id="{5D4AD9AE-2203-459F-B4EC-ECE6B38A31C8}" type="datetime1">
+            <a:fld id="{7BEA75EE-F486-4400-AE10-4EA93375EC57}" type="datetime1">
               <a:rPr lang="en-US" smtClean="0"/>
               <a:t>3/3/2017</a:t>
             </a:fld>
@@ -3217,7 +3818,7 @@
           <a:bodyPr/>
           <a:lstStyle/>
           <a:p>
-            <a:fld id="{A8E28AE8-C18E-4F63-8AEF-C4F497E7C01D}" type="datetime1">
+            <a:fld id="{8530D432-21A3-41B2-AEE6-4FEC795B2D42}" type="datetime1">
               <a:rPr lang="en-US" smtClean="0"/>
               <a:t>3/3/2017</a:t>
             </a:fld>
@@ -3536,7 +4137,7 @@
           <a:bodyPr/>
           <a:lstStyle/>
           <a:p>
-            <a:fld id="{0FEFD065-30A2-40A2-98DA-67A3FDAE87A7}" type="datetime1">
+            <a:fld id="{8FE46BFE-5764-41E8-8758-E2462044C816}" type="datetime1">
               <a:rPr lang="en-US" smtClean="0"/>
               <a:t>3/3/2017</a:t>
             </a:fld>
@@ -3789,7 +4390,7 @@
             </a:lvl1pPr>
           </a:lstStyle>
           <a:p>
-            <a:fld id="{2FEDAD74-5D77-4CD9-B184-D57F173EF5A9}" type="datetime1">
+            <a:fld id="{C6E1B883-C985-4F40-B7D3-4F9A855BDE97}" type="datetime1">
               <a:rPr lang="en-US" smtClean="0"/>
               <a:t>3/3/2017</a:t>
             </a:fld>
@@ -4328,11 +4929,11 @@
               <a:t>para </a:t>
             </a:r>
             <a:r>
-              <a:rPr lang="es-ES" sz="4800"/>
+              <a:rPr lang="es-ES" sz="4800" dirty="0"/>
               <a:t>la </a:t>
             </a:r>
             <a:r>
-              <a:rPr lang="es-ES" sz="4800" smtClean="0"/>
+              <a:rPr lang="es-ES" sz="4800" dirty="0" smtClean="0"/>
               <a:t>búsqueda </a:t>
             </a:r>
             <a:r>
@@ -4555,32 +5156,6 @@
             </a:r>
           </a:p>
           <a:p>
-            <a:endParaRPr lang="en-US" dirty="0"/>
-          </a:p>
-        </p:txBody>
-      </p:sp>
-      <p:sp>
-        <p:nvSpPr>
-          <p:cNvPr id="6" name="Slide Number Placeholder 5"/>
-          <p:cNvSpPr>
-            <a:spLocks noGrp="1"/>
-          </p:cNvSpPr>
-          <p:nvPr>
-            <p:ph type="sldNum" sz="quarter" idx="12"/>
-          </p:nvPr>
-        </p:nvSpPr>
-        <p:spPr/>
-        <p:txBody>
-          <a:bodyPr>
-            <a:normAutofit lnSpcReduction="10000"/>
-          </a:bodyPr>
-          <a:lstStyle/>
-          <a:p>
-            <a:fld id="{D57F1E4F-1CFF-5643-939E-217C01CDF565}" type="slidenum">
-              <a:rPr lang="en-US" smtClean="0"/>
-              <a:pPr/>
-              <a:t>1</a:t>
-            </a:fld>
             <a:endParaRPr lang="en-US" dirty="0"/>
           </a:p>
         </p:txBody>
@@ -4645,19 +5220,7 @@
           <a:bodyPr/>
           <a:lstStyle/>
           <a:p>
-            <a:r>
-              <a:rPr lang="en-US" dirty="0" err="1" smtClean="0"/>
-              <a:t>Experimentos</a:t>
-            </a:r>
-            <a:r>
-              <a:rPr lang="en-US" dirty="0" smtClean="0"/>
-              <a:t> </a:t>
-            </a:r>
-            <a:r>
-              <a:rPr lang="en-US" dirty="0" err="1" smtClean="0"/>
-              <a:t>Realizados</a:t>
-            </a:r>
-            <a:endParaRPr lang="en-US" dirty="0"/>
+            <a:endParaRPr lang="en-US"/>
           </a:p>
         </p:txBody>
       </p:sp>
@@ -4706,10 +5269,48 @@
           </a:p>
         </p:txBody>
       </p:sp>
+      <p:sp>
+        <p:nvSpPr>
+          <p:cNvPr id="6" name="TextBox 5"/>
+          <p:cNvSpPr txBox="1"/>
+          <p:nvPr/>
+        </p:nvSpPr>
+        <p:spPr>
+          <a:xfrm>
+            <a:off x="9169401" y="93116"/>
+            <a:ext cx="2472267" cy="338554"/>
+          </a:xfrm>
+          <a:prstGeom prst="rect">
+            <a:avLst/>
+          </a:prstGeom>
+          <a:noFill/>
+        </p:spPr>
+        <p:txBody>
+          <a:bodyPr wrap="square" rtlCol="0">
+            <a:spAutoFit/>
+          </a:bodyPr>
+          <a:lstStyle/>
+          <a:p>
+            <a:r>
+              <a:rPr lang="en-US" sz="1600" dirty="0" smtClean="0">
+                <a:solidFill>
+                  <a:srgbClr val="0070C0"/>
+                </a:solidFill>
+              </a:rPr>
+              <a:t>AHO-CORASICK</a:t>
+            </a:r>
+            <a:endParaRPr lang="en-US" sz="1600" dirty="0">
+              <a:solidFill>
+                <a:srgbClr val="0070C0"/>
+              </a:solidFill>
+            </a:endParaRPr>
+          </a:p>
+        </p:txBody>
+      </p:sp>
     </p:spTree>
     <p:extLst>
       <p:ext uri="{BB962C8B-B14F-4D97-AF65-F5344CB8AC3E}">
-        <p14:creationId xmlns:p14="http://schemas.microsoft.com/office/powerpoint/2010/main" val="1084438022"/>
+        <p14:creationId xmlns:p14="http://schemas.microsoft.com/office/powerpoint/2010/main" val="3079765301"/>
       </p:ext>
     </p:extLst>
   </p:cSld>
@@ -4812,6 +5413,44 @@
               <a:t>11</a:t>
             </a:fld>
             <a:endParaRPr lang="en-US" dirty="0"/>
+          </a:p>
+        </p:txBody>
+      </p:sp>
+      <p:sp>
+        <p:nvSpPr>
+          <p:cNvPr id="6" name="TextBox 5"/>
+          <p:cNvSpPr txBox="1"/>
+          <p:nvPr/>
+        </p:nvSpPr>
+        <p:spPr>
+          <a:xfrm>
+            <a:off x="9169401" y="93116"/>
+            <a:ext cx="2472267" cy="338554"/>
+          </a:xfrm>
+          <a:prstGeom prst="rect">
+            <a:avLst/>
+          </a:prstGeom>
+          <a:noFill/>
+        </p:spPr>
+        <p:txBody>
+          <a:bodyPr wrap="square" rtlCol="0">
+            <a:spAutoFit/>
+          </a:bodyPr>
+          <a:lstStyle/>
+          <a:p>
+            <a:r>
+              <a:rPr lang="en-US" sz="1600" dirty="0" smtClean="0">
+                <a:solidFill>
+                  <a:srgbClr val="0070C0"/>
+                </a:solidFill>
+              </a:rPr>
+              <a:t>AHO-CORASICK</a:t>
+            </a:r>
+            <a:endParaRPr lang="en-US" sz="1600" dirty="0">
+              <a:solidFill>
+                <a:srgbClr val="0070C0"/>
+              </a:solidFill>
+            </a:endParaRPr>
           </a:p>
         </p:txBody>
       </p:sp>
@@ -4875,7 +5514,19 @@
           <a:bodyPr/>
           <a:lstStyle/>
           <a:p>
-            <a:endParaRPr lang="en-US"/>
+            <a:r>
+              <a:rPr lang="en-US" dirty="0" err="1" smtClean="0"/>
+              <a:t>Resultados</a:t>
+            </a:r>
+            <a:r>
+              <a:rPr lang="en-US" dirty="0" smtClean="0"/>
+              <a:t> </a:t>
+            </a:r>
+            <a:r>
+              <a:rPr lang="en-US" dirty="0" err="1" smtClean="0"/>
+              <a:t>obtenidos</a:t>
+            </a:r>
+            <a:endParaRPr lang="en-US" dirty="0"/>
           </a:p>
         </p:txBody>
       </p:sp>
@@ -4894,7 +5545,7 @@
           <a:bodyPr/>
           <a:lstStyle/>
           <a:p>
-            <a:endParaRPr lang="en-US"/>
+            <a:endParaRPr lang="en-US" dirty="0"/>
           </a:p>
         </p:txBody>
       </p:sp>
@@ -4924,10 +5575,48 @@
           </a:p>
         </p:txBody>
       </p:sp>
+      <p:sp>
+        <p:nvSpPr>
+          <p:cNvPr id="6" name="TextBox 5"/>
+          <p:cNvSpPr txBox="1"/>
+          <p:nvPr/>
+        </p:nvSpPr>
+        <p:spPr>
+          <a:xfrm>
+            <a:off x="9169401" y="93116"/>
+            <a:ext cx="2472267" cy="338554"/>
+          </a:xfrm>
+          <a:prstGeom prst="rect">
+            <a:avLst/>
+          </a:prstGeom>
+          <a:noFill/>
+        </p:spPr>
+        <p:txBody>
+          <a:bodyPr wrap="square" rtlCol="0">
+            <a:spAutoFit/>
+          </a:bodyPr>
+          <a:lstStyle/>
+          <a:p>
+            <a:r>
+              <a:rPr lang="en-US" sz="1600" dirty="0" smtClean="0">
+                <a:solidFill>
+                  <a:srgbClr val="0070C0"/>
+                </a:solidFill>
+              </a:rPr>
+              <a:t>AHO-CORASICK</a:t>
+            </a:r>
+            <a:endParaRPr lang="en-US" sz="1600" dirty="0">
+              <a:solidFill>
+                <a:srgbClr val="0070C0"/>
+              </a:solidFill>
+            </a:endParaRPr>
+          </a:p>
+        </p:txBody>
+      </p:sp>
     </p:spTree>
     <p:extLst>
       <p:ext uri="{BB962C8B-B14F-4D97-AF65-F5344CB8AC3E}">
-        <p14:creationId xmlns:p14="http://schemas.microsoft.com/office/powerpoint/2010/main" val="2616014518"/>
+        <p14:creationId xmlns:p14="http://schemas.microsoft.com/office/powerpoint/2010/main" val="241367451"/>
       </p:ext>
     </p:extLst>
   </p:cSld>
@@ -4984,19 +5673,7 @@
           <a:bodyPr/>
           <a:lstStyle/>
           <a:p>
-            <a:r>
-              <a:rPr lang="en-US" dirty="0" err="1" smtClean="0"/>
-              <a:t>Resultados</a:t>
-            </a:r>
-            <a:r>
-              <a:rPr lang="en-US" dirty="0" smtClean="0"/>
-              <a:t> </a:t>
-            </a:r>
-            <a:r>
-              <a:rPr lang="en-US" dirty="0" err="1" smtClean="0"/>
-              <a:t>obtenidos</a:t>
-            </a:r>
-            <a:endParaRPr lang="en-US" dirty="0"/>
+            <a:endParaRPr lang="en-US"/>
           </a:p>
         </p:txBody>
       </p:sp>
@@ -5015,7 +5692,7 @@
           <a:bodyPr/>
           <a:lstStyle/>
           <a:p>
-            <a:endParaRPr lang="en-US" dirty="0"/>
+            <a:endParaRPr lang="en-US"/>
           </a:p>
         </p:txBody>
       </p:sp>
@@ -5045,10 +5722,48 @@
           </a:p>
         </p:txBody>
       </p:sp>
+      <p:sp>
+        <p:nvSpPr>
+          <p:cNvPr id="6" name="TextBox 5"/>
+          <p:cNvSpPr txBox="1"/>
+          <p:nvPr/>
+        </p:nvSpPr>
+        <p:spPr>
+          <a:xfrm>
+            <a:off x="9169401" y="93116"/>
+            <a:ext cx="2472267" cy="338554"/>
+          </a:xfrm>
+          <a:prstGeom prst="rect">
+            <a:avLst/>
+          </a:prstGeom>
+          <a:noFill/>
+        </p:spPr>
+        <p:txBody>
+          <a:bodyPr wrap="square" rtlCol="0">
+            <a:spAutoFit/>
+          </a:bodyPr>
+          <a:lstStyle/>
+          <a:p>
+            <a:r>
+              <a:rPr lang="en-US" sz="1600" dirty="0" smtClean="0">
+                <a:solidFill>
+                  <a:srgbClr val="0070C0"/>
+                </a:solidFill>
+              </a:rPr>
+              <a:t>AHO-CORASICK</a:t>
+            </a:r>
+            <a:endParaRPr lang="en-US" sz="1600" dirty="0">
+              <a:solidFill>
+                <a:srgbClr val="0070C0"/>
+              </a:solidFill>
+            </a:endParaRPr>
+          </a:p>
+        </p:txBody>
+      </p:sp>
     </p:spTree>
     <p:extLst>
       <p:ext uri="{BB962C8B-B14F-4D97-AF65-F5344CB8AC3E}">
-        <p14:creationId xmlns:p14="http://schemas.microsoft.com/office/powerpoint/2010/main" val="241367451"/>
+        <p14:creationId xmlns:p14="http://schemas.microsoft.com/office/powerpoint/2010/main" val="2616014518"/>
       </p:ext>
     </p:extLst>
   </p:cSld>
@@ -5151,6 +5866,44 @@
               <a:t>14</a:t>
             </a:fld>
             <a:endParaRPr lang="en-US" dirty="0"/>
+          </a:p>
+        </p:txBody>
+      </p:sp>
+      <p:sp>
+        <p:nvSpPr>
+          <p:cNvPr id="6" name="TextBox 5"/>
+          <p:cNvSpPr txBox="1"/>
+          <p:nvPr/>
+        </p:nvSpPr>
+        <p:spPr>
+          <a:xfrm>
+            <a:off x="9169401" y="93116"/>
+            <a:ext cx="2472267" cy="338554"/>
+          </a:xfrm>
+          <a:prstGeom prst="rect">
+            <a:avLst/>
+          </a:prstGeom>
+          <a:noFill/>
+        </p:spPr>
+        <p:txBody>
+          <a:bodyPr wrap="square" rtlCol="0">
+            <a:spAutoFit/>
+          </a:bodyPr>
+          <a:lstStyle/>
+          <a:p>
+            <a:r>
+              <a:rPr lang="en-US" sz="1600" dirty="0" smtClean="0">
+                <a:solidFill>
+                  <a:srgbClr val="0070C0"/>
+                </a:solidFill>
+              </a:rPr>
+              <a:t>AHO-CORASICK</a:t>
+            </a:r>
+            <a:endParaRPr lang="en-US" sz="1600" dirty="0">
+              <a:solidFill>
+                <a:srgbClr val="0070C0"/>
+              </a:solidFill>
+            </a:endParaRPr>
           </a:p>
         </p:txBody>
       </p:sp>
@@ -5215,11 +5968,11 @@
           <a:lstStyle/>
           <a:p>
             <a:r>
-              <a:rPr lang="en-US" dirty="0" err="1" smtClean="0"/>
+              <a:rPr lang="en-US" dirty="0" err="1"/>
               <a:t>Tiempos</a:t>
             </a:r>
             <a:r>
-              <a:rPr lang="en-US" dirty="0" smtClean="0"/>
+              <a:rPr lang="en-US" dirty="0"/>
               <a:t> de </a:t>
             </a:r>
             <a:r>
@@ -5232,7 +5985,7 @@
             </a:r>
             <a:r>
               <a:rPr lang="en-US" dirty="0" err="1" smtClean="0"/>
-              <a:t>complejidad</a:t>
+              <a:t>Complejidad</a:t>
             </a:r>
             <a:endParaRPr lang="en-US" dirty="0"/>
           </a:p>
@@ -5248,68 +6001,45 @@
             <p:ph idx="1"/>
           </p:nvPr>
         </p:nvSpPr>
-        <p:spPr/>
+        <p:spPr>
+          <a:xfrm>
+            <a:off x="1067138" y="1979132"/>
+            <a:ext cx="8595360" cy="4319538"/>
+          </a:xfrm>
+        </p:spPr>
         <p:txBody>
           <a:bodyPr/>
           <a:lstStyle/>
           <a:p>
             <a:r>
-              <a:rPr lang="en-US" dirty="0"/>
-              <a:t>El </a:t>
-            </a:r>
-            <a:r>
-              <a:rPr lang="en-US" dirty="0" err="1"/>
-              <a:t>tiempo</a:t>
-            </a:r>
-            <a:r>
-              <a:rPr lang="en-US" dirty="0"/>
-              <a:t> de </a:t>
-            </a:r>
-            <a:r>
-              <a:rPr lang="en-US" dirty="0" err="1"/>
-              <a:t>ejecucion</a:t>
-            </a:r>
-            <a:r>
-              <a:rPr lang="en-US" dirty="0"/>
-              <a:t> </a:t>
-            </a:r>
-            <a:r>
-              <a:rPr lang="en-US" dirty="0" err="1"/>
-              <a:t>es</a:t>
-            </a:r>
-            <a:r>
-              <a:rPr lang="en-US" dirty="0"/>
-              <a:t> </a:t>
-            </a:r>
-            <a:r>
-              <a:rPr lang="en-US" dirty="0" err="1"/>
-              <a:t>proporcional</a:t>
-            </a:r>
-            <a:r>
-              <a:rPr lang="en-US" dirty="0"/>
-              <a:t> a la </a:t>
-            </a:r>
-            <a:r>
-              <a:rPr lang="en-US" dirty="0" err="1"/>
-              <a:t>suma</a:t>
-            </a:r>
-            <a:r>
-              <a:rPr lang="en-US" dirty="0"/>
-              <a:t> de las longitudes de </a:t>
-            </a:r>
-            <a:r>
-              <a:rPr lang="en-US" dirty="0" err="1"/>
-              <a:t>cada</a:t>
-            </a:r>
-            <a:r>
-              <a:rPr lang="en-US" dirty="0"/>
-              <a:t> palabra </a:t>
-            </a:r>
-            <a:r>
-              <a:rPr lang="en-US" dirty="0" err="1"/>
-              <a:t>buscada</a:t>
-            </a:r>
-            <a:endParaRPr lang="en-US" dirty="0"/>
+              <a:rPr lang="es-ES" dirty="0" smtClean="0"/>
+              <a:t>El tiempo de ejecución es el intervalo </a:t>
+            </a:r>
+            <a:r>
+              <a:rPr lang="es-ES" dirty="0"/>
+              <a:t>de tiempo en el que un programa de computadora se ejecuta en un sistema </a:t>
+            </a:r>
+            <a:r>
+              <a:rPr lang="es-ES" dirty="0" smtClean="0"/>
+              <a:t>operativo</a:t>
+            </a:r>
+          </a:p>
+          <a:p>
+            <a:endParaRPr lang="es-ES" dirty="0"/>
+          </a:p>
+          <a:p>
+            <a:r>
+              <a:rPr lang="es-ES" dirty="0"/>
+              <a:t>La complejidad no es un </a:t>
+            </a:r>
+            <a:r>
+              <a:rPr lang="es-ES" dirty="0" smtClean="0"/>
+              <a:t>número, </a:t>
+            </a:r>
+            <a:r>
+              <a:rPr lang="es-ES" dirty="0"/>
+              <a:t>es una función</a:t>
+            </a:r>
           </a:p>
           <a:p>
             <a:endParaRPr lang="en-US" dirty="0"/>
@@ -5342,10 +6072,48 @@
           </a:p>
         </p:txBody>
       </p:sp>
+      <p:sp>
+        <p:nvSpPr>
+          <p:cNvPr id="6" name="TextBox 5"/>
+          <p:cNvSpPr txBox="1"/>
+          <p:nvPr/>
+        </p:nvSpPr>
+        <p:spPr>
+          <a:xfrm>
+            <a:off x="9169401" y="93116"/>
+            <a:ext cx="2472267" cy="338554"/>
+          </a:xfrm>
+          <a:prstGeom prst="rect">
+            <a:avLst/>
+          </a:prstGeom>
+          <a:noFill/>
+        </p:spPr>
+        <p:txBody>
+          <a:bodyPr wrap="square" rtlCol="0">
+            <a:spAutoFit/>
+          </a:bodyPr>
+          <a:lstStyle/>
+          <a:p>
+            <a:r>
+              <a:rPr lang="en-US" sz="1600" dirty="0" smtClean="0">
+                <a:solidFill>
+                  <a:srgbClr val="0070C0"/>
+                </a:solidFill>
+              </a:rPr>
+              <a:t>AHO-CORASICK</a:t>
+            </a:r>
+            <a:endParaRPr lang="en-US" sz="1600" dirty="0">
+              <a:solidFill>
+                <a:srgbClr val="0070C0"/>
+              </a:solidFill>
+            </a:endParaRPr>
+          </a:p>
+        </p:txBody>
+      </p:sp>
     </p:spTree>
     <p:extLst>
       <p:ext uri="{BB962C8B-B14F-4D97-AF65-F5344CB8AC3E}">
-        <p14:creationId xmlns:p14="http://schemas.microsoft.com/office/powerpoint/2010/main" val="3818421354"/>
+        <p14:creationId xmlns:p14="http://schemas.microsoft.com/office/powerpoint/2010/main" val="3281805327"/>
       </p:ext>
     </p:extLst>
   </p:cSld>
@@ -5389,25 +6157,6 @@
       </p:grpSpPr>
       <p:sp>
         <p:nvSpPr>
-          <p:cNvPr id="2" name="Title 1"/>
-          <p:cNvSpPr>
-            <a:spLocks noGrp="1"/>
-          </p:cNvSpPr>
-          <p:nvPr>
-            <p:ph type="title"/>
-          </p:nvPr>
-        </p:nvSpPr>
-        <p:spPr/>
-        <p:txBody>
-          <a:bodyPr/>
-          <a:lstStyle/>
-          <a:p>
-            <a:endParaRPr lang="en-US" dirty="0"/>
-          </a:p>
-        </p:txBody>
-      </p:sp>
-      <p:sp>
-        <p:nvSpPr>
           <p:cNvPr id="3" name="Content Placeholder 2"/>
           <p:cNvSpPr>
             <a:spLocks noGrp="1"/>
@@ -5418,42 +6167,144 @@
         </p:nvSpPr>
         <p:spPr>
           <a:xfrm>
-            <a:off x="3361604" y="5858933"/>
-            <a:ext cx="5325195" cy="465667"/>
+            <a:off x="796207" y="4588933"/>
+            <a:ext cx="8595360" cy="761470"/>
           </a:xfrm>
         </p:spPr>
         <p:txBody>
+          <a:bodyPr/>
+          <a:lstStyle/>
+          <a:p>
+            <a:r>
+              <a:rPr lang="en-US" dirty="0"/>
+              <a:t>El </a:t>
+            </a:r>
+            <a:r>
+              <a:rPr lang="en-US" dirty="0" err="1"/>
+              <a:t>tiempo</a:t>
+            </a:r>
+            <a:r>
+              <a:rPr lang="en-US" dirty="0"/>
+              <a:t> de </a:t>
+            </a:r>
+            <a:r>
+              <a:rPr lang="en-US" dirty="0" err="1"/>
+              <a:t>ejecucion</a:t>
+            </a:r>
+            <a:r>
+              <a:rPr lang="en-US" dirty="0"/>
+              <a:t> </a:t>
+            </a:r>
+            <a:r>
+              <a:rPr lang="en-US" dirty="0" err="1"/>
+              <a:t>es</a:t>
+            </a:r>
+            <a:r>
+              <a:rPr lang="en-US" dirty="0"/>
+              <a:t> </a:t>
+            </a:r>
+            <a:r>
+              <a:rPr lang="en-US" dirty="0" err="1"/>
+              <a:t>proporcional</a:t>
+            </a:r>
+            <a:r>
+              <a:rPr lang="en-US" dirty="0"/>
+              <a:t> a la </a:t>
+            </a:r>
+            <a:r>
+              <a:rPr lang="en-US" dirty="0" err="1"/>
+              <a:t>suma</a:t>
+            </a:r>
+            <a:r>
+              <a:rPr lang="en-US" dirty="0"/>
+              <a:t> de las longitudes de </a:t>
+            </a:r>
+            <a:r>
+              <a:rPr lang="en-US" dirty="0" err="1"/>
+              <a:t>cada</a:t>
+            </a:r>
+            <a:r>
+              <a:rPr lang="en-US" dirty="0"/>
+              <a:t> palabra </a:t>
+            </a:r>
+            <a:r>
+              <a:rPr lang="en-US" dirty="0" err="1"/>
+              <a:t>buscada</a:t>
+            </a:r>
+            <a:endParaRPr lang="en-US" dirty="0"/>
+          </a:p>
+          <a:p>
+            <a:endParaRPr lang="en-US" dirty="0"/>
+          </a:p>
+        </p:txBody>
+      </p:sp>
+      <p:sp>
+        <p:nvSpPr>
+          <p:cNvPr id="4" name="Slide Number Placeholder 3"/>
+          <p:cNvSpPr>
+            <a:spLocks noGrp="1"/>
+          </p:cNvSpPr>
+          <p:nvPr>
+            <p:ph type="sldNum" sz="quarter" idx="12"/>
+          </p:nvPr>
+        </p:nvSpPr>
+        <p:spPr/>
+        <p:txBody>
           <a:bodyPr>
-            <a:normAutofit/>
+            <a:normAutofit lnSpcReduction="10000"/>
           </a:bodyPr>
           <a:lstStyle/>
           <a:p>
-            <a:r>
-              <a:rPr lang="en-US" sz="1200" dirty="0" err="1" smtClean="0"/>
-              <a:t>En</a:t>
-            </a:r>
-            <a:r>
-              <a:rPr lang="en-US" sz="1200" dirty="0" smtClean="0"/>
-              <a:t> </a:t>
-            </a:r>
-            <a:r>
-              <a:rPr lang="en-US" sz="1200" dirty="0" err="1" smtClean="0"/>
-              <a:t>linea</a:t>
-            </a:r>
-            <a:r>
-              <a:rPr lang="en-US" sz="1200" dirty="0" smtClean="0"/>
-              <a:t>: https</a:t>
-            </a:r>
-            <a:r>
-              <a:rPr lang="en-US" sz="1200" dirty="0"/>
-              <a:t>://rootear.com/desarrollo/complejidades-algoritmos</a:t>
-            </a:r>
+            <a:fld id="{D57F1E4F-1CFF-5643-939E-217C01CDF565}" type="slidenum">
+              <a:rPr lang="en-US" smtClean="0"/>
+              <a:pPr/>
+              <a:t>16</a:t>
+            </a:fld>
+            <a:endParaRPr lang="en-US" dirty="0"/>
+          </a:p>
+        </p:txBody>
+      </p:sp>
+      <p:sp>
+        <p:nvSpPr>
+          <p:cNvPr id="6" name="TextBox 5"/>
+          <p:cNvSpPr txBox="1"/>
+          <p:nvPr/>
+        </p:nvSpPr>
+        <p:spPr>
+          <a:xfrm>
+            <a:off x="9169401" y="93116"/>
+            <a:ext cx="2472267" cy="338554"/>
+          </a:xfrm>
+          <a:prstGeom prst="rect">
+            <a:avLst/>
+          </a:prstGeom>
+          <a:noFill/>
+        </p:spPr>
+        <p:txBody>
+          <a:bodyPr wrap="square" rtlCol="0">
+            <a:spAutoFit/>
+          </a:bodyPr>
+          <a:lstStyle/>
+          <a:p>
+            <a:r>
+              <a:rPr lang="en-US" sz="1600" dirty="0" smtClean="0">
+                <a:solidFill>
+                  <a:srgbClr val="0070C0"/>
+                </a:solidFill>
+              </a:rPr>
+              <a:t>AHO-CORASICK</a:t>
+            </a:r>
+            <a:endParaRPr lang="en-US" sz="1600" dirty="0">
+              <a:solidFill>
+                <a:srgbClr val="0070C0"/>
+              </a:solidFill>
+            </a:endParaRPr>
           </a:p>
         </p:txBody>
       </p:sp>
       <p:pic>
         <p:nvPicPr>
-          <p:cNvPr id="4" name="Picture 3"/>
+          <p:cNvPr id="7" name="Picture 6"/>
           <p:cNvPicPr>
             <a:picLocks noChangeAspect="1"/>
           </p:cNvPicPr>
@@ -5473,44 +6324,18 @@
         </p:blipFill>
         <p:spPr>
           <a:xfrm>
-            <a:off x="2147887" y="1096433"/>
-            <a:ext cx="6677025" cy="4762500"/>
+            <a:off x="1714564" y="1658030"/>
+            <a:ext cx="6758646" cy="2139427"/>
           </a:xfrm>
           <a:prstGeom prst="rect">
             <a:avLst/>
           </a:prstGeom>
         </p:spPr>
       </p:pic>
-      <p:sp>
-        <p:nvSpPr>
-          <p:cNvPr id="5" name="Slide Number Placeholder 4"/>
-          <p:cNvSpPr>
-            <a:spLocks noGrp="1"/>
-          </p:cNvSpPr>
-          <p:nvPr>
-            <p:ph type="sldNum" sz="quarter" idx="12"/>
-          </p:nvPr>
-        </p:nvSpPr>
-        <p:spPr/>
-        <p:txBody>
-          <a:bodyPr>
-            <a:normAutofit lnSpcReduction="10000"/>
-          </a:bodyPr>
-          <a:lstStyle/>
-          <a:p>
-            <a:fld id="{D57F1E4F-1CFF-5643-939E-217C01CDF565}" type="slidenum">
-              <a:rPr lang="en-US" smtClean="0"/>
-              <a:pPr/>
-              <a:t>16</a:t>
-            </a:fld>
-            <a:endParaRPr lang="en-US" dirty="0"/>
-          </a:p>
-        </p:txBody>
-      </p:sp>
     </p:spTree>
     <p:extLst>
       <p:ext uri="{BB962C8B-B14F-4D97-AF65-F5344CB8AC3E}">
-        <p14:creationId xmlns:p14="http://schemas.microsoft.com/office/powerpoint/2010/main" val="2105564327"/>
+        <p14:creationId xmlns:p14="http://schemas.microsoft.com/office/powerpoint/2010/main" val="3818421354"/>
       </p:ext>
     </p:extLst>
   </p:cSld>
@@ -5581,18 +6406,90 @@
             <p:ph idx="1"/>
           </p:nvPr>
         </p:nvSpPr>
-        <p:spPr/>
-        <p:txBody>
-          <a:bodyPr/>
-          <a:lstStyle/>
-          <a:p>
-            <a:endParaRPr lang="en-US"/>
-          </a:p>
-        </p:txBody>
-      </p:sp>
-      <p:sp>
-        <p:nvSpPr>
-          <p:cNvPr id="4" name="Slide Number Placeholder 3"/>
+        <p:spPr>
+          <a:xfrm>
+            <a:off x="3361604" y="6003395"/>
+            <a:ext cx="5325195" cy="465667"/>
+          </a:xfrm>
+        </p:spPr>
+        <p:txBody>
+          <a:bodyPr>
+            <a:normAutofit/>
+          </a:bodyPr>
+          <a:lstStyle/>
+          <a:p>
+            <a:pPr marL="0" indent="0">
+              <a:buNone/>
+            </a:pPr>
+            <a:r>
+              <a:rPr lang="en-US" sz="1200" dirty="0" err="1" smtClean="0"/>
+              <a:t>Figura</a:t>
+            </a:r>
+            <a:r>
+              <a:rPr lang="en-US" sz="1200" dirty="0" smtClean="0"/>
+              <a:t> 2. “</a:t>
+            </a:r>
+            <a:r>
+              <a:rPr lang="en-US" sz="1200" dirty="0" err="1" smtClean="0"/>
+              <a:t>Complejidades</a:t>
+            </a:r>
+            <a:r>
+              <a:rPr lang="en-US" sz="1200" dirty="0" smtClean="0"/>
+              <a:t> </a:t>
+            </a:r>
+            <a:r>
+              <a:rPr lang="en-US" sz="1200" dirty="0" err="1" smtClean="0"/>
+              <a:t>típicas</a:t>
+            </a:r>
+            <a:r>
+              <a:rPr lang="en-US" sz="1200" dirty="0" smtClean="0"/>
+              <a:t> de un </a:t>
+            </a:r>
+            <a:r>
+              <a:rPr lang="en-US" sz="1100" dirty="0" err="1" smtClean="0"/>
+              <a:t>algoritmo</a:t>
+            </a:r>
+            <a:r>
+              <a:rPr lang="en-US" sz="1200" dirty="0" smtClean="0"/>
+              <a:t>”</a:t>
+            </a:r>
+            <a:endParaRPr lang="en-US" sz="1200" dirty="0"/>
+          </a:p>
+        </p:txBody>
+      </p:sp>
+      <p:pic>
+        <p:nvPicPr>
+          <p:cNvPr id="4" name="Picture 3"/>
+          <p:cNvPicPr>
+            <a:picLocks noChangeAspect="1"/>
+          </p:cNvPicPr>
+          <p:nvPr/>
+        </p:nvPicPr>
+        <p:blipFill>
+          <a:blip r:embed="rId2">
+            <a:extLst>
+              <a:ext uri="{28A0092B-C50C-407E-A947-70E740481C1C}">
+                <a14:useLocalDpi xmlns:a14="http://schemas.microsoft.com/office/drawing/2010/main" val="0"/>
+              </a:ext>
+            </a:extLst>
+          </a:blip>
+          <a:stretch>
+            <a:fillRect/>
+          </a:stretch>
+        </p:blipFill>
+        <p:spPr>
+          <a:xfrm>
+            <a:off x="2167467" y="1685516"/>
+            <a:ext cx="6053666" cy="4317879"/>
+          </a:xfrm>
+          <a:prstGeom prst="rect">
+            <a:avLst/>
+          </a:prstGeom>
+        </p:spPr>
+      </p:pic>
+      <p:sp>
+        <p:nvSpPr>
+          <p:cNvPr id="5" name="Slide Number Placeholder 4"/>
           <p:cNvSpPr>
             <a:spLocks noGrp="1"/>
           </p:cNvSpPr>
@@ -5616,10 +6513,48 @@
           </a:p>
         </p:txBody>
       </p:sp>
+      <p:sp>
+        <p:nvSpPr>
+          <p:cNvPr id="7" name="TextBox 6"/>
+          <p:cNvSpPr txBox="1"/>
+          <p:nvPr/>
+        </p:nvSpPr>
+        <p:spPr>
+          <a:xfrm>
+            <a:off x="9169401" y="93116"/>
+            <a:ext cx="2472267" cy="338554"/>
+          </a:xfrm>
+          <a:prstGeom prst="rect">
+            <a:avLst/>
+          </a:prstGeom>
+          <a:noFill/>
+        </p:spPr>
+        <p:txBody>
+          <a:bodyPr wrap="square" rtlCol="0">
+            <a:spAutoFit/>
+          </a:bodyPr>
+          <a:lstStyle/>
+          <a:p>
+            <a:r>
+              <a:rPr lang="en-US" sz="1600" dirty="0" smtClean="0">
+                <a:solidFill>
+                  <a:srgbClr val="0070C0"/>
+                </a:solidFill>
+              </a:rPr>
+              <a:t>AHO-CORASICK</a:t>
+            </a:r>
+            <a:endParaRPr lang="en-US" sz="1600" dirty="0">
+              <a:solidFill>
+                <a:srgbClr val="0070C0"/>
+              </a:solidFill>
+            </a:endParaRPr>
+          </a:p>
+        </p:txBody>
+      </p:sp>
     </p:spTree>
     <p:extLst>
       <p:ext uri="{BB962C8B-B14F-4D97-AF65-F5344CB8AC3E}">
-        <p14:creationId xmlns:p14="http://schemas.microsoft.com/office/powerpoint/2010/main" val="3281805327"/>
+        <p14:creationId xmlns:p14="http://schemas.microsoft.com/office/powerpoint/2010/main" val="2105564327"/>
       </p:ext>
     </p:extLst>
   </p:cSld>
@@ -5714,6 +6649,44 @@
               <a:t>18</a:t>
             </a:fld>
             <a:endParaRPr lang="en-US" dirty="0"/>
+          </a:p>
+        </p:txBody>
+      </p:sp>
+      <p:sp>
+        <p:nvSpPr>
+          <p:cNvPr id="5" name="TextBox 4"/>
+          <p:cNvSpPr txBox="1"/>
+          <p:nvPr/>
+        </p:nvSpPr>
+        <p:spPr>
+          <a:xfrm>
+            <a:off x="9169401" y="93116"/>
+            <a:ext cx="2472267" cy="338554"/>
+          </a:xfrm>
+          <a:prstGeom prst="rect">
+            <a:avLst/>
+          </a:prstGeom>
+          <a:noFill/>
+        </p:spPr>
+        <p:txBody>
+          <a:bodyPr wrap="square" rtlCol="0">
+            <a:spAutoFit/>
+          </a:bodyPr>
+          <a:lstStyle/>
+          <a:p>
+            <a:r>
+              <a:rPr lang="en-US" sz="1600" dirty="0" smtClean="0">
+                <a:solidFill>
+                  <a:srgbClr val="0070C0"/>
+                </a:solidFill>
+              </a:rPr>
+              <a:t>AHO-CORASICK</a:t>
+            </a:r>
+            <a:endParaRPr lang="en-US" sz="1600" dirty="0">
+              <a:solidFill>
+                <a:srgbClr val="0070C0"/>
+              </a:solidFill>
+            </a:endParaRPr>
           </a:p>
         </p:txBody>
       </p:sp>
@@ -5772,37 +6745,29 @@
             <p:ph type="title"/>
           </p:nvPr>
         </p:nvSpPr>
-        <p:spPr/>
-        <p:txBody>
-          <a:bodyPr/>
-          <a:lstStyle/>
-          <a:p>
-            <a:endParaRPr lang="en-US" dirty="0"/>
-          </a:p>
-        </p:txBody>
-      </p:sp>
-      <p:sp>
-        <p:nvSpPr>
-          <p:cNvPr id="3" name="Content Placeholder 2"/>
-          <p:cNvSpPr>
-            <a:spLocks noGrp="1"/>
-          </p:cNvSpPr>
-          <p:nvPr>
-            <p:ph idx="1"/>
-          </p:nvPr>
-        </p:nvSpPr>
-        <p:spPr/>
-        <p:txBody>
-          <a:bodyPr/>
-          <a:lstStyle/>
-          <a:p>
-            <a:endParaRPr lang="en-US"/>
-          </a:p>
-        </p:txBody>
-      </p:sp>
-      <p:sp>
-        <p:nvSpPr>
-          <p:cNvPr id="4" name="Slide Number Placeholder 3"/>
+        <p:spPr>
+          <a:xfrm>
+            <a:off x="2435226" y="1345068"/>
+            <a:ext cx="10438046" cy="2446941"/>
+          </a:xfrm>
+        </p:spPr>
+        <p:txBody>
+          <a:bodyPr>
+            <a:normAutofit/>
+          </a:bodyPr>
+          <a:lstStyle/>
+          <a:p>
+            <a:r>
+              <a:rPr lang="en-US" sz="7200" dirty="0" err="1" smtClean="0"/>
+              <a:t>Conclusiones</a:t>
+            </a:r>
+            <a:endParaRPr lang="en-US" sz="7200" dirty="0"/>
+          </a:p>
+        </p:txBody>
+      </p:sp>
+      <p:sp>
+        <p:nvSpPr>
+          <p:cNvPr id="3" name="Slide Number Placeholder 2"/>
           <p:cNvSpPr>
             <a:spLocks noGrp="1"/>
           </p:cNvSpPr>
@@ -5826,10 +6791,48 @@
           </a:p>
         </p:txBody>
       </p:sp>
+      <p:sp>
+        <p:nvSpPr>
+          <p:cNvPr id="5" name="TextBox 4"/>
+          <p:cNvSpPr txBox="1"/>
+          <p:nvPr/>
+        </p:nvSpPr>
+        <p:spPr>
+          <a:xfrm>
+            <a:off x="9169401" y="93116"/>
+            <a:ext cx="2472267" cy="338554"/>
+          </a:xfrm>
+          <a:prstGeom prst="rect">
+            <a:avLst/>
+          </a:prstGeom>
+          <a:noFill/>
+        </p:spPr>
+        <p:txBody>
+          <a:bodyPr wrap="square" rtlCol="0">
+            <a:spAutoFit/>
+          </a:bodyPr>
+          <a:lstStyle/>
+          <a:p>
+            <a:r>
+              <a:rPr lang="en-US" sz="1600" dirty="0" smtClean="0">
+                <a:solidFill>
+                  <a:srgbClr val="0070C0"/>
+                </a:solidFill>
+              </a:rPr>
+              <a:t>AHO-CORASICK</a:t>
+            </a:r>
+            <a:endParaRPr lang="en-US" sz="1600" dirty="0">
+              <a:solidFill>
+                <a:srgbClr val="0070C0"/>
+              </a:solidFill>
+            </a:endParaRPr>
+          </a:p>
+        </p:txBody>
+      </p:sp>
     </p:spTree>
     <p:extLst>
       <p:ext uri="{BB962C8B-B14F-4D97-AF65-F5344CB8AC3E}">
-        <p14:creationId xmlns:p14="http://schemas.microsoft.com/office/powerpoint/2010/main" val="788063899"/>
+        <p14:creationId xmlns:p14="http://schemas.microsoft.com/office/powerpoint/2010/main" val="460442477"/>
       </p:ext>
     </p:extLst>
   </p:cSld>
@@ -5881,7 +6884,12 @@
             <p:ph type="title"/>
           </p:nvPr>
         </p:nvSpPr>
-        <p:spPr/>
+        <p:spPr>
+          <a:xfrm>
+            <a:off x="1261872" y="262393"/>
+            <a:ext cx="6070261" cy="1428929"/>
+          </a:xfrm>
+        </p:spPr>
         <p:txBody>
           <a:bodyPr/>
           <a:lstStyle/>
@@ -5913,7 +6921,7 @@
           </p:nvPr>
         </p:nvPicPr>
         <p:blipFill>
-          <a:blip r:embed="rId2">
+          <a:blip r:embed="rId3">
             <a:extLst>
               <a:ext uri="{28A0092B-C50C-407E-A947-70E740481C1C}">
                 <a14:useLocalDpi xmlns:a14="http://schemas.microsoft.com/office/drawing/2010/main" val="0"/>
@@ -5959,11 +6967,7 @@
             </a:r>
             <a:r>
               <a:rPr lang="en-US" sz="1100" dirty="0" smtClean="0"/>
-              <a:t> 1. Alfred </a:t>
-            </a:r>
-            <a:r>
-              <a:rPr lang="en-US" sz="1100" dirty="0" smtClean="0"/>
-              <a:t>V. </a:t>
+              <a:t> 1. Alfred V. </a:t>
             </a:r>
             <a:r>
               <a:rPr lang="en-US" sz="1100" dirty="0" err="1" smtClean="0"/>
@@ -6000,6 +7004,44 @@
               <a:t>2</a:t>
             </a:fld>
             <a:endParaRPr lang="en-US" dirty="0"/>
+          </a:p>
+        </p:txBody>
+      </p:sp>
+      <p:sp>
+        <p:nvSpPr>
+          <p:cNvPr id="8" name="TextBox 7"/>
+          <p:cNvSpPr txBox="1"/>
+          <p:nvPr/>
+        </p:nvSpPr>
+        <p:spPr>
+          <a:xfrm>
+            <a:off x="9169401" y="93116"/>
+            <a:ext cx="2472267" cy="338554"/>
+          </a:xfrm>
+          <a:prstGeom prst="rect">
+            <a:avLst/>
+          </a:prstGeom>
+          <a:noFill/>
+        </p:spPr>
+        <p:txBody>
+          <a:bodyPr wrap="square" rtlCol="0">
+            <a:spAutoFit/>
+          </a:bodyPr>
+          <a:lstStyle/>
+          <a:p>
+            <a:r>
+              <a:rPr lang="en-US" sz="1600" dirty="0" smtClean="0">
+                <a:solidFill>
+                  <a:srgbClr val="0070C0"/>
+                </a:solidFill>
+              </a:rPr>
+              <a:t>AHO-CORASICK</a:t>
+            </a:r>
+            <a:endParaRPr lang="en-US" sz="1600" dirty="0">
+              <a:solidFill>
+                <a:srgbClr val="0070C0"/>
+              </a:solidFill>
+            </a:endParaRPr>
           </a:p>
         </p:txBody>
       </p:sp>
@@ -6063,6 +7105,10 @@
           <a:bodyPr/>
           <a:lstStyle/>
           <a:p>
+            <a:r>
+              <a:rPr lang="en-US" dirty="0" err="1" smtClean="0"/>
+              <a:t>Bibliografía</a:t>
+            </a:r>
             <a:endParaRPr lang="en-US" dirty="0"/>
           </a:p>
         </p:txBody>
@@ -6082,71 +7128,288 @@
           <a:bodyPr/>
           <a:lstStyle/>
           <a:p>
-            <a:pPr marL="0" lvl="0" indent="0" defTabSz="457200">
-              <a:lnSpc>
-                <a:spcPct val="100000"/>
-              </a:lnSpc>
-              <a:spcBef>
-                <a:spcPts val="0"/>
-              </a:spcBef>
-              <a:spcAft>
-                <a:spcPts val="0"/>
-              </a:spcAft>
-              <a:buClrTx/>
-              <a:buSzTx/>
-              <a:buNone/>
-            </a:pPr>
-            <a:r>
-              <a:rPr lang="en-US" sz="1100" spc="0" dirty="0" err="1">
+            <a:r>
+              <a:rPr lang="en-US" sz="1400" dirty="0" smtClean="0">
                 <a:solidFill>
-                  <a:prstClr val="black"/>
+                  <a:srgbClr val="0070C0"/>
+                </a:solidFill>
+              </a:rPr>
+              <a:t>[1] Gil </a:t>
+            </a:r>
+            <a:r>
+              <a:rPr lang="en-US" sz="1400" dirty="0">
+                <a:solidFill>
+                  <a:srgbClr val="0070C0"/>
+                </a:solidFill>
+              </a:rPr>
+              <a:t>Gala, Francisco. </a:t>
+            </a:r>
+            <a:r>
+              <a:rPr lang="en-US" sz="1400" dirty="0" smtClean="0">
+                <a:solidFill>
+                  <a:srgbClr val="0070C0"/>
+                </a:solidFill>
+              </a:rPr>
+              <a:t>“</a:t>
+            </a:r>
+            <a:r>
+              <a:rPr lang="en-US" sz="1400" dirty="0" err="1" smtClean="0">
+                <a:solidFill>
+                  <a:srgbClr val="0070C0"/>
+                </a:solidFill>
+              </a:rPr>
+              <a:t>Complejidad</a:t>
+            </a:r>
+            <a:r>
+              <a:rPr lang="en-US" sz="1400" dirty="0" smtClean="0">
+                <a:solidFill>
+                  <a:srgbClr val="0070C0"/>
+                </a:solidFill>
+              </a:rPr>
+              <a:t> </a:t>
+            </a:r>
+            <a:r>
+              <a:rPr lang="en-US" sz="1400" dirty="0">
+                <a:solidFill>
+                  <a:srgbClr val="0070C0"/>
+                </a:solidFill>
+              </a:rPr>
+              <a:t>de </a:t>
+            </a:r>
+            <a:r>
+              <a:rPr lang="en-US" sz="1400" dirty="0" err="1">
+                <a:solidFill>
+                  <a:srgbClr val="0070C0"/>
+                </a:solidFill>
+              </a:rPr>
+              <a:t>los</a:t>
+            </a:r>
+            <a:r>
+              <a:rPr lang="en-US" sz="1400" dirty="0">
+                <a:solidFill>
+                  <a:srgbClr val="0070C0"/>
+                </a:solidFill>
+              </a:rPr>
+              <a:t> </a:t>
+            </a:r>
+            <a:r>
+              <a:rPr lang="en-US" sz="1400" dirty="0" err="1" smtClean="0">
+                <a:solidFill>
+                  <a:srgbClr val="0070C0"/>
+                </a:solidFill>
+              </a:rPr>
+              <a:t>algoritmos</a:t>
+            </a:r>
+            <a:r>
+              <a:rPr lang="en-US" sz="1400" dirty="0" smtClean="0">
+                <a:solidFill>
+                  <a:srgbClr val="0070C0"/>
+                </a:solidFill>
+              </a:rPr>
+              <a:t>” </a:t>
+            </a:r>
+            <a:r>
+              <a:rPr lang="en-US" sz="1400" dirty="0" err="1" smtClean="0">
+                <a:solidFill>
+                  <a:srgbClr val="0070C0"/>
                 </a:solidFill>
               </a:rPr>
               <a:t>En</a:t>
             </a:r>
             <a:r>
-              <a:rPr lang="en-US" sz="1100" spc="0" dirty="0">
+              <a:rPr lang="en-US" sz="1400" dirty="0" smtClean="0">
                 <a:solidFill>
-                  <a:prstClr val="black"/>
+                  <a:srgbClr val="0070C0"/>
                 </a:solidFill>
               </a:rPr>
               <a:t> </a:t>
             </a:r>
             <a:r>
-              <a:rPr lang="en-US" sz="1100" spc="0" dirty="0" err="1" smtClean="0">
+              <a:rPr lang="en-US" sz="1400" dirty="0" err="1">
                 <a:solidFill>
-                  <a:prstClr val="black"/>
+                  <a:srgbClr val="0070C0"/>
+                </a:solidFill>
+              </a:rPr>
+              <a:t>linea</a:t>
+            </a:r>
+            <a:r>
+              <a:rPr lang="en-US" sz="1400" dirty="0">
+                <a:solidFill>
+                  <a:srgbClr val="0070C0"/>
+                </a:solidFill>
+              </a:rPr>
+              <a:t>: </a:t>
+            </a:r>
+            <a:r>
+              <a:rPr lang="en-US" sz="1400" i="1" dirty="0" smtClean="0">
+                <a:solidFill>
+                  <a:srgbClr val="0070C0"/>
+                </a:solidFill>
+              </a:rPr>
+              <a:t>https://rootear.com/desarrollo/complejidades-algoritmos</a:t>
+            </a:r>
+          </a:p>
+          <a:p>
+            <a:r>
+              <a:rPr lang="en-US" sz="1400" dirty="0" smtClean="0">
+                <a:solidFill>
+                  <a:srgbClr val="0070C0"/>
+                </a:solidFill>
+              </a:rPr>
+              <a:t>[2] </a:t>
+            </a:r>
+            <a:r>
+              <a:rPr lang="en-US" sz="1400" dirty="0" err="1">
+                <a:solidFill>
+                  <a:srgbClr val="0070C0"/>
+                </a:solidFill>
+              </a:rPr>
+              <a:t>Corasick</a:t>
+            </a:r>
+            <a:r>
+              <a:rPr lang="en-US" sz="1400" dirty="0">
+                <a:solidFill>
+                  <a:srgbClr val="0070C0"/>
+                </a:solidFill>
+              </a:rPr>
+              <a:t>, Margaret J. (</a:t>
+            </a:r>
+            <a:r>
+              <a:rPr lang="en-US" sz="1400" dirty="0" err="1">
+                <a:solidFill>
+                  <a:srgbClr val="0070C0"/>
+                </a:solidFill>
+              </a:rPr>
+              <a:t>Junio</a:t>
+            </a:r>
+            <a:r>
+              <a:rPr lang="en-US" sz="1400" dirty="0">
+                <a:solidFill>
+                  <a:srgbClr val="0070C0"/>
+                </a:solidFill>
+              </a:rPr>
+              <a:t> 1975). "Efficient string matching: An aid to </a:t>
+            </a:r>
+            <a:r>
+              <a:rPr lang="en-US" sz="1400" dirty="0" smtClean="0">
+                <a:solidFill>
+                  <a:srgbClr val="0070C0"/>
+                </a:solidFill>
+              </a:rPr>
+              <a:t>bibliographic search</a:t>
+            </a:r>
+            <a:r>
+              <a:rPr lang="en-US" sz="1400" dirty="0">
+                <a:solidFill>
+                  <a:srgbClr val="0070C0"/>
+                </a:solidFill>
+              </a:rPr>
+              <a:t>". Communications of the ACM. 18 (6): 333–340</a:t>
+            </a:r>
+          </a:p>
+          <a:p>
+            <a:r>
+              <a:rPr lang="en-US" sz="1400" dirty="0" smtClean="0">
+                <a:solidFill>
+                  <a:srgbClr val="0070C0"/>
+                </a:solidFill>
+              </a:rPr>
+              <a:t>[3] </a:t>
+            </a:r>
+            <a:r>
+              <a:rPr lang="en-US" sz="1400" spc="0" dirty="0" smtClean="0">
+                <a:solidFill>
+                  <a:srgbClr val="0070C0"/>
+                </a:solidFill>
+              </a:rPr>
+              <a:t>Wikipedia</a:t>
+            </a:r>
+            <a:r>
+              <a:rPr lang="en-US" sz="1400" spc="0" dirty="0">
+                <a:solidFill>
+                  <a:srgbClr val="0070C0"/>
+                </a:solidFill>
+              </a:rPr>
+              <a:t>. (</a:t>
+            </a:r>
+            <a:r>
+              <a:rPr lang="en-US" sz="1400" spc="0" dirty="0" smtClean="0">
+                <a:solidFill>
+                  <a:srgbClr val="0070C0"/>
+                </a:solidFill>
+              </a:rPr>
+              <a:t>2017). “Alfred </a:t>
+            </a:r>
+            <a:r>
+              <a:rPr lang="en-US" sz="1400" spc="0" dirty="0" err="1" smtClean="0">
+                <a:solidFill>
+                  <a:srgbClr val="0070C0"/>
+                </a:solidFill>
+              </a:rPr>
+              <a:t>Aho</a:t>
+            </a:r>
+            <a:r>
+              <a:rPr lang="en-US" sz="1400" spc="0" dirty="0" smtClean="0">
+                <a:solidFill>
+                  <a:srgbClr val="0070C0"/>
+                </a:solidFill>
+              </a:rPr>
+              <a:t>” </a:t>
+            </a:r>
+            <a:r>
+              <a:rPr lang="en-US" sz="1400" spc="0" dirty="0" err="1" smtClean="0">
+                <a:solidFill>
+                  <a:srgbClr val="0070C0"/>
+                </a:solidFill>
+              </a:rPr>
+              <a:t>En</a:t>
+            </a:r>
+            <a:r>
+              <a:rPr lang="en-US" sz="1400" spc="0" dirty="0" smtClean="0">
+                <a:solidFill>
+                  <a:srgbClr val="0070C0"/>
+                </a:solidFill>
+              </a:rPr>
+              <a:t> </a:t>
+            </a:r>
+            <a:r>
+              <a:rPr lang="en-US" sz="1400" spc="0" dirty="0" err="1">
+                <a:solidFill>
+                  <a:srgbClr val="0070C0"/>
                 </a:solidFill>
               </a:rPr>
               <a:t>línea</a:t>
             </a:r>
             <a:r>
-              <a:rPr lang="en-US" sz="1100" spc="0" dirty="0" smtClean="0">
+              <a:rPr lang="en-US" sz="1400" spc="0" dirty="0">
                 <a:solidFill>
-                  <a:prstClr val="black"/>
+                  <a:srgbClr val="0070C0"/>
                 </a:solidFill>
               </a:rPr>
               <a:t>: </a:t>
             </a:r>
             <a:r>
-              <a:rPr lang="en-US" sz="1100" i="1" spc="0" dirty="0" smtClean="0">
+              <a:rPr lang="en-US" sz="1400" i="1" spc="0" dirty="0">
                 <a:solidFill>
-                  <a:prstClr val="black"/>
+                  <a:srgbClr val="0070C0"/>
                 </a:solidFill>
               </a:rPr>
-              <a:t>https</a:t>
-            </a:r>
-            <a:r>
-              <a:rPr lang="en-US" sz="1100" i="1" spc="0" dirty="0">
-                <a:solidFill>
-                  <a:prstClr val="black"/>
-                </a:solidFill>
-              </a:rPr>
-              <a:t>://en.wikipedia.org/wiki/Alfred_Aho#/media/File:AlfredAhoPortrait.jpg</a:t>
-            </a:r>
-          </a:p>
-          <a:p>
-            <a:endParaRPr lang="en-US" dirty="0"/>
+              <a:t>https://en.wikipedia.org/wiki/Alfred_Aho#/media/File:AlfredAhoPortrait.jpg</a:t>
+            </a:r>
+          </a:p>
+          <a:p>
+            <a:endParaRPr lang="en-US" sz="1400" i="1" spc="0" dirty="0">
+              <a:solidFill>
+                <a:srgbClr val="0070C0"/>
+              </a:solidFill>
+            </a:endParaRPr>
+          </a:p>
+          <a:p>
+            <a:endParaRPr lang="en-US" dirty="0">
+              <a:solidFill>
+                <a:srgbClr val="0070C0"/>
+              </a:solidFill>
+            </a:endParaRPr>
           </a:p>
         </p:txBody>
       </p:sp>
@@ -6173,6 +7436,44 @@
               <a:t>20</a:t>
             </a:fld>
             <a:endParaRPr lang="en-US" dirty="0"/>
+          </a:p>
+        </p:txBody>
+      </p:sp>
+      <p:sp>
+        <p:nvSpPr>
+          <p:cNvPr id="6" name="TextBox 5"/>
+          <p:cNvSpPr txBox="1"/>
+          <p:nvPr/>
+        </p:nvSpPr>
+        <p:spPr>
+          <a:xfrm>
+            <a:off x="9169401" y="93116"/>
+            <a:ext cx="2472267" cy="338554"/>
+          </a:xfrm>
+          <a:prstGeom prst="rect">
+            <a:avLst/>
+          </a:prstGeom>
+          <a:noFill/>
+        </p:spPr>
+        <p:txBody>
+          <a:bodyPr wrap="square" rtlCol="0">
+            <a:spAutoFit/>
+          </a:bodyPr>
+          <a:lstStyle/>
+          <a:p>
+            <a:r>
+              <a:rPr lang="en-US" sz="1600" dirty="0" smtClean="0">
+                <a:solidFill>
+                  <a:srgbClr val="0070C0"/>
+                </a:solidFill>
+              </a:rPr>
+              <a:t>AHO-CORASICK</a:t>
+            </a:r>
+            <a:endParaRPr lang="en-US" sz="1600" dirty="0">
+              <a:solidFill>
+                <a:srgbClr val="0070C0"/>
+              </a:solidFill>
+            </a:endParaRPr>
           </a:p>
         </p:txBody>
       </p:sp>
@@ -6186,6 +7487,14 @@
   <p:clrMapOvr>
     <a:masterClrMapping/>
   </p:clrMapOvr>
+  <mc:AlternateContent xmlns:mc="http://schemas.openxmlformats.org/markup-compatibility/2006">
+    <mc:Choice xmlns:p14="http://schemas.microsoft.com/office/powerpoint/2010/main" Requires="p14">
+      <p:transition spd="slow" p14:dur="2000" advTm="15000"/>
+    </mc:Choice>
+    <mc:Fallback>
+      <p:transition spd="slow" advTm="15000"/>
+    </mc:Fallback>
+  </mc:AlternateContent>
   <p:timing>
     <p:tnLst>
       <p:par>
@@ -6264,6 +7573,44 @@
               <a:t>21</a:t>
             </a:fld>
             <a:endParaRPr lang="en-US" dirty="0"/>
+          </a:p>
+        </p:txBody>
+      </p:sp>
+      <p:sp>
+        <p:nvSpPr>
+          <p:cNvPr id="5" name="TextBox 4"/>
+          <p:cNvSpPr txBox="1"/>
+          <p:nvPr/>
+        </p:nvSpPr>
+        <p:spPr>
+          <a:xfrm>
+            <a:off x="9169401" y="93116"/>
+            <a:ext cx="2472267" cy="338554"/>
+          </a:xfrm>
+          <a:prstGeom prst="rect">
+            <a:avLst/>
+          </a:prstGeom>
+          <a:noFill/>
+        </p:spPr>
+        <p:txBody>
+          <a:bodyPr wrap="square" rtlCol="0">
+            <a:spAutoFit/>
+          </a:bodyPr>
+          <a:lstStyle/>
+          <a:p>
+            <a:r>
+              <a:rPr lang="en-US" sz="1600" dirty="0" smtClean="0">
+                <a:solidFill>
+                  <a:srgbClr val="0070C0"/>
+                </a:solidFill>
+              </a:rPr>
+              <a:t>AHO-CORASICK</a:t>
+            </a:r>
+            <a:endParaRPr lang="en-US" sz="1600" dirty="0">
+              <a:solidFill>
+                <a:srgbClr val="0070C0"/>
+              </a:solidFill>
+            </a:endParaRPr>
           </a:p>
         </p:txBody>
       </p:sp>
@@ -6342,25 +7689,6 @@
       </p:sp>
       <p:sp>
         <p:nvSpPr>
-          <p:cNvPr id="6" name="Content Placeholder 5"/>
-          <p:cNvSpPr>
-            <a:spLocks noGrp="1"/>
-          </p:cNvSpPr>
-          <p:nvPr>
-            <p:ph idx="1"/>
-          </p:nvPr>
-        </p:nvSpPr>
-        <p:spPr/>
-        <p:txBody>
-          <a:bodyPr/>
-          <a:lstStyle/>
-          <a:p>
-            <a:endParaRPr lang="en-US" dirty="0"/>
-          </a:p>
-        </p:txBody>
-      </p:sp>
-      <p:sp>
-        <p:nvSpPr>
           <p:cNvPr id="3" name="Slide Number Placeholder 2"/>
           <p:cNvSpPr>
             <a:spLocks noGrp="1"/>
@@ -6369,7 +7697,12 @@
             <p:ph type="sldNum" sz="quarter" idx="12"/>
           </p:nvPr>
         </p:nvSpPr>
-        <p:spPr/>
+        <p:spPr>
+          <a:xfrm>
+            <a:off x="11292840" y="6180667"/>
+            <a:ext cx="914400" cy="593725"/>
+          </a:xfrm>
+        </p:spPr>
         <p:txBody>
           <a:bodyPr>
             <a:normAutofit lnSpcReduction="10000"/>
@@ -6382,6 +7715,215 @@
               <a:t>3</a:t>
             </a:fld>
             <a:endParaRPr lang="en-US" dirty="0"/>
+          </a:p>
+        </p:txBody>
+      </p:sp>
+      <p:sp>
+        <p:nvSpPr>
+          <p:cNvPr id="4" name="Rectangle 3"/>
+          <p:cNvSpPr/>
+          <p:nvPr/>
+        </p:nvSpPr>
+        <p:spPr>
+          <a:xfrm>
+            <a:off x="5971607" y="3244334"/>
+            <a:ext cx="248786" cy="369332"/>
+          </a:xfrm>
+          <a:prstGeom prst="rect">
+            <a:avLst/>
+          </a:prstGeom>
+        </p:spPr>
+        <p:txBody>
+          <a:bodyPr wrap="none">
+            <a:spAutoFit/>
+          </a:bodyPr>
+          <a:lstStyle/>
+          <a:p>
+            <a:r>
+              <a:rPr lang="en-US" dirty="0"/>
+              <a:t> </a:t>
+            </a:r>
+          </a:p>
+        </p:txBody>
+      </p:sp>
+      <p:sp>
+        <p:nvSpPr>
+          <p:cNvPr id="5" name="Rectangle 4"/>
+          <p:cNvSpPr/>
+          <p:nvPr/>
+        </p:nvSpPr>
+        <p:spPr>
+          <a:xfrm>
+            <a:off x="5971607" y="3244334"/>
+            <a:ext cx="248786" cy="369332"/>
+          </a:xfrm>
+          <a:prstGeom prst="rect">
+            <a:avLst/>
+          </a:prstGeom>
+        </p:spPr>
+        <p:txBody>
+          <a:bodyPr wrap="none">
+            <a:spAutoFit/>
+          </a:bodyPr>
+          <a:lstStyle/>
+          <a:p>
+            <a:r>
+              <a:rPr lang="en-US" dirty="0"/>
+              <a:t> </a:t>
+            </a:r>
+          </a:p>
+        </p:txBody>
+      </p:sp>
+      <p:sp>
+        <p:nvSpPr>
+          <p:cNvPr id="8" name="Rectangle 7"/>
+          <p:cNvSpPr/>
+          <p:nvPr/>
+        </p:nvSpPr>
+        <p:spPr>
+          <a:xfrm>
+            <a:off x="5971607" y="3244334"/>
+            <a:ext cx="248786" cy="369332"/>
+          </a:xfrm>
+          <a:prstGeom prst="rect">
+            <a:avLst/>
+          </a:prstGeom>
+        </p:spPr>
+        <p:txBody>
+          <a:bodyPr wrap="none">
+            <a:spAutoFit/>
+          </a:bodyPr>
+          <a:lstStyle/>
+          <a:p>
+            <a:r>
+              <a:rPr lang="en-US" dirty="0"/>
+              <a:t> </a:t>
+            </a:r>
+          </a:p>
+        </p:txBody>
+      </p:sp>
+      <p:sp>
+        <p:nvSpPr>
+          <p:cNvPr id="10" name="Rectangle 9"/>
+          <p:cNvSpPr/>
+          <p:nvPr/>
+        </p:nvSpPr>
+        <p:spPr>
+          <a:xfrm>
+            <a:off x="5007301" y="6033700"/>
+            <a:ext cx="5291667" cy="261610"/>
+          </a:xfrm>
+          <a:prstGeom prst="rect">
+            <a:avLst/>
+          </a:prstGeom>
+        </p:spPr>
+        <p:txBody>
+          <a:bodyPr wrap="square">
+            <a:spAutoFit/>
+          </a:bodyPr>
+          <a:lstStyle/>
+          <a:p>
+            <a:r>
+              <a:rPr lang="es-ES" sz="1100" dirty="0" smtClean="0"/>
+              <a:t>Figura 2. </a:t>
+            </a:r>
+            <a:r>
+              <a:rPr lang="es-ES" sz="1100" dirty="0"/>
+              <a:t>“</a:t>
+            </a:r>
+            <a:r>
+              <a:rPr lang="es-ES" sz="1100" dirty="0" err="1"/>
+              <a:t>Públicación</a:t>
+            </a:r>
+            <a:r>
+              <a:rPr lang="es-ES" sz="1100" dirty="0"/>
+              <a:t> del </a:t>
+            </a:r>
+            <a:r>
+              <a:rPr lang="es-ES" sz="1100" dirty="0" err="1"/>
+              <a:t>algotimo</a:t>
+            </a:r>
+            <a:r>
+              <a:rPr lang="es-ES" sz="1100" dirty="0"/>
+              <a:t> </a:t>
+            </a:r>
+            <a:r>
+              <a:rPr lang="es-ES" sz="1100" dirty="0" err="1"/>
+              <a:t>aho-corasick</a:t>
+            </a:r>
+            <a:r>
+              <a:rPr lang="es-ES" sz="1100" dirty="0"/>
+              <a:t>”. ACM (1975) </a:t>
+            </a:r>
+            <a:endParaRPr lang="es-ES" sz="1100" dirty="0"/>
+          </a:p>
+        </p:txBody>
+      </p:sp>
+      <p:pic>
+        <p:nvPicPr>
+          <p:cNvPr id="11" name="Picture 10"/>
+          <p:cNvPicPr>
+            <a:picLocks noChangeAspect="1"/>
+          </p:cNvPicPr>
+          <p:nvPr/>
+        </p:nvPicPr>
+        <p:blipFill>
+          <a:blip r:embed="rId3">
+            <a:extLst>
+              <a:ext uri="{28A0092B-C50C-407E-A947-70E740481C1C}">
+                <a14:useLocalDpi xmlns:a14="http://schemas.microsoft.com/office/drawing/2010/main" val="0"/>
+              </a:ext>
+            </a:extLst>
+          </a:blip>
+          <a:stretch>
+            <a:fillRect/>
+          </a:stretch>
+        </p:blipFill>
+        <p:spPr>
+          <a:xfrm>
+            <a:off x="5045909" y="1527125"/>
+            <a:ext cx="3361492" cy="4345222"/>
+          </a:xfrm>
+          <a:prstGeom prst="rect">
+            <a:avLst/>
+          </a:prstGeom>
+        </p:spPr>
+      </p:pic>
+      <p:sp>
+        <p:nvSpPr>
+          <p:cNvPr id="13" name="TextBox 12"/>
+          <p:cNvSpPr txBox="1"/>
+          <p:nvPr/>
+        </p:nvSpPr>
+        <p:spPr>
+          <a:xfrm>
+            <a:off x="9169401" y="93116"/>
+            <a:ext cx="2472267" cy="338554"/>
+          </a:xfrm>
+          <a:prstGeom prst="rect">
+            <a:avLst/>
+          </a:prstGeom>
+          <a:noFill/>
+        </p:spPr>
+        <p:txBody>
+          <a:bodyPr wrap="square" rtlCol="0">
+            <a:spAutoFit/>
+          </a:bodyPr>
+          <a:lstStyle/>
+          <a:p>
+            <a:r>
+              <a:rPr lang="en-US" sz="1600" dirty="0" smtClean="0">
+                <a:solidFill>
+                  <a:srgbClr val="0070C0"/>
+                </a:solidFill>
+              </a:rPr>
+              <a:t>AHO-CORASICK</a:t>
+            </a:r>
+            <a:endParaRPr lang="en-US" sz="1600" dirty="0">
+              <a:solidFill>
+                <a:srgbClr val="0070C0"/>
+              </a:solidFill>
+            </a:endParaRPr>
           </a:p>
         </p:txBody>
       </p:sp>
@@ -6430,44 +7972,6 @@
           <a:chExt cx="0" cy="0"/>
         </a:xfrm>
       </p:grpSpPr>
-      <p:sp>
-        <p:nvSpPr>
-          <p:cNvPr id="2" name="Title 1"/>
-          <p:cNvSpPr>
-            <a:spLocks noGrp="1"/>
-          </p:cNvSpPr>
-          <p:nvPr>
-            <p:ph type="title"/>
-          </p:nvPr>
-        </p:nvSpPr>
-        <p:spPr/>
-        <p:txBody>
-          <a:bodyPr/>
-          <a:lstStyle/>
-          <a:p>
-            <a:endParaRPr lang="en-US" dirty="0"/>
-          </a:p>
-        </p:txBody>
-      </p:sp>
-      <p:sp>
-        <p:nvSpPr>
-          <p:cNvPr id="3" name="Content Placeholder 2"/>
-          <p:cNvSpPr>
-            <a:spLocks noGrp="1"/>
-          </p:cNvSpPr>
-          <p:nvPr>
-            <p:ph idx="1"/>
-          </p:nvPr>
-        </p:nvSpPr>
-        <p:spPr/>
-        <p:txBody>
-          <a:bodyPr/>
-          <a:lstStyle/>
-          <a:p>
-            <a:endParaRPr lang="en-US" dirty="0"/>
-          </a:p>
-        </p:txBody>
-      </p:sp>
       <p:pic>
         <p:nvPicPr>
           <p:cNvPr id="4" name="Picture 3"/>
@@ -6521,6 +8025,94 @@
               <a:t>4</a:t>
             </a:fld>
             <a:endParaRPr lang="en-US" dirty="0"/>
+          </a:p>
+        </p:txBody>
+      </p:sp>
+      <p:sp>
+        <p:nvSpPr>
+          <p:cNvPr id="7" name="TextBox 6"/>
+          <p:cNvSpPr txBox="1"/>
+          <p:nvPr/>
+        </p:nvSpPr>
+        <p:spPr>
+          <a:xfrm>
+            <a:off x="9169401" y="93116"/>
+            <a:ext cx="2472267" cy="338554"/>
+          </a:xfrm>
+          <a:prstGeom prst="rect">
+            <a:avLst/>
+          </a:prstGeom>
+          <a:noFill/>
+        </p:spPr>
+        <p:txBody>
+          <a:bodyPr wrap="square" rtlCol="0">
+            <a:spAutoFit/>
+          </a:bodyPr>
+          <a:lstStyle/>
+          <a:p>
+            <a:r>
+              <a:rPr lang="en-US" sz="1600" dirty="0" smtClean="0">
+                <a:solidFill>
+                  <a:srgbClr val="0070C0"/>
+                </a:solidFill>
+              </a:rPr>
+              <a:t>AHO-CORASICK</a:t>
+            </a:r>
+            <a:endParaRPr lang="en-US" sz="1600" dirty="0">
+              <a:solidFill>
+                <a:srgbClr val="0070C0"/>
+              </a:solidFill>
+            </a:endParaRPr>
+          </a:p>
+        </p:txBody>
+      </p:sp>
+      <p:sp>
+        <p:nvSpPr>
+          <p:cNvPr id="8" name="TextBox 7"/>
+          <p:cNvSpPr txBox="1"/>
+          <p:nvPr/>
+        </p:nvSpPr>
+        <p:spPr>
+          <a:xfrm>
+            <a:off x="4555066" y="5987534"/>
+            <a:ext cx="2988734" cy="276999"/>
+          </a:xfrm>
+          <a:prstGeom prst="rect">
+            <a:avLst/>
+          </a:prstGeom>
+          <a:noFill/>
+        </p:spPr>
+        <p:txBody>
+          <a:bodyPr wrap="square" rtlCol="0">
+            <a:spAutoFit/>
+          </a:bodyPr>
+          <a:lstStyle/>
+          <a:p>
+            <a:r>
+              <a:rPr lang="en-US" sz="1200" dirty="0" err="1" smtClean="0"/>
+              <a:t>Figura</a:t>
+            </a:r>
+            <a:r>
+              <a:rPr lang="en-US" sz="1200" dirty="0" smtClean="0"/>
+              <a:t> 3. “</a:t>
+            </a:r>
+            <a:r>
+              <a:rPr lang="en-US" sz="1200" dirty="0" err="1" smtClean="0"/>
+              <a:t>Trie</a:t>
+            </a:r>
+            <a:r>
+              <a:rPr lang="en-US" sz="1200" dirty="0" smtClean="0"/>
+              <a:t> de </a:t>
+            </a:r>
+            <a:r>
+              <a:rPr lang="en-US" sz="1200" dirty="0" err="1" smtClean="0"/>
+              <a:t>Estados</a:t>
+            </a:r>
+            <a:r>
+              <a:rPr lang="en-US" sz="1200" dirty="0" smtClean="0"/>
+              <a:t>” </a:t>
+            </a:r>
+            <a:endParaRPr lang="en-US" sz="1200" dirty="0"/>
           </a:p>
         </p:txBody>
       </p:sp>
@@ -6599,25 +8191,6 @@
           </a:prstGeom>
         </p:spPr>
       </p:pic>
-      <p:sp>
-        <p:nvSpPr>
-          <p:cNvPr id="2" name="Title 1"/>
-          <p:cNvSpPr>
-            <a:spLocks noGrp="1"/>
-          </p:cNvSpPr>
-          <p:nvPr>
-            <p:ph type="title"/>
-          </p:nvPr>
-        </p:nvSpPr>
-        <p:spPr/>
-        <p:txBody>
-          <a:bodyPr/>
-          <a:lstStyle/>
-          <a:p>
-            <a:endParaRPr lang="en-US"/>
-          </a:p>
-        </p:txBody>
-      </p:sp>
       <p:pic>
         <p:nvPicPr>
           <p:cNvPr id="4" name="Content Placeholder 3"/>
@@ -6673,6 +8246,152 @@
               <a:t>5</a:t>
             </a:fld>
             <a:endParaRPr lang="en-US" dirty="0"/>
+          </a:p>
+        </p:txBody>
+      </p:sp>
+      <p:sp>
+        <p:nvSpPr>
+          <p:cNvPr id="7" name="TextBox 6"/>
+          <p:cNvSpPr txBox="1"/>
+          <p:nvPr/>
+        </p:nvSpPr>
+        <p:spPr>
+          <a:xfrm>
+            <a:off x="9169401" y="93116"/>
+            <a:ext cx="2472267" cy="338554"/>
+          </a:xfrm>
+          <a:prstGeom prst="rect">
+            <a:avLst/>
+          </a:prstGeom>
+          <a:noFill/>
+        </p:spPr>
+        <p:txBody>
+          <a:bodyPr wrap="square" rtlCol="0">
+            <a:spAutoFit/>
+          </a:bodyPr>
+          <a:lstStyle/>
+          <a:p>
+            <a:r>
+              <a:rPr lang="en-US" sz="1600" dirty="0" smtClean="0">
+                <a:solidFill>
+                  <a:srgbClr val="0070C0"/>
+                </a:solidFill>
+              </a:rPr>
+              <a:t>AHO-CORASICK</a:t>
+            </a:r>
+            <a:endParaRPr lang="en-US" sz="1600" dirty="0">
+              <a:solidFill>
+                <a:srgbClr val="0070C0"/>
+              </a:solidFill>
+            </a:endParaRPr>
+          </a:p>
+        </p:txBody>
+      </p:sp>
+      <p:sp>
+        <p:nvSpPr>
+          <p:cNvPr id="9" name="TextBox 8"/>
+          <p:cNvSpPr txBox="1"/>
+          <p:nvPr/>
+        </p:nvSpPr>
+        <p:spPr>
+          <a:xfrm>
+            <a:off x="2429934" y="6097601"/>
+            <a:ext cx="3378200" cy="276999"/>
+          </a:xfrm>
+          <a:prstGeom prst="rect">
+            <a:avLst/>
+          </a:prstGeom>
+          <a:noFill/>
+        </p:spPr>
+        <p:txBody>
+          <a:bodyPr wrap="square" rtlCol="0">
+            <a:spAutoFit/>
+          </a:bodyPr>
+          <a:lstStyle/>
+          <a:p>
+            <a:r>
+              <a:rPr lang="en-US" sz="1200" dirty="0" err="1" smtClean="0"/>
+              <a:t>Figura</a:t>
+            </a:r>
+            <a:r>
+              <a:rPr lang="en-US" sz="1200" dirty="0" smtClean="0"/>
+              <a:t> 4. “</a:t>
+            </a:r>
+            <a:r>
+              <a:rPr lang="en-US" sz="1200" dirty="0" err="1" smtClean="0"/>
+              <a:t>Matriz</a:t>
+            </a:r>
+            <a:r>
+              <a:rPr lang="en-US" sz="1200" dirty="0" smtClean="0"/>
+              <a:t> de </a:t>
+            </a:r>
+            <a:r>
+              <a:rPr lang="en-US" sz="1200" dirty="0" err="1" smtClean="0"/>
+              <a:t>transicion</a:t>
+            </a:r>
+            <a:r>
+              <a:rPr lang="en-US" sz="1200" dirty="0" smtClean="0"/>
+              <a:t> de </a:t>
+            </a:r>
+            <a:r>
+              <a:rPr lang="en-US" sz="1200" dirty="0" err="1" smtClean="0"/>
+              <a:t>estados</a:t>
+            </a:r>
+            <a:r>
+              <a:rPr lang="en-US" sz="1200" dirty="0" smtClean="0"/>
+              <a:t>” </a:t>
+            </a:r>
+            <a:endParaRPr lang="en-US" sz="1200" dirty="0"/>
+          </a:p>
+        </p:txBody>
+      </p:sp>
+      <p:sp>
+        <p:nvSpPr>
+          <p:cNvPr id="11" name="TextBox 10"/>
+          <p:cNvSpPr txBox="1"/>
+          <p:nvPr/>
+        </p:nvSpPr>
+        <p:spPr>
+          <a:xfrm>
+            <a:off x="7846906" y="3618270"/>
+            <a:ext cx="2988734" cy="276999"/>
+          </a:xfrm>
+          <a:prstGeom prst="rect">
+            <a:avLst/>
+          </a:prstGeom>
+          <a:noFill/>
+        </p:spPr>
+        <p:txBody>
+          <a:bodyPr wrap="square" rtlCol="0">
+            <a:spAutoFit/>
+          </a:bodyPr>
+          <a:lstStyle/>
+          <a:p>
+            <a:r>
+              <a:rPr lang="en-US" sz="1200" dirty="0" err="1" smtClean="0"/>
+              <a:t>Figura</a:t>
+            </a:r>
+            <a:r>
+              <a:rPr lang="en-US" sz="1200" dirty="0" smtClean="0"/>
+              <a:t> 3. “</a:t>
+            </a:r>
+            <a:r>
+              <a:rPr lang="en-US" sz="1200" dirty="0" err="1" smtClean="0"/>
+              <a:t>Trie</a:t>
+            </a:r>
+            <a:r>
+              <a:rPr lang="en-US" sz="1200" dirty="0" smtClean="0"/>
+              <a:t> de </a:t>
+            </a:r>
+            <a:r>
+              <a:rPr lang="en-US" sz="1200" dirty="0" err="1" smtClean="0"/>
+              <a:t>Estados</a:t>
+            </a:r>
+            <a:r>
+              <a:rPr lang="en-US" sz="1200" dirty="0" smtClean="0"/>
+              <a:t>” </a:t>
+            </a:r>
+            <a:endParaRPr lang="en-US" sz="1200" dirty="0"/>
           </a:p>
         </p:txBody>
       </p:sp>
@@ -6806,6 +8525,152 @@
               <a:t>6</a:t>
             </a:fld>
             <a:endParaRPr lang="en-US" dirty="0"/>
+          </a:p>
+        </p:txBody>
+      </p:sp>
+      <p:sp>
+        <p:nvSpPr>
+          <p:cNvPr id="6" name="TextBox 5"/>
+          <p:cNvSpPr txBox="1"/>
+          <p:nvPr/>
+        </p:nvSpPr>
+        <p:spPr>
+          <a:xfrm>
+            <a:off x="9169401" y="93116"/>
+            <a:ext cx="2472267" cy="338554"/>
+          </a:xfrm>
+          <a:prstGeom prst="rect">
+            <a:avLst/>
+          </a:prstGeom>
+          <a:noFill/>
+        </p:spPr>
+        <p:txBody>
+          <a:bodyPr wrap="square" rtlCol="0">
+            <a:spAutoFit/>
+          </a:bodyPr>
+          <a:lstStyle/>
+          <a:p>
+            <a:r>
+              <a:rPr lang="en-US" sz="1600" dirty="0" smtClean="0">
+                <a:solidFill>
+                  <a:srgbClr val="0070C0"/>
+                </a:solidFill>
+              </a:rPr>
+              <a:t>AHO-CORASICK</a:t>
+            </a:r>
+            <a:endParaRPr lang="en-US" sz="1600" dirty="0">
+              <a:solidFill>
+                <a:srgbClr val="0070C0"/>
+              </a:solidFill>
+            </a:endParaRPr>
+          </a:p>
+        </p:txBody>
+      </p:sp>
+      <p:sp>
+        <p:nvSpPr>
+          <p:cNvPr id="7" name="TextBox 6"/>
+          <p:cNvSpPr txBox="1"/>
+          <p:nvPr/>
+        </p:nvSpPr>
+        <p:spPr>
+          <a:xfrm>
+            <a:off x="2429934" y="6097601"/>
+            <a:ext cx="3378200" cy="276999"/>
+          </a:xfrm>
+          <a:prstGeom prst="rect">
+            <a:avLst/>
+          </a:prstGeom>
+          <a:noFill/>
+        </p:spPr>
+        <p:txBody>
+          <a:bodyPr wrap="square" rtlCol="0">
+            <a:spAutoFit/>
+          </a:bodyPr>
+          <a:lstStyle/>
+          <a:p>
+            <a:r>
+              <a:rPr lang="en-US" sz="1200" dirty="0" err="1" smtClean="0"/>
+              <a:t>Figura</a:t>
+            </a:r>
+            <a:r>
+              <a:rPr lang="en-US" sz="1200" dirty="0" smtClean="0"/>
+              <a:t> 4. “</a:t>
+            </a:r>
+            <a:r>
+              <a:rPr lang="en-US" sz="1200" dirty="0" err="1" smtClean="0"/>
+              <a:t>Matriz</a:t>
+            </a:r>
+            <a:r>
+              <a:rPr lang="en-US" sz="1200" dirty="0" smtClean="0"/>
+              <a:t> de </a:t>
+            </a:r>
+            <a:r>
+              <a:rPr lang="en-US" sz="1200" dirty="0" err="1" smtClean="0"/>
+              <a:t>transicion</a:t>
+            </a:r>
+            <a:r>
+              <a:rPr lang="en-US" sz="1200" dirty="0" smtClean="0"/>
+              <a:t> de </a:t>
+            </a:r>
+            <a:r>
+              <a:rPr lang="en-US" sz="1200" dirty="0" err="1" smtClean="0"/>
+              <a:t>estados</a:t>
+            </a:r>
+            <a:r>
+              <a:rPr lang="en-US" sz="1200" dirty="0" smtClean="0"/>
+              <a:t>” </a:t>
+            </a:r>
+            <a:endParaRPr lang="en-US" sz="1200" dirty="0"/>
+          </a:p>
+        </p:txBody>
+      </p:sp>
+      <p:sp>
+        <p:nvSpPr>
+          <p:cNvPr id="8" name="TextBox 7"/>
+          <p:cNvSpPr txBox="1"/>
+          <p:nvPr/>
+        </p:nvSpPr>
+        <p:spPr>
+          <a:xfrm>
+            <a:off x="7846906" y="3618270"/>
+            <a:ext cx="2988734" cy="276999"/>
+          </a:xfrm>
+          <a:prstGeom prst="rect">
+            <a:avLst/>
+          </a:prstGeom>
+          <a:noFill/>
+        </p:spPr>
+        <p:txBody>
+          <a:bodyPr wrap="square" rtlCol="0">
+            <a:spAutoFit/>
+          </a:bodyPr>
+          <a:lstStyle/>
+          <a:p>
+            <a:r>
+              <a:rPr lang="en-US" sz="1200" dirty="0" err="1" smtClean="0"/>
+              <a:t>Figura</a:t>
+            </a:r>
+            <a:r>
+              <a:rPr lang="en-US" sz="1200" dirty="0" smtClean="0"/>
+              <a:t> 3. “</a:t>
+            </a:r>
+            <a:r>
+              <a:rPr lang="en-US" sz="1200" dirty="0" err="1" smtClean="0"/>
+              <a:t>Trie</a:t>
+            </a:r>
+            <a:r>
+              <a:rPr lang="en-US" sz="1200" dirty="0" smtClean="0"/>
+              <a:t> de </a:t>
+            </a:r>
+            <a:r>
+              <a:rPr lang="en-US" sz="1200" dirty="0" err="1" smtClean="0"/>
+              <a:t>Estados</a:t>
+            </a:r>
+            <a:r>
+              <a:rPr lang="en-US" sz="1200" dirty="0" smtClean="0"/>
+              <a:t>” </a:t>
+            </a:r>
+            <a:endParaRPr lang="en-US" sz="1200" dirty="0"/>
           </a:p>
         </p:txBody>
       </p:sp>
@@ -6940,6 +8805,152 @@
           </a:p>
         </p:txBody>
       </p:sp>
+      <p:sp>
+        <p:nvSpPr>
+          <p:cNvPr id="6" name="TextBox 5"/>
+          <p:cNvSpPr txBox="1"/>
+          <p:nvPr/>
+        </p:nvSpPr>
+        <p:spPr>
+          <a:xfrm>
+            <a:off x="9169401" y="93116"/>
+            <a:ext cx="2472267" cy="338554"/>
+          </a:xfrm>
+          <a:prstGeom prst="rect">
+            <a:avLst/>
+          </a:prstGeom>
+          <a:noFill/>
+        </p:spPr>
+        <p:txBody>
+          <a:bodyPr wrap="square" rtlCol="0">
+            <a:spAutoFit/>
+          </a:bodyPr>
+          <a:lstStyle/>
+          <a:p>
+            <a:r>
+              <a:rPr lang="en-US" sz="1600" dirty="0" smtClean="0">
+                <a:solidFill>
+                  <a:srgbClr val="0070C0"/>
+                </a:solidFill>
+              </a:rPr>
+              <a:t>AHO-CORASICK</a:t>
+            </a:r>
+            <a:endParaRPr lang="en-US" sz="1600" dirty="0">
+              <a:solidFill>
+                <a:srgbClr val="0070C0"/>
+              </a:solidFill>
+            </a:endParaRPr>
+          </a:p>
+        </p:txBody>
+      </p:sp>
+      <p:sp>
+        <p:nvSpPr>
+          <p:cNvPr id="7" name="TextBox 6"/>
+          <p:cNvSpPr txBox="1"/>
+          <p:nvPr/>
+        </p:nvSpPr>
+        <p:spPr>
+          <a:xfrm>
+            <a:off x="2429934" y="6097601"/>
+            <a:ext cx="3378200" cy="276999"/>
+          </a:xfrm>
+          <a:prstGeom prst="rect">
+            <a:avLst/>
+          </a:prstGeom>
+          <a:noFill/>
+        </p:spPr>
+        <p:txBody>
+          <a:bodyPr wrap="square" rtlCol="0">
+            <a:spAutoFit/>
+          </a:bodyPr>
+          <a:lstStyle/>
+          <a:p>
+            <a:r>
+              <a:rPr lang="en-US" sz="1200" dirty="0" err="1" smtClean="0"/>
+              <a:t>Figura</a:t>
+            </a:r>
+            <a:r>
+              <a:rPr lang="en-US" sz="1200" dirty="0" smtClean="0"/>
+              <a:t> 4. “</a:t>
+            </a:r>
+            <a:r>
+              <a:rPr lang="en-US" sz="1200" dirty="0" err="1" smtClean="0"/>
+              <a:t>Matriz</a:t>
+            </a:r>
+            <a:r>
+              <a:rPr lang="en-US" sz="1200" dirty="0" smtClean="0"/>
+              <a:t> de </a:t>
+            </a:r>
+            <a:r>
+              <a:rPr lang="en-US" sz="1200" dirty="0" err="1" smtClean="0"/>
+              <a:t>transicion</a:t>
+            </a:r>
+            <a:r>
+              <a:rPr lang="en-US" sz="1200" dirty="0" smtClean="0"/>
+              <a:t> de </a:t>
+            </a:r>
+            <a:r>
+              <a:rPr lang="en-US" sz="1200" dirty="0" err="1" smtClean="0"/>
+              <a:t>estados</a:t>
+            </a:r>
+            <a:r>
+              <a:rPr lang="en-US" sz="1200" dirty="0" smtClean="0"/>
+              <a:t>” </a:t>
+            </a:r>
+            <a:endParaRPr lang="en-US" sz="1200" dirty="0"/>
+          </a:p>
+        </p:txBody>
+      </p:sp>
+      <p:sp>
+        <p:nvSpPr>
+          <p:cNvPr id="9" name="TextBox 8"/>
+          <p:cNvSpPr txBox="1"/>
+          <p:nvPr/>
+        </p:nvSpPr>
+        <p:spPr>
+          <a:xfrm>
+            <a:off x="7846906" y="3618270"/>
+            <a:ext cx="2988734" cy="276999"/>
+          </a:xfrm>
+          <a:prstGeom prst="rect">
+            <a:avLst/>
+          </a:prstGeom>
+          <a:noFill/>
+        </p:spPr>
+        <p:txBody>
+          <a:bodyPr wrap="square" rtlCol="0">
+            <a:spAutoFit/>
+          </a:bodyPr>
+          <a:lstStyle/>
+          <a:p>
+            <a:r>
+              <a:rPr lang="en-US" sz="1200" dirty="0" err="1" smtClean="0"/>
+              <a:t>Figura</a:t>
+            </a:r>
+            <a:r>
+              <a:rPr lang="en-US" sz="1200" dirty="0" smtClean="0"/>
+              <a:t> 3. “</a:t>
+            </a:r>
+            <a:r>
+              <a:rPr lang="en-US" sz="1200" dirty="0" err="1" smtClean="0"/>
+              <a:t>Trie</a:t>
+            </a:r>
+            <a:r>
+              <a:rPr lang="en-US" sz="1200" dirty="0" smtClean="0"/>
+              <a:t> de </a:t>
+            </a:r>
+            <a:r>
+              <a:rPr lang="en-US" sz="1200" dirty="0" err="1" smtClean="0"/>
+              <a:t>Estados</a:t>
+            </a:r>
+            <a:r>
+              <a:rPr lang="en-US" sz="1200" dirty="0" smtClean="0"/>
+              <a:t>” </a:t>
+            </a:r>
+            <a:endParaRPr lang="en-US" sz="1200" dirty="0"/>
+          </a:p>
+        </p:txBody>
+      </p:sp>
     </p:spTree>
     <p:extLst>
       <p:ext uri="{BB962C8B-B14F-4D97-AF65-F5344CB8AC3E}">
@@ -7049,6 +9060,44 @@
           </a:p>
         </p:txBody>
       </p:sp>
+      <p:sp>
+        <p:nvSpPr>
+          <p:cNvPr id="8" name="TextBox 7"/>
+          <p:cNvSpPr txBox="1"/>
+          <p:nvPr/>
+        </p:nvSpPr>
+        <p:spPr>
+          <a:xfrm>
+            <a:off x="9169401" y="93116"/>
+            <a:ext cx="2472267" cy="338554"/>
+          </a:xfrm>
+          <a:prstGeom prst="rect">
+            <a:avLst/>
+          </a:prstGeom>
+          <a:noFill/>
+        </p:spPr>
+        <p:txBody>
+          <a:bodyPr wrap="square" rtlCol="0">
+            <a:spAutoFit/>
+          </a:bodyPr>
+          <a:lstStyle/>
+          <a:p>
+            <a:r>
+              <a:rPr lang="en-US" sz="1600" dirty="0" smtClean="0">
+                <a:solidFill>
+                  <a:srgbClr val="0070C0"/>
+                </a:solidFill>
+              </a:rPr>
+              <a:t>AHO-CORASICK</a:t>
+            </a:r>
+            <a:endParaRPr lang="en-US" sz="1600" dirty="0">
+              <a:solidFill>
+                <a:srgbClr val="0070C0"/>
+              </a:solidFill>
+            </a:endParaRPr>
+          </a:p>
+        </p:txBody>
+      </p:sp>
     </p:spTree>
     <p:extLst>
       <p:ext uri="{BB962C8B-B14F-4D97-AF65-F5344CB8AC3E}">
@@ -7109,25 +9158,18 @@
           <a:bodyPr/>
           <a:lstStyle/>
           <a:p>
-            <a:endParaRPr lang="en-US"/>
-          </a:p>
-        </p:txBody>
-      </p:sp>
-      <p:sp>
-        <p:nvSpPr>
-          <p:cNvPr id="3" name="Content Placeholder 2"/>
-          <p:cNvSpPr>
-            <a:spLocks noGrp="1"/>
-          </p:cNvSpPr>
-          <p:nvPr>
-            <p:ph idx="1"/>
-          </p:nvPr>
-        </p:nvSpPr>
-        <p:spPr/>
-        <p:txBody>
-          <a:bodyPr/>
-          <a:lstStyle/>
-          <a:p>
+            <a:r>
+              <a:rPr lang="en-US" dirty="0" err="1" smtClean="0"/>
+              <a:t>Experimentos</a:t>
+            </a:r>
+            <a:r>
+              <a:rPr lang="en-US" dirty="0" smtClean="0"/>
+              <a:t> </a:t>
+            </a:r>
+            <a:r>
+              <a:rPr lang="en-US" dirty="0" err="1" smtClean="0"/>
+              <a:t>Realizados</a:t>
+            </a:r>
             <a:endParaRPr lang="en-US" dirty="0"/>
           </a:p>
         </p:txBody>
@@ -7158,10 +9200,48 @@
           </a:p>
         </p:txBody>
       </p:sp>
+      <p:sp>
+        <p:nvSpPr>
+          <p:cNvPr id="6" name="TextBox 5"/>
+          <p:cNvSpPr txBox="1"/>
+          <p:nvPr/>
+        </p:nvSpPr>
+        <p:spPr>
+          <a:xfrm>
+            <a:off x="9169401" y="93116"/>
+            <a:ext cx="2472267" cy="338554"/>
+          </a:xfrm>
+          <a:prstGeom prst="rect">
+            <a:avLst/>
+          </a:prstGeom>
+          <a:noFill/>
+        </p:spPr>
+        <p:txBody>
+          <a:bodyPr wrap="square" rtlCol="0">
+            <a:spAutoFit/>
+          </a:bodyPr>
+          <a:lstStyle/>
+          <a:p>
+            <a:r>
+              <a:rPr lang="en-US" sz="1600" dirty="0" smtClean="0">
+                <a:solidFill>
+                  <a:srgbClr val="0070C0"/>
+                </a:solidFill>
+              </a:rPr>
+              <a:t>AHO-CORASICK</a:t>
+            </a:r>
+            <a:endParaRPr lang="en-US" sz="1600" dirty="0">
+              <a:solidFill>
+                <a:srgbClr val="0070C0"/>
+              </a:solidFill>
+            </a:endParaRPr>
+          </a:p>
+        </p:txBody>
+      </p:sp>
     </p:spTree>
     <p:extLst>
       <p:ext uri="{BB962C8B-B14F-4D97-AF65-F5344CB8AC3E}">
-        <p14:creationId xmlns:p14="http://schemas.microsoft.com/office/powerpoint/2010/main" val="3079765301"/>
+        <p14:creationId xmlns:p14="http://schemas.microsoft.com/office/powerpoint/2010/main" val="1084438022"/>
       </p:ext>
     </p:extLst>
   </p:cSld>
@@ -7698,4 +9778,265 @@
     </a:ext>
   </a:extLst>
 </a:theme>
+</file>
+
+<file path=ppt/theme/theme3.xml><?xml version="1.0" encoding="utf-8"?>
+<a:theme xmlns:a="http://schemas.openxmlformats.org/drawingml/2006/main" name="Office Theme">
+  <a:themeElements>
+    <a:clrScheme name="Office">
+      <a:dk1>
+        <a:sysClr val="windowText" lastClr="000000"/>
+      </a:dk1>
+      <a:lt1>
+        <a:sysClr val="window" lastClr="FFFFFF"/>
+      </a:lt1>
+      <a:dk2>
+        <a:srgbClr val="44546A"/>
+      </a:dk2>
+      <a:lt2>
+        <a:srgbClr val="E7E6E6"/>
+      </a:lt2>
+      <a:accent1>
+        <a:srgbClr val="5B9BD5"/>
+      </a:accent1>
+      <a:accent2>
+        <a:srgbClr val="ED7D31"/>
+      </a:accent2>
+      <a:accent3>
+        <a:srgbClr val="A5A5A5"/>
+      </a:accent3>
+      <a:accent4>
+        <a:srgbClr val="FFC000"/>
+      </a:accent4>
+      <a:accent5>
+        <a:srgbClr val="4472C4"/>
+      </a:accent5>
+      <a:accent6>
+        <a:srgbClr val="70AD47"/>
+      </a:accent6>
+      <a:hlink>
+        <a:srgbClr val="0563C1"/>
+      </a:hlink>
+      <a:folHlink>
+        <a:srgbClr val="954F72"/>
+      </a:folHlink>
+    </a:clrScheme>
+    <a:fontScheme name="Office">
+      <a:majorFont>
+        <a:latin typeface="Calibri Light" panose="020F0302020204030204"/>
+        <a:ea typeface=""/>
+        <a:cs typeface=""/>
+        <a:font script="Jpan" typeface="ＭＳ Ｐゴシック"/>
+        <a:font script="Hang" typeface="맑은 고딕"/>
+        <a:font script="Hans" typeface="宋体"/>
+        <a:font script="Hant" typeface="新細明體"/>
+        <a:font script="Arab" typeface="Times New Roman"/>
+        <a:font script="Hebr" typeface="Times New Roman"/>
+        <a:font script="Thai" typeface="Angsana New"/>
+        <a:font script="Ethi" typeface="Nyala"/>
+        <a:font script="Beng" typeface="Vrinda"/>
+        <a:font script="Gujr" typeface="Shruti"/>
+        <a:font script="Khmr" typeface="MoolBoran"/>
+        <a:font script="Knda" typeface="Tunga"/>
+        <a:font script="Guru" typeface="Raavi"/>
+        <a:font script="Cans" typeface="Euphemia"/>
+        <a:font script="Cher" typeface="Plantagenet Cherokee"/>
+        <a:font script="Yiii" typeface="Microsoft Yi Baiti"/>
+        <a:font script="Tibt" typeface="Microsoft Himalaya"/>
+        <a:font script="Thaa" typeface="MV Boli"/>
+        <a:font script="Deva" typeface="Mangal"/>
+        <a:font script="Telu" typeface="Gautami"/>
+        <a:font script="Taml" typeface="Latha"/>
+        <a:font script="Syrc" typeface="Estrangelo Edessa"/>
+        <a:font script="Orya" typeface="Kalinga"/>
+        <a:font script="Mlym" typeface="Kartika"/>
+        <a:font script="Laoo" typeface="DokChampa"/>
+        <a:font script="Sinh" typeface="Iskoola Pota"/>
+        <a:font script="Mong" typeface="Mongolian Baiti"/>
+        <a:font script="Viet" typeface="Times New Roman"/>
+        <a:font script="Uigh" typeface="Microsoft Uighur"/>
+        <a:font script="Geor" typeface="Sylfaen"/>
+      </a:majorFont>
+      <a:minorFont>
+        <a:latin typeface="Calibri" panose="020F0502020204030204"/>
+        <a:ea typeface=""/>
+        <a:cs typeface=""/>
+        <a:font script="Jpan" typeface="ＭＳ Ｐゴシック"/>
+        <a:font script="Hang" typeface="맑은 고딕"/>
+        <a:font script="Hans" typeface="宋体"/>
+        <a:font script="Hant" typeface="新細明體"/>
+        <a:font script="Arab" typeface="Arial"/>
+        <a:font script="Hebr" typeface="Arial"/>
+        <a:font script="Thai" typeface="Cordia New"/>
+        <a:font script="Ethi" typeface="Nyala"/>
+        <a:font script="Beng" typeface="Vrinda"/>
+        <a:font script="Gujr" typeface="Shruti"/>
+        <a:font script="Khmr" typeface="DaunPenh"/>
+        <a:font script="Knda" typeface="Tunga"/>
+        <a:font script="Guru" typeface="Raavi"/>
+        <a:font script="Cans" typeface="Euphemia"/>
+        <a:font script="Cher" typeface="Plantagenet Cherokee"/>
+        <a:font script="Yiii" typeface="Microsoft Yi Baiti"/>
+        <a:font script="Tibt" typeface="Microsoft Himalaya"/>
+        <a:font script="Thaa" typeface="MV Boli"/>
+        <a:font script="Deva" typeface="Mangal"/>
+        <a:font script="Telu" typeface="Gautami"/>
+        <a:font script="Taml" typeface="Latha"/>
+        <a:font script="Syrc" typeface="Estrangelo Edessa"/>
+        <a:font script="Orya" typeface="Kalinga"/>
+        <a:font script="Mlym" typeface="Kartika"/>
+        <a:font script="Laoo" typeface="DokChampa"/>
+        <a:font script="Sinh" typeface="Iskoola Pota"/>
+        <a:font script="Mong" typeface="Mongolian Baiti"/>
+        <a:font script="Viet" typeface="Arial"/>
+        <a:font script="Uigh" typeface="Microsoft Uighur"/>
+        <a:font script="Geor" typeface="Sylfaen"/>
+      </a:minorFont>
+    </a:fontScheme>
+    <a:fmtScheme name="Office">
+      <a:fillStyleLst>
+        <a:solidFill>
+          <a:schemeClr val="phClr"/>
+        </a:solidFill>
+        <a:gradFill rotWithShape="1">
+          <a:gsLst>
+            <a:gs pos="0">
+              <a:schemeClr val="phClr">
+                <a:lumMod val="110000"/>
+                <a:satMod val="105000"/>
+                <a:tint val="67000"/>
+              </a:schemeClr>
+            </a:gs>
+            <a:gs pos="50000">
+              <a:schemeClr val="phClr">
+                <a:lumMod val="105000"/>
+                <a:satMod val="103000"/>
+                <a:tint val="73000"/>
+              </a:schemeClr>
+            </a:gs>
+            <a:gs pos="100000">
+              <a:schemeClr val="phClr">
+                <a:lumMod val="105000"/>
+                <a:satMod val="109000"/>
+                <a:tint val="81000"/>
+              </a:schemeClr>
+            </a:gs>
+          </a:gsLst>
+          <a:lin ang="5400000" scaled="0"/>
+        </a:gradFill>
+        <a:gradFill rotWithShape="1">
+          <a:gsLst>
+            <a:gs pos="0">
+              <a:schemeClr val="phClr">
+                <a:satMod val="103000"/>
+                <a:lumMod val="102000"/>
+                <a:tint val="94000"/>
+              </a:schemeClr>
+            </a:gs>
+            <a:gs pos="50000">
+              <a:schemeClr val="phClr">
+                <a:satMod val="110000"/>
+                <a:lumMod val="100000"/>
+                <a:shade val="100000"/>
+              </a:schemeClr>
+            </a:gs>
+            <a:gs pos="100000">
+              <a:schemeClr val="phClr">
+                <a:lumMod val="99000"/>
+                <a:satMod val="120000"/>
+                <a:shade val="78000"/>
+              </a:schemeClr>
+            </a:gs>
+          </a:gsLst>
+          <a:lin ang="5400000" scaled="0"/>
+        </a:gradFill>
+      </a:fillStyleLst>
+      <a:lnStyleLst>
+        <a:ln w="6350" cap="flat" cmpd="sng" algn="ctr">
+          <a:solidFill>
+            <a:schemeClr val="phClr"/>
+          </a:solidFill>
+          <a:prstDash val="solid"/>
+          <a:miter lim="800000"/>
+        </a:ln>
+        <a:ln w="12700" cap="flat" cmpd="sng" algn="ctr">
+          <a:solidFill>
+            <a:schemeClr val="phClr"/>
+          </a:solidFill>
+          <a:prstDash val="solid"/>
+          <a:miter lim="800000"/>
+        </a:ln>
+        <a:ln w="19050" cap="flat" cmpd="sng" algn="ctr">
+          <a:solidFill>
+            <a:schemeClr val="phClr"/>
+          </a:solidFill>
+          <a:prstDash val="solid"/>
+          <a:miter lim="800000"/>
+        </a:ln>
+      </a:lnStyleLst>
+      <a:effectStyleLst>
+        <a:effectStyle>
+          <a:effectLst/>
+        </a:effectStyle>
+        <a:effectStyle>
+          <a:effectLst/>
+        </a:effectStyle>
+        <a:effectStyle>
+          <a:effectLst>
+            <a:outerShdw blurRad="57150" dist="19050" dir="5400000" algn="ctr" rotWithShape="0">
+              <a:srgbClr val="000000">
+                <a:alpha val="63000"/>
+              </a:srgbClr>
+            </a:outerShdw>
+          </a:effectLst>
+        </a:effectStyle>
+      </a:effectStyleLst>
+      <a:bgFillStyleLst>
+        <a:solidFill>
+          <a:schemeClr val="phClr"/>
+        </a:solidFill>
+        <a:solidFill>
+          <a:schemeClr val="phClr">
+            <a:tint val="95000"/>
+            <a:satMod val="170000"/>
+          </a:schemeClr>
+        </a:solidFill>
+        <a:gradFill rotWithShape="1">
+          <a:gsLst>
+            <a:gs pos="0">
+              <a:schemeClr val="phClr">
+                <a:tint val="93000"/>
+                <a:satMod val="150000"/>
+                <a:shade val="98000"/>
+                <a:lumMod val="102000"/>
+              </a:schemeClr>
+            </a:gs>
+            <a:gs pos="50000">
+              <a:schemeClr val="phClr">
+                <a:tint val="98000"/>
+                <a:satMod val="130000"/>
+                <a:shade val="90000"/>
+                <a:lumMod val="103000"/>
+              </a:schemeClr>
+            </a:gs>
+            <a:gs pos="100000">
+              <a:schemeClr val="phClr">
+                <a:shade val="63000"/>
+                <a:satMod val="120000"/>
+              </a:schemeClr>
+            </a:gs>
+          </a:gsLst>
+          <a:lin ang="5400000" scaled="0"/>
+        </a:gradFill>
+      </a:bgFillStyleLst>
+    </a:fmtScheme>
+  </a:themeElements>
+  <a:objectDefaults/>
+  <a:extraClrSchemeLst/>
+  <a:extLst>
+    <a:ext uri="{05A4C25C-085E-4340-85A3-A5531E510DB2}">
+      <thm15:themeFamily xmlns:thm15="http://schemas.microsoft.com/office/thememl/2012/main" name="Office Theme" id="{62F939B6-93AF-4DB8-9C6B-D6C7DFDC589F}" vid="{4A3C46E8-61CC-4603-A589-7422A47A8E4A}"/>
+    </a:ext>
+  </a:extLst>
+</a:theme>
 </file>